--- a/0425222019Data 621 Final Project appendix.pptx
+++ b/0425222019Data 621 Final Project appendix.pptx
@@ -15,6 +15,10 @@
     <p:sldId id="302" r:id="rId9"/>
     <p:sldId id="304" r:id="rId10"/>
     <p:sldId id="305" r:id="rId11"/>
+    <p:sldId id="308" r:id="rId12"/>
+    <p:sldId id="307" r:id="rId13"/>
+    <p:sldId id="309" r:id="rId14"/>
+    <p:sldId id="310" r:id="rId15"/>
   </p:sldIdLst>
   <p:sldSz cx="9144000" cy="6858000" type="screen4x3"/>
   <p:notesSz cx="6858000" cy="9144000"/>
@@ -113,6 +117,22 @@
       </a:defRPr>
     </a:lvl9pPr>
   </p:defaultTextStyle>
+  <p:extLst>
+    <p:ext uri="{EFAFB233-063F-42B5-8137-9DF3F51BA10A}">
+      <p15:sldGuideLst xmlns:p15="http://schemas.microsoft.com/office/powerpoint/2012/main">
+        <p15:guide id="1" orient="horz" pos="2160">
+          <p15:clr>
+            <a:srgbClr val="A4A3A4"/>
+          </p15:clr>
+        </p15:guide>
+        <p15:guide id="2" pos="2880">
+          <p15:clr>
+            <a:srgbClr val="A4A3A4"/>
+          </p15:clr>
+        </p15:guide>
+      </p15:sldGuideLst>
+    </p:ext>
+  </p:extLst>
 </p:presentation>
 </file>
 
@@ -154,10 +174,9 @@
           <a:lstStyle/>
           <a:p>
             <a:r>
-              <a:rPr lang="en-US" smtClean="0"/>
+              <a:rPr lang="en-US"/>
               <a:t>Click to edit Master title style</a:t>
             </a:r>
-            <a:endParaRPr lang="en-US"/>
           </a:p>
         </p:txBody>
       </p:sp>
@@ -273,10 +292,9 @@
           </a:lstStyle>
           <a:p>
             <a:r>
-              <a:rPr lang="en-US" smtClean="0"/>
+              <a:rPr lang="en-US"/>
               <a:t>Click to edit Master subtitle style</a:t>
             </a:r>
-            <a:endParaRPr lang="en-US"/>
           </a:p>
         </p:txBody>
       </p:sp>
@@ -298,7 +316,7 @@
             <a:fld id="{BACA226C-B22C-4DC6-8EAD-1B410C878889}" type="datetimeFigureOut">
               <a:rPr lang="en-US" smtClean="0"/>
               <a:pPr/>
-              <a:t>4/25/2019</a:t>
+              <a:t>5/9/2019</a:t>
             </a:fld>
             <a:endParaRPr lang="en-US"/>
           </a:p>
@@ -388,10 +406,9 @@
           <a:lstStyle/>
           <a:p>
             <a:r>
-              <a:rPr lang="en-US" smtClean="0"/>
+              <a:rPr lang="en-US"/>
               <a:t>Click to edit Master title style</a:t>
             </a:r>
-            <a:endParaRPr lang="en-US"/>
           </a:p>
         </p:txBody>
       </p:sp>
@@ -412,38 +429,37 @@
           <a:p>
             <a:pPr lvl="0"/>
             <a:r>
-              <a:rPr lang="en-US" smtClean="0"/>
+              <a:rPr lang="en-US"/>
               <a:t>Click to edit Master text styles</a:t>
             </a:r>
           </a:p>
           <a:p>
             <a:pPr lvl="1"/>
             <a:r>
-              <a:rPr lang="en-US" smtClean="0"/>
+              <a:rPr lang="en-US"/>
               <a:t>Second level</a:t>
             </a:r>
           </a:p>
           <a:p>
             <a:pPr lvl="2"/>
             <a:r>
-              <a:rPr lang="en-US" smtClean="0"/>
+              <a:rPr lang="en-US"/>
               <a:t>Third level</a:t>
             </a:r>
           </a:p>
           <a:p>
             <a:pPr lvl="3"/>
             <a:r>
-              <a:rPr lang="en-US" smtClean="0"/>
+              <a:rPr lang="en-US"/>
               <a:t>Fourth level</a:t>
             </a:r>
           </a:p>
           <a:p>
             <a:pPr lvl="4"/>
             <a:r>
-              <a:rPr lang="en-US" smtClean="0"/>
+              <a:rPr lang="en-US"/>
               <a:t>Fifth level</a:t>
             </a:r>
-            <a:endParaRPr lang="en-US"/>
           </a:p>
         </p:txBody>
       </p:sp>
@@ -465,7 +481,7 @@
             <a:fld id="{BACA226C-B22C-4DC6-8EAD-1B410C878889}" type="datetimeFigureOut">
               <a:rPr lang="en-US" smtClean="0"/>
               <a:pPr/>
-              <a:t>4/25/2019</a:t>
+              <a:t>5/9/2019</a:t>
             </a:fld>
             <a:endParaRPr lang="en-US"/>
           </a:p>
@@ -560,10 +576,9 @@
           <a:lstStyle/>
           <a:p>
             <a:r>
-              <a:rPr lang="en-US" smtClean="0"/>
+              <a:rPr lang="en-US"/>
               <a:t>Click to edit Master title style</a:t>
             </a:r>
-            <a:endParaRPr lang="en-US"/>
           </a:p>
         </p:txBody>
       </p:sp>
@@ -589,38 +604,37 @@
           <a:p>
             <a:pPr lvl="0"/>
             <a:r>
-              <a:rPr lang="en-US" smtClean="0"/>
+              <a:rPr lang="en-US"/>
               <a:t>Click to edit Master text styles</a:t>
             </a:r>
           </a:p>
           <a:p>
             <a:pPr lvl="1"/>
             <a:r>
-              <a:rPr lang="en-US" smtClean="0"/>
+              <a:rPr lang="en-US"/>
               <a:t>Second level</a:t>
             </a:r>
           </a:p>
           <a:p>
             <a:pPr lvl="2"/>
             <a:r>
-              <a:rPr lang="en-US" smtClean="0"/>
+              <a:rPr lang="en-US"/>
               <a:t>Third level</a:t>
             </a:r>
           </a:p>
           <a:p>
             <a:pPr lvl="3"/>
             <a:r>
-              <a:rPr lang="en-US" smtClean="0"/>
+              <a:rPr lang="en-US"/>
               <a:t>Fourth level</a:t>
             </a:r>
           </a:p>
           <a:p>
             <a:pPr lvl="4"/>
             <a:r>
-              <a:rPr lang="en-US" smtClean="0"/>
+              <a:rPr lang="en-US"/>
               <a:t>Fifth level</a:t>
             </a:r>
-            <a:endParaRPr lang="en-US"/>
           </a:p>
         </p:txBody>
       </p:sp>
@@ -642,7 +656,7 @@
             <a:fld id="{BACA226C-B22C-4DC6-8EAD-1B410C878889}" type="datetimeFigureOut">
               <a:rPr lang="en-US" smtClean="0"/>
               <a:pPr/>
-              <a:t>4/25/2019</a:t>
+              <a:t>5/9/2019</a:t>
             </a:fld>
             <a:endParaRPr lang="en-US"/>
           </a:p>
@@ -732,10 +746,9 @@
           <a:lstStyle/>
           <a:p>
             <a:r>
-              <a:rPr lang="en-US" smtClean="0"/>
+              <a:rPr lang="en-US"/>
               <a:t>Click to edit Master title style</a:t>
             </a:r>
-            <a:endParaRPr lang="en-US"/>
           </a:p>
         </p:txBody>
       </p:sp>
@@ -756,38 +769,37 @@
           <a:p>
             <a:pPr lvl="0"/>
             <a:r>
-              <a:rPr lang="en-US" smtClean="0"/>
+              <a:rPr lang="en-US"/>
               <a:t>Click to edit Master text styles</a:t>
             </a:r>
           </a:p>
           <a:p>
             <a:pPr lvl="1"/>
             <a:r>
-              <a:rPr lang="en-US" smtClean="0"/>
+              <a:rPr lang="en-US"/>
               <a:t>Second level</a:t>
             </a:r>
           </a:p>
           <a:p>
             <a:pPr lvl="2"/>
             <a:r>
-              <a:rPr lang="en-US" smtClean="0"/>
+              <a:rPr lang="en-US"/>
               <a:t>Third level</a:t>
             </a:r>
           </a:p>
           <a:p>
             <a:pPr lvl="3"/>
             <a:r>
-              <a:rPr lang="en-US" smtClean="0"/>
+              <a:rPr lang="en-US"/>
               <a:t>Fourth level</a:t>
             </a:r>
           </a:p>
           <a:p>
             <a:pPr lvl="4"/>
             <a:r>
-              <a:rPr lang="en-US" smtClean="0"/>
+              <a:rPr lang="en-US"/>
               <a:t>Fifth level</a:t>
             </a:r>
-            <a:endParaRPr lang="en-US"/>
           </a:p>
         </p:txBody>
       </p:sp>
@@ -809,7 +821,7 @@
             <a:fld id="{BACA226C-B22C-4DC6-8EAD-1B410C878889}" type="datetimeFigureOut">
               <a:rPr lang="en-US" smtClean="0"/>
               <a:pPr/>
-              <a:t>4/25/2019</a:t>
+              <a:t>5/9/2019</a:t>
             </a:fld>
             <a:endParaRPr lang="en-US"/>
           </a:p>
@@ -908,10 +920,9 @@
           </a:lstStyle>
           <a:p>
             <a:r>
-              <a:rPr lang="en-US" smtClean="0"/>
+              <a:rPr lang="en-US"/>
               <a:t>Click to edit Master title style</a:t>
             </a:r>
-            <a:endParaRPr lang="en-US"/>
           </a:p>
         </p:txBody>
       </p:sp>
@@ -1028,7 +1039,7 @@
           <a:p>
             <a:pPr lvl="0"/>
             <a:r>
-              <a:rPr lang="en-US" smtClean="0"/>
+              <a:rPr lang="en-US"/>
               <a:t>Click to edit Master text styles</a:t>
             </a:r>
           </a:p>
@@ -1052,7 +1063,7 @@
             <a:fld id="{BACA226C-B22C-4DC6-8EAD-1B410C878889}" type="datetimeFigureOut">
               <a:rPr lang="en-US" smtClean="0"/>
               <a:pPr/>
-              <a:t>4/25/2019</a:t>
+              <a:t>5/9/2019</a:t>
             </a:fld>
             <a:endParaRPr lang="en-US"/>
           </a:p>
@@ -1142,10 +1153,9 @@
           <a:lstStyle/>
           <a:p>
             <a:r>
-              <a:rPr lang="en-US" smtClean="0"/>
+              <a:rPr lang="en-US"/>
               <a:t>Click to edit Master title style</a:t>
             </a:r>
-            <a:endParaRPr lang="en-US"/>
           </a:p>
         </p:txBody>
       </p:sp>
@@ -1199,38 +1209,37 @@
           <a:p>
             <a:pPr lvl="0"/>
             <a:r>
-              <a:rPr lang="en-US" smtClean="0"/>
+              <a:rPr lang="en-US"/>
               <a:t>Click to edit Master text styles</a:t>
             </a:r>
           </a:p>
           <a:p>
             <a:pPr lvl="1"/>
             <a:r>
-              <a:rPr lang="en-US" smtClean="0"/>
+              <a:rPr lang="en-US"/>
               <a:t>Second level</a:t>
             </a:r>
           </a:p>
           <a:p>
             <a:pPr lvl="2"/>
             <a:r>
-              <a:rPr lang="en-US" smtClean="0"/>
+              <a:rPr lang="en-US"/>
               <a:t>Third level</a:t>
             </a:r>
           </a:p>
           <a:p>
             <a:pPr lvl="3"/>
             <a:r>
-              <a:rPr lang="en-US" smtClean="0"/>
+              <a:rPr lang="en-US"/>
               <a:t>Fourth level</a:t>
             </a:r>
           </a:p>
           <a:p>
             <a:pPr lvl="4"/>
             <a:r>
-              <a:rPr lang="en-US" smtClean="0"/>
+              <a:rPr lang="en-US"/>
               <a:t>Fifth level</a:t>
             </a:r>
-            <a:endParaRPr lang="en-US"/>
           </a:p>
         </p:txBody>
       </p:sp>
@@ -1284,38 +1293,37 @@
           <a:p>
             <a:pPr lvl="0"/>
             <a:r>
-              <a:rPr lang="en-US" smtClean="0"/>
+              <a:rPr lang="en-US"/>
               <a:t>Click to edit Master text styles</a:t>
             </a:r>
           </a:p>
           <a:p>
             <a:pPr lvl="1"/>
             <a:r>
-              <a:rPr lang="en-US" smtClean="0"/>
+              <a:rPr lang="en-US"/>
               <a:t>Second level</a:t>
             </a:r>
           </a:p>
           <a:p>
             <a:pPr lvl="2"/>
             <a:r>
-              <a:rPr lang="en-US" smtClean="0"/>
+              <a:rPr lang="en-US"/>
               <a:t>Third level</a:t>
             </a:r>
           </a:p>
           <a:p>
             <a:pPr lvl="3"/>
             <a:r>
-              <a:rPr lang="en-US" smtClean="0"/>
+              <a:rPr lang="en-US"/>
               <a:t>Fourth level</a:t>
             </a:r>
           </a:p>
           <a:p>
             <a:pPr lvl="4"/>
             <a:r>
-              <a:rPr lang="en-US" smtClean="0"/>
+              <a:rPr lang="en-US"/>
               <a:t>Fifth level</a:t>
             </a:r>
-            <a:endParaRPr lang="en-US"/>
           </a:p>
         </p:txBody>
       </p:sp>
@@ -1337,7 +1345,7 @@
             <a:fld id="{BACA226C-B22C-4DC6-8EAD-1B410C878889}" type="datetimeFigureOut">
               <a:rPr lang="en-US" smtClean="0"/>
               <a:pPr/>
-              <a:t>4/25/2019</a:t>
+              <a:t>5/9/2019</a:t>
             </a:fld>
             <a:endParaRPr lang="en-US"/>
           </a:p>
@@ -1431,10 +1439,9 @@
           </a:lstStyle>
           <a:p>
             <a:r>
-              <a:rPr lang="en-US" smtClean="0"/>
+              <a:rPr lang="en-US"/>
               <a:t>Click to edit Master title style</a:t>
             </a:r>
-            <a:endParaRPr lang="en-US"/>
           </a:p>
         </p:txBody>
       </p:sp>
@@ -1497,7 +1504,7 @@
           <a:p>
             <a:pPr lvl="0"/>
             <a:r>
-              <a:rPr lang="en-US" smtClean="0"/>
+              <a:rPr lang="en-US"/>
               <a:t>Click to edit Master text styles</a:t>
             </a:r>
           </a:p>
@@ -1553,38 +1560,37 @@
           <a:p>
             <a:pPr lvl="0"/>
             <a:r>
-              <a:rPr lang="en-US" smtClean="0"/>
+              <a:rPr lang="en-US"/>
               <a:t>Click to edit Master text styles</a:t>
             </a:r>
           </a:p>
           <a:p>
             <a:pPr lvl="1"/>
             <a:r>
-              <a:rPr lang="en-US" smtClean="0"/>
+              <a:rPr lang="en-US"/>
               <a:t>Second level</a:t>
             </a:r>
           </a:p>
           <a:p>
             <a:pPr lvl="2"/>
             <a:r>
-              <a:rPr lang="en-US" smtClean="0"/>
+              <a:rPr lang="en-US"/>
               <a:t>Third level</a:t>
             </a:r>
           </a:p>
           <a:p>
             <a:pPr lvl="3"/>
             <a:r>
-              <a:rPr lang="en-US" smtClean="0"/>
+              <a:rPr lang="en-US"/>
               <a:t>Fourth level</a:t>
             </a:r>
           </a:p>
           <a:p>
             <a:pPr lvl="4"/>
             <a:r>
-              <a:rPr lang="en-US" smtClean="0"/>
+              <a:rPr lang="en-US"/>
               <a:t>Fifth level</a:t>
             </a:r>
-            <a:endParaRPr lang="en-US"/>
           </a:p>
         </p:txBody>
       </p:sp>
@@ -1647,7 +1653,7 @@
           <a:p>
             <a:pPr lvl="0"/>
             <a:r>
-              <a:rPr lang="en-US" smtClean="0"/>
+              <a:rPr lang="en-US"/>
               <a:t>Click to edit Master text styles</a:t>
             </a:r>
           </a:p>
@@ -1703,38 +1709,37 @@
           <a:p>
             <a:pPr lvl="0"/>
             <a:r>
-              <a:rPr lang="en-US" smtClean="0"/>
+              <a:rPr lang="en-US"/>
               <a:t>Click to edit Master text styles</a:t>
             </a:r>
           </a:p>
           <a:p>
             <a:pPr lvl="1"/>
             <a:r>
-              <a:rPr lang="en-US" smtClean="0"/>
+              <a:rPr lang="en-US"/>
               <a:t>Second level</a:t>
             </a:r>
           </a:p>
           <a:p>
             <a:pPr lvl="2"/>
             <a:r>
-              <a:rPr lang="en-US" smtClean="0"/>
+              <a:rPr lang="en-US"/>
               <a:t>Third level</a:t>
             </a:r>
           </a:p>
           <a:p>
             <a:pPr lvl="3"/>
             <a:r>
-              <a:rPr lang="en-US" smtClean="0"/>
+              <a:rPr lang="en-US"/>
               <a:t>Fourth level</a:t>
             </a:r>
           </a:p>
           <a:p>
             <a:pPr lvl="4"/>
             <a:r>
-              <a:rPr lang="en-US" smtClean="0"/>
+              <a:rPr lang="en-US"/>
               <a:t>Fifth level</a:t>
             </a:r>
-            <a:endParaRPr lang="en-US"/>
           </a:p>
         </p:txBody>
       </p:sp>
@@ -1756,7 +1761,7 @@
             <a:fld id="{BACA226C-B22C-4DC6-8EAD-1B410C878889}" type="datetimeFigureOut">
               <a:rPr lang="en-US" smtClean="0"/>
               <a:pPr/>
-              <a:t>4/25/2019</a:t>
+              <a:t>5/9/2019</a:t>
             </a:fld>
             <a:endParaRPr lang="en-US"/>
           </a:p>
@@ -1846,10 +1851,9 @@
           <a:lstStyle/>
           <a:p>
             <a:r>
-              <a:rPr lang="en-US" smtClean="0"/>
+              <a:rPr lang="en-US"/>
               <a:t>Click to edit Master title style</a:t>
             </a:r>
-            <a:endParaRPr lang="en-US"/>
           </a:p>
         </p:txBody>
       </p:sp>
@@ -1871,7 +1875,7 @@
             <a:fld id="{BACA226C-B22C-4DC6-8EAD-1B410C878889}" type="datetimeFigureOut">
               <a:rPr lang="en-US" smtClean="0"/>
               <a:pPr/>
-              <a:t>4/25/2019</a:t>
+              <a:t>5/9/2019</a:t>
             </a:fld>
             <a:endParaRPr lang="en-US"/>
           </a:p>
@@ -1963,7 +1967,7 @@
             <a:fld id="{BACA226C-B22C-4DC6-8EAD-1B410C878889}" type="datetimeFigureOut">
               <a:rPr lang="en-US" smtClean="0"/>
               <a:pPr/>
-              <a:t>4/25/2019</a:t>
+              <a:t>5/9/2019</a:t>
             </a:fld>
             <a:endParaRPr lang="en-US"/>
           </a:p>
@@ -2062,10 +2066,9 @@
           </a:lstStyle>
           <a:p>
             <a:r>
-              <a:rPr lang="en-US" smtClean="0"/>
+              <a:rPr lang="en-US"/>
               <a:t>Click to edit Master title style</a:t>
             </a:r>
-            <a:endParaRPr lang="en-US"/>
           </a:p>
         </p:txBody>
       </p:sp>
@@ -2119,38 +2122,37 @@
           <a:p>
             <a:pPr lvl="0"/>
             <a:r>
-              <a:rPr lang="en-US" smtClean="0"/>
+              <a:rPr lang="en-US"/>
               <a:t>Click to edit Master text styles</a:t>
             </a:r>
           </a:p>
           <a:p>
             <a:pPr lvl="1"/>
             <a:r>
-              <a:rPr lang="en-US" smtClean="0"/>
+              <a:rPr lang="en-US"/>
               <a:t>Second level</a:t>
             </a:r>
           </a:p>
           <a:p>
             <a:pPr lvl="2"/>
             <a:r>
-              <a:rPr lang="en-US" smtClean="0"/>
+              <a:rPr lang="en-US"/>
               <a:t>Third level</a:t>
             </a:r>
           </a:p>
           <a:p>
             <a:pPr lvl="3"/>
             <a:r>
-              <a:rPr lang="en-US" smtClean="0"/>
+              <a:rPr lang="en-US"/>
               <a:t>Fourth level</a:t>
             </a:r>
           </a:p>
           <a:p>
             <a:pPr lvl="4"/>
             <a:r>
-              <a:rPr lang="en-US" smtClean="0"/>
+              <a:rPr lang="en-US"/>
               <a:t>Fifth level</a:t>
             </a:r>
-            <a:endParaRPr lang="en-US"/>
           </a:p>
         </p:txBody>
       </p:sp>
@@ -2213,7 +2215,7 @@
           <a:p>
             <a:pPr lvl="0"/>
             <a:r>
-              <a:rPr lang="en-US" smtClean="0"/>
+              <a:rPr lang="en-US"/>
               <a:t>Click to edit Master text styles</a:t>
             </a:r>
           </a:p>
@@ -2237,7 +2239,7 @@
             <a:fld id="{BACA226C-B22C-4DC6-8EAD-1B410C878889}" type="datetimeFigureOut">
               <a:rPr lang="en-US" smtClean="0"/>
               <a:pPr/>
-              <a:t>4/25/2019</a:t>
+              <a:t>5/9/2019</a:t>
             </a:fld>
             <a:endParaRPr lang="en-US"/>
           </a:p>
@@ -2336,10 +2338,9 @@
           </a:lstStyle>
           <a:p>
             <a:r>
-              <a:rPr lang="en-US" smtClean="0"/>
+              <a:rPr lang="en-US"/>
               <a:t>Click to edit Master title style</a:t>
             </a:r>
-            <a:endParaRPr lang="en-US"/>
           </a:p>
         </p:txBody>
       </p:sp>
@@ -2463,7 +2464,7 @@
           <a:p>
             <a:pPr lvl="0"/>
             <a:r>
-              <a:rPr lang="en-US" smtClean="0"/>
+              <a:rPr lang="en-US"/>
               <a:t>Click to edit Master text styles</a:t>
             </a:r>
           </a:p>
@@ -2487,7 +2488,7 @@
             <a:fld id="{BACA226C-B22C-4DC6-8EAD-1B410C878889}" type="datetimeFigureOut">
               <a:rPr lang="en-US" smtClean="0"/>
               <a:pPr/>
-              <a:t>4/25/2019</a:t>
+              <a:t>5/9/2019</a:t>
             </a:fld>
             <a:endParaRPr lang="en-US"/>
           </a:p>
@@ -2592,10 +2593,9 @@
           <a:lstStyle/>
           <a:p>
             <a:r>
-              <a:rPr lang="en-US" smtClean="0"/>
+              <a:rPr lang="en-US"/>
               <a:t>Click to edit Master title style</a:t>
             </a:r>
-            <a:endParaRPr lang="en-US"/>
           </a:p>
         </p:txBody>
       </p:sp>
@@ -2626,38 +2626,37 @@
           <a:p>
             <a:pPr lvl="0"/>
             <a:r>
-              <a:rPr lang="en-US" smtClean="0"/>
+              <a:rPr lang="en-US"/>
               <a:t>Click to edit Master text styles</a:t>
             </a:r>
           </a:p>
           <a:p>
             <a:pPr lvl="1"/>
             <a:r>
-              <a:rPr lang="en-US" smtClean="0"/>
+              <a:rPr lang="en-US"/>
               <a:t>Second level</a:t>
             </a:r>
           </a:p>
           <a:p>
             <a:pPr lvl="2"/>
             <a:r>
-              <a:rPr lang="en-US" smtClean="0"/>
+              <a:rPr lang="en-US"/>
               <a:t>Third level</a:t>
             </a:r>
           </a:p>
           <a:p>
             <a:pPr lvl="3"/>
             <a:r>
-              <a:rPr lang="en-US" smtClean="0"/>
+              <a:rPr lang="en-US"/>
               <a:t>Fourth level</a:t>
             </a:r>
           </a:p>
           <a:p>
             <a:pPr lvl="4"/>
             <a:r>
-              <a:rPr lang="en-US" smtClean="0"/>
+              <a:rPr lang="en-US"/>
               <a:t>Fifth level</a:t>
             </a:r>
-            <a:endParaRPr lang="en-US"/>
           </a:p>
         </p:txBody>
       </p:sp>
@@ -2697,7 +2696,7 @@
             <a:fld id="{BACA226C-B22C-4DC6-8EAD-1B410C878889}" type="datetimeFigureOut">
               <a:rPr lang="en-US" smtClean="0"/>
               <a:pPr/>
-              <a:t>4/25/2019</a:t>
+              <a:t>5/9/2019</a:t>
             </a:fld>
             <a:endParaRPr lang="en-US"/>
           </a:p>
@@ -3092,16 +3091,12 @@
           <a:p>
             <a:pPr algn="l"/>
             <a:r>
-              <a:rPr lang="en-US" sz="2000" dirty="0" smtClean="0">
+              <a:rPr lang="en-US" sz="2000" dirty="0">
                 <a:latin typeface="Times New Roman" pitchFamily="18" charset="0"/>
                 <a:cs typeface="Times New Roman" pitchFamily="18" charset="0"/>
               </a:rPr>
               <a:t>Table 1. Summarize the variables of Data Set</a:t>
             </a:r>
-            <a:endParaRPr lang="en-US" sz="2000" dirty="0">
-              <a:latin typeface="Times New Roman" pitchFamily="18" charset="0"/>
-              <a:cs typeface="Times New Roman" pitchFamily="18" charset="0"/>
-            </a:endParaRPr>
           </a:p>
         </p:txBody>
       </p:sp>
@@ -3126,14 +3121,62 @@
                 <a:tableStyleId>{5C22544A-7EE6-4342-B048-85BDC9FD1C3A}</a:tableStyleId>
               </a:tblPr>
               <a:tblGrid>
-                <a:gridCol w="2133600"/>
-                <a:gridCol w="838200"/>
-                <a:gridCol w="838200"/>
-                <a:gridCol w="1066800"/>
-                <a:gridCol w="838200"/>
-                <a:gridCol w="830580"/>
-                <a:gridCol w="914400"/>
-                <a:gridCol w="838200"/>
+                <a:gridCol w="2133600">
+                  <a:extLst>
+                    <a:ext uri="{9D8B030D-6E8A-4147-A177-3AD203B41FA5}">
+                      <a16:colId xmlns:a16="http://schemas.microsoft.com/office/drawing/2014/main" val="20000"/>
+                    </a:ext>
+                  </a:extLst>
+                </a:gridCol>
+                <a:gridCol w="838200">
+                  <a:extLst>
+                    <a:ext uri="{9D8B030D-6E8A-4147-A177-3AD203B41FA5}">
+                      <a16:colId xmlns:a16="http://schemas.microsoft.com/office/drawing/2014/main" val="20001"/>
+                    </a:ext>
+                  </a:extLst>
+                </a:gridCol>
+                <a:gridCol w="838200">
+                  <a:extLst>
+                    <a:ext uri="{9D8B030D-6E8A-4147-A177-3AD203B41FA5}">
+                      <a16:colId xmlns:a16="http://schemas.microsoft.com/office/drawing/2014/main" val="20002"/>
+                    </a:ext>
+                  </a:extLst>
+                </a:gridCol>
+                <a:gridCol w="1066800">
+                  <a:extLst>
+                    <a:ext uri="{9D8B030D-6E8A-4147-A177-3AD203B41FA5}">
+                      <a16:colId xmlns:a16="http://schemas.microsoft.com/office/drawing/2014/main" val="20003"/>
+                    </a:ext>
+                  </a:extLst>
+                </a:gridCol>
+                <a:gridCol w="838200">
+                  <a:extLst>
+                    <a:ext uri="{9D8B030D-6E8A-4147-A177-3AD203B41FA5}">
+                      <a16:colId xmlns:a16="http://schemas.microsoft.com/office/drawing/2014/main" val="20004"/>
+                    </a:ext>
+                  </a:extLst>
+                </a:gridCol>
+                <a:gridCol w="830580">
+                  <a:extLst>
+                    <a:ext uri="{9D8B030D-6E8A-4147-A177-3AD203B41FA5}">
+                      <a16:colId xmlns:a16="http://schemas.microsoft.com/office/drawing/2014/main" val="20005"/>
+                    </a:ext>
+                  </a:extLst>
+                </a:gridCol>
+                <a:gridCol w="914400">
+                  <a:extLst>
+                    <a:ext uri="{9D8B030D-6E8A-4147-A177-3AD203B41FA5}">
+                      <a16:colId xmlns:a16="http://schemas.microsoft.com/office/drawing/2014/main" val="20006"/>
+                    </a:ext>
+                  </a:extLst>
+                </a:gridCol>
+                <a:gridCol w="838200">
+                  <a:extLst>
+                    <a:ext uri="{9D8B030D-6E8A-4147-A177-3AD203B41FA5}">
+                      <a16:colId xmlns:a16="http://schemas.microsoft.com/office/drawing/2014/main" val="20007"/>
+                    </a:ext>
+                  </a:extLst>
+                </a:gridCol>
               </a:tblGrid>
               <a:tr h="370840">
                 <a:tc>
@@ -3142,14 +3185,14 @@
                     <a:lstStyle/>
                     <a:p>
                       <a:r>
-                        <a:rPr lang="en-US" dirty="0" smtClean="0">
+                        <a:rPr lang="en-US" dirty="0">
                           <a:latin typeface="Times New Roman" pitchFamily="18" charset="0"/>
                           <a:cs typeface="Times New Roman" pitchFamily="18" charset="0"/>
                         </a:rPr>
                         <a:t>Variable</a:t>
                       </a:r>
                       <a:r>
-                        <a:rPr lang="en-US" baseline="0" dirty="0" smtClean="0">
+                        <a:rPr lang="en-US" baseline="0" dirty="0">
                           <a:latin typeface="Times New Roman" pitchFamily="18" charset="0"/>
                           <a:cs typeface="Times New Roman" pitchFamily="18" charset="0"/>
                         </a:rPr>
@@ -3169,11 +3212,158 @@
                     <a:lstStyle/>
                     <a:p>
                       <a:r>
-                        <a:rPr lang="en-US" dirty="0" smtClean="0">
+                        <a:rPr lang="en-US" dirty="0">
                           <a:latin typeface="Times New Roman" pitchFamily="18" charset="0"/>
                           <a:cs typeface="Times New Roman" pitchFamily="18" charset="0"/>
                         </a:rPr>
                         <a:t>Min</a:t>
+                      </a:r>
+                    </a:p>
+                  </a:txBody>
+                  <a:tcPr/>
+                </a:tc>
+                <a:tc>
+                  <a:txBody>
+                    <a:bodyPr/>
+                    <a:lstStyle/>
+                    <a:p>
+                      <a:r>
+                        <a:rPr lang="en-US" dirty="0">
+                          <a:latin typeface="Times New Roman" pitchFamily="18" charset="0"/>
+                          <a:cs typeface="Times New Roman" pitchFamily="18" charset="0"/>
+                        </a:rPr>
+                        <a:t>1</a:t>
+                      </a:r>
+                      <a:r>
+                        <a:rPr lang="en-US" baseline="30000" dirty="0">
+                          <a:latin typeface="Times New Roman" pitchFamily="18" charset="0"/>
+                          <a:cs typeface="Times New Roman" pitchFamily="18" charset="0"/>
+                        </a:rPr>
+                        <a:t>st</a:t>
+                      </a:r>
+                      <a:r>
+                        <a:rPr lang="en-US" dirty="0">
+                          <a:latin typeface="Times New Roman" pitchFamily="18" charset="0"/>
+                          <a:cs typeface="Times New Roman" pitchFamily="18" charset="0"/>
+                        </a:rPr>
+                        <a:t>.Q</a:t>
+                      </a:r>
+                    </a:p>
+                  </a:txBody>
+                  <a:tcPr/>
+                </a:tc>
+                <a:tc>
+                  <a:txBody>
+                    <a:bodyPr/>
+                    <a:lstStyle/>
+                    <a:p>
+                      <a:r>
+                        <a:rPr lang="en-US" dirty="0">
+                          <a:latin typeface="Times New Roman" pitchFamily="18" charset="0"/>
+                          <a:cs typeface="Times New Roman" pitchFamily="18" charset="0"/>
+                        </a:rPr>
+                        <a:t>Median</a:t>
+                      </a:r>
+                    </a:p>
+                  </a:txBody>
+                  <a:tcPr/>
+                </a:tc>
+                <a:tc>
+                  <a:txBody>
+                    <a:bodyPr/>
+                    <a:lstStyle/>
+                    <a:p>
+                      <a:r>
+                        <a:rPr lang="en-US" dirty="0">
+                          <a:latin typeface="Times New Roman" pitchFamily="18" charset="0"/>
+                          <a:cs typeface="Times New Roman" pitchFamily="18" charset="0"/>
+                        </a:rPr>
+                        <a:t>3</a:t>
+                      </a:r>
+                      <a:r>
+                        <a:rPr lang="en-US" baseline="30000" dirty="0">
+                          <a:latin typeface="Times New Roman" pitchFamily="18" charset="0"/>
+                          <a:cs typeface="Times New Roman" pitchFamily="18" charset="0"/>
+                        </a:rPr>
+                        <a:t>rd</a:t>
+                      </a:r>
+                      <a:r>
+                        <a:rPr lang="en-US" dirty="0">
+                          <a:latin typeface="Times New Roman" pitchFamily="18" charset="0"/>
+                          <a:cs typeface="Times New Roman" pitchFamily="18" charset="0"/>
+                        </a:rPr>
+                        <a:t>.Q</a:t>
+                      </a:r>
+                    </a:p>
+                  </a:txBody>
+                  <a:tcPr/>
+                </a:tc>
+                <a:tc>
+                  <a:txBody>
+                    <a:bodyPr/>
+                    <a:lstStyle/>
+                    <a:p>
+                      <a:r>
+                        <a:rPr lang="en-US" dirty="0">
+                          <a:latin typeface="Times New Roman" pitchFamily="18" charset="0"/>
+                          <a:cs typeface="Times New Roman" pitchFamily="18" charset="0"/>
+                        </a:rPr>
+                        <a:t>Max</a:t>
+                      </a:r>
+                    </a:p>
+                  </a:txBody>
+                  <a:tcPr/>
+                </a:tc>
+                <a:tc>
+                  <a:txBody>
+                    <a:bodyPr/>
+                    <a:lstStyle/>
+                    <a:p>
+                      <a:r>
+                        <a:rPr lang="en-US" dirty="0">
+                          <a:latin typeface="Times New Roman" pitchFamily="18" charset="0"/>
+                          <a:cs typeface="Times New Roman" pitchFamily="18" charset="0"/>
+                        </a:rPr>
+                        <a:t>Mean</a:t>
+                      </a:r>
+                    </a:p>
+                  </a:txBody>
+                  <a:tcPr/>
+                </a:tc>
+                <a:tc>
+                  <a:txBody>
+                    <a:bodyPr/>
+                    <a:lstStyle/>
+                    <a:p>
+                      <a:r>
+                        <a:rPr lang="en-US" dirty="0">
+                          <a:latin typeface="Times New Roman" pitchFamily="18" charset="0"/>
+                          <a:cs typeface="Times New Roman" pitchFamily="18" charset="0"/>
+                        </a:rPr>
+                        <a:t>SD</a:t>
+                      </a:r>
+                    </a:p>
+                  </a:txBody>
+                  <a:tcPr/>
+                </a:tc>
+                <a:extLst>
+                  <a:ext uri="{0D108BD9-81ED-4DB2-BD59-A6C34878D82A}">
+                    <a16:rowId xmlns:a16="http://schemas.microsoft.com/office/drawing/2014/main" val="10000"/>
+                  </a:ext>
+                </a:extLst>
+              </a:tr>
+              <a:tr h="370840">
+                <a:tc>
+                  <a:txBody>
+                    <a:bodyPr/>
+                    <a:lstStyle/>
+                    <a:p>
+                      <a:r>
+                        <a:rPr lang="en-US" dirty="0" err="1">
+                          <a:latin typeface="Times New Roman" pitchFamily="18" charset="0"/>
+                          <a:cs typeface="Times New Roman" pitchFamily="18" charset="0"/>
+                        </a:rPr>
+                        <a:t>Fixed.acidity</a:t>
                       </a:r>
                       <a:endParaRPr lang="en-US" dirty="0">
                         <a:latin typeface="Times New Roman" pitchFamily="18" charset="0"/>
@@ -3189,286 +3379,92 @@
                     <a:lstStyle/>
                     <a:p>
                       <a:r>
-                        <a:rPr lang="en-US" dirty="0" smtClean="0">
-                          <a:latin typeface="Times New Roman" pitchFamily="18" charset="0"/>
-                          <a:cs typeface="Times New Roman" pitchFamily="18" charset="0"/>
-                        </a:rPr>
-                        <a:t>1</a:t>
-                      </a:r>
-                      <a:r>
-                        <a:rPr lang="en-US" baseline="30000" dirty="0" smtClean="0">
-                          <a:latin typeface="Times New Roman" pitchFamily="18" charset="0"/>
-                          <a:cs typeface="Times New Roman" pitchFamily="18" charset="0"/>
-                        </a:rPr>
-                        <a:t>st</a:t>
-                      </a:r>
-                      <a:r>
-                        <a:rPr lang="en-US" dirty="0" smtClean="0">
-                          <a:latin typeface="Times New Roman" pitchFamily="18" charset="0"/>
-                          <a:cs typeface="Times New Roman" pitchFamily="18" charset="0"/>
-                        </a:rPr>
-                        <a:t>.Q</a:t>
-                      </a:r>
-                      <a:endParaRPr lang="en-US" dirty="0">
-                        <a:latin typeface="Times New Roman" pitchFamily="18" charset="0"/>
-                        <a:cs typeface="Times New Roman" pitchFamily="18" charset="0"/>
-                      </a:endParaRPr>
-                    </a:p>
-                  </a:txBody>
-                  <a:tcPr/>
-                </a:tc>
-                <a:tc>
-                  <a:txBody>
-                    <a:bodyPr/>
-                    <a:lstStyle/>
-                    <a:p>
-                      <a:r>
-                        <a:rPr lang="en-US" dirty="0" smtClean="0">
-                          <a:latin typeface="Times New Roman" pitchFamily="18" charset="0"/>
-                          <a:cs typeface="Times New Roman" pitchFamily="18" charset="0"/>
-                        </a:rPr>
-                        <a:t>Median</a:t>
-                      </a:r>
-                      <a:endParaRPr lang="en-US" dirty="0">
-                        <a:latin typeface="Times New Roman" pitchFamily="18" charset="0"/>
-                        <a:cs typeface="Times New Roman" pitchFamily="18" charset="0"/>
-                      </a:endParaRPr>
-                    </a:p>
-                  </a:txBody>
-                  <a:tcPr/>
-                </a:tc>
-                <a:tc>
-                  <a:txBody>
-                    <a:bodyPr/>
-                    <a:lstStyle/>
-                    <a:p>
-                      <a:r>
-                        <a:rPr lang="en-US" dirty="0" smtClean="0">
-                          <a:latin typeface="Times New Roman" pitchFamily="18" charset="0"/>
-                          <a:cs typeface="Times New Roman" pitchFamily="18" charset="0"/>
-                        </a:rPr>
-                        <a:t>3</a:t>
-                      </a:r>
-                      <a:r>
-                        <a:rPr lang="en-US" baseline="30000" dirty="0" smtClean="0">
-                          <a:latin typeface="Times New Roman" pitchFamily="18" charset="0"/>
-                          <a:cs typeface="Times New Roman" pitchFamily="18" charset="0"/>
-                        </a:rPr>
-                        <a:t>rd</a:t>
-                      </a:r>
-                      <a:r>
-                        <a:rPr lang="en-US" dirty="0" smtClean="0">
-                          <a:latin typeface="Times New Roman" pitchFamily="18" charset="0"/>
-                          <a:cs typeface="Times New Roman" pitchFamily="18" charset="0"/>
-                        </a:rPr>
-                        <a:t>.Q</a:t>
-                      </a:r>
-                      <a:endParaRPr lang="en-US" dirty="0">
-                        <a:latin typeface="Times New Roman" pitchFamily="18" charset="0"/>
-                        <a:cs typeface="Times New Roman" pitchFamily="18" charset="0"/>
-                      </a:endParaRPr>
-                    </a:p>
-                  </a:txBody>
-                  <a:tcPr/>
-                </a:tc>
-                <a:tc>
-                  <a:txBody>
-                    <a:bodyPr/>
-                    <a:lstStyle/>
-                    <a:p>
-                      <a:r>
-                        <a:rPr lang="en-US" dirty="0" smtClean="0">
-                          <a:latin typeface="Times New Roman" pitchFamily="18" charset="0"/>
-                          <a:cs typeface="Times New Roman" pitchFamily="18" charset="0"/>
-                        </a:rPr>
-                        <a:t>Max</a:t>
-                      </a:r>
-                      <a:endParaRPr lang="en-US" dirty="0">
-                        <a:latin typeface="Times New Roman" pitchFamily="18" charset="0"/>
-                        <a:cs typeface="Times New Roman" pitchFamily="18" charset="0"/>
-                      </a:endParaRPr>
-                    </a:p>
-                  </a:txBody>
-                  <a:tcPr/>
-                </a:tc>
-                <a:tc>
-                  <a:txBody>
-                    <a:bodyPr/>
-                    <a:lstStyle/>
-                    <a:p>
-                      <a:r>
-                        <a:rPr lang="en-US" dirty="0" smtClean="0">
-                          <a:latin typeface="Times New Roman" pitchFamily="18" charset="0"/>
-                          <a:cs typeface="Times New Roman" pitchFamily="18" charset="0"/>
-                        </a:rPr>
-                        <a:t>Mean</a:t>
-                      </a:r>
-                      <a:endParaRPr lang="en-US" dirty="0">
-                        <a:latin typeface="Times New Roman" pitchFamily="18" charset="0"/>
-                        <a:cs typeface="Times New Roman" pitchFamily="18" charset="0"/>
-                      </a:endParaRPr>
-                    </a:p>
-                  </a:txBody>
-                  <a:tcPr/>
-                </a:tc>
-                <a:tc>
-                  <a:txBody>
-                    <a:bodyPr/>
-                    <a:lstStyle/>
-                    <a:p>
-                      <a:r>
-                        <a:rPr lang="en-US" dirty="0" smtClean="0">
-                          <a:latin typeface="Times New Roman" pitchFamily="18" charset="0"/>
-                          <a:cs typeface="Times New Roman" pitchFamily="18" charset="0"/>
-                        </a:rPr>
-                        <a:t>SD</a:t>
-                      </a:r>
-                      <a:endParaRPr lang="en-US" dirty="0">
-                        <a:latin typeface="Times New Roman" pitchFamily="18" charset="0"/>
-                        <a:cs typeface="Times New Roman" pitchFamily="18" charset="0"/>
-                      </a:endParaRPr>
-                    </a:p>
-                  </a:txBody>
-                  <a:tcPr/>
-                </a:tc>
-              </a:tr>
-              <a:tr h="370840">
-                <a:tc>
-                  <a:txBody>
-                    <a:bodyPr/>
-                    <a:lstStyle/>
-                    <a:p>
-                      <a:r>
-                        <a:rPr lang="en-US" dirty="0" err="1" smtClean="0">
-                          <a:latin typeface="Times New Roman" pitchFamily="18" charset="0"/>
-                          <a:cs typeface="Times New Roman" pitchFamily="18" charset="0"/>
-                        </a:rPr>
-                        <a:t>Fixed.acidity</a:t>
-                      </a:r>
-                      <a:endParaRPr lang="en-US" dirty="0">
-                        <a:latin typeface="Times New Roman" pitchFamily="18" charset="0"/>
-                        <a:cs typeface="Times New Roman" pitchFamily="18" charset="0"/>
-                      </a:endParaRPr>
-                    </a:p>
-                  </a:txBody>
-                  <a:tcPr/>
-                </a:tc>
-                <a:tc>
-                  <a:txBody>
-                    <a:bodyPr/>
-                    <a:lstStyle/>
-                    <a:p>
-                      <a:r>
-                        <a:rPr lang="en-US" dirty="0" smtClean="0">
+                        <a:rPr lang="en-US" dirty="0">
                           <a:latin typeface="Times New Roman" pitchFamily="18" charset="0"/>
                           <a:cs typeface="Times New Roman" pitchFamily="18" charset="0"/>
                         </a:rPr>
                         <a:t>3.80</a:t>
                       </a:r>
-                      <a:endParaRPr lang="en-US" dirty="0">
-                        <a:latin typeface="Times New Roman" pitchFamily="18" charset="0"/>
-                        <a:cs typeface="Times New Roman" pitchFamily="18" charset="0"/>
-                      </a:endParaRPr>
-                    </a:p>
-                  </a:txBody>
-                  <a:tcPr/>
-                </a:tc>
-                <a:tc>
-                  <a:txBody>
-                    <a:bodyPr/>
-                    <a:lstStyle/>
-                    <a:p>
-                      <a:r>
-                        <a:rPr lang="en-US" dirty="0" smtClean="0">
+                    </a:p>
+                  </a:txBody>
+                  <a:tcPr/>
+                </a:tc>
+                <a:tc>
+                  <a:txBody>
+                    <a:bodyPr/>
+                    <a:lstStyle/>
+                    <a:p>
+                      <a:r>
+                        <a:rPr lang="en-US" dirty="0">
                           <a:latin typeface="Times New Roman" pitchFamily="18" charset="0"/>
                           <a:cs typeface="Times New Roman" pitchFamily="18" charset="0"/>
                         </a:rPr>
                         <a:t>6.30</a:t>
                       </a:r>
-                      <a:endParaRPr lang="en-US" dirty="0">
-                        <a:latin typeface="Times New Roman" pitchFamily="18" charset="0"/>
-                        <a:cs typeface="Times New Roman" pitchFamily="18" charset="0"/>
-                      </a:endParaRPr>
-                    </a:p>
-                  </a:txBody>
-                  <a:tcPr/>
-                </a:tc>
-                <a:tc>
-                  <a:txBody>
-                    <a:bodyPr/>
-                    <a:lstStyle/>
-                    <a:p>
-                      <a:r>
-                        <a:rPr lang="en-US" dirty="0" smtClean="0">
+                    </a:p>
+                  </a:txBody>
+                  <a:tcPr/>
+                </a:tc>
+                <a:tc>
+                  <a:txBody>
+                    <a:bodyPr/>
+                    <a:lstStyle/>
+                    <a:p>
+                      <a:r>
+                        <a:rPr lang="en-US" dirty="0">
                           <a:latin typeface="Times New Roman" pitchFamily="18" charset="0"/>
                           <a:cs typeface="Times New Roman" pitchFamily="18" charset="0"/>
                         </a:rPr>
                         <a:t>6.80</a:t>
                       </a:r>
-                      <a:endParaRPr lang="en-US" dirty="0">
-                        <a:latin typeface="Times New Roman" pitchFamily="18" charset="0"/>
-                        <a:cs typeface="Times New Roman" pitchFamily="18" charset="0"/>
-                      </a:endParaRPr>
-                    </a:p>
-                  </a:txBody>
-                  <a:tcPr/>
-                </a:tc>
-                <a:tc>
-                  <a:txBody>
-                    <a:bodyPr/>
-                    <a:lstStyle/>
-                    <a:p>
-                      <a:r>
-                        <a:rPr lang="en-US" dirty="0" smtClean="0">
+                    </a:p>
+                  </a:txBody>
+                  <a:tcPr/>
+                </a:tc>
+                <a:tc>
+                  <a:txBody>
+                    <a:bodyPr/>
+                    <a:lstStyle/>
+                    <a:p>
+                      <a:r>
+                        <a:rPr lang="en-US" dirty="0">
                           <a:latin typeface="Times New Roman" pitchFamily="18" charset="0"/>
                           <a:cs typeface="Times New Roman" pitchFamily="18" charset="0"/>
                         </a:rPr>
                         <a:t>7.30</a:t>
                       </a:r>
-                      <a:endParaRPr lang="en-US" dirty="0">
-                        <a:latin typeface="Times New Roman" pitchFamily="18" charset="0"/>
-                        <a:cs typeface="Times New Roman" pitchFamily="18" charset="0"/>
-                      </a:endParaRPr>
-                    </a:p>
-                  </a:txBody>
-                  <a:tcPr/>
-                </a:tc>
-                <a:tc>
-                  <a:txBody>
-                    <a:bodyPr/>
-                    <a:lstStyle/>
-                    <a:p>
-                      <a:r>
-                        <a:rPr lang="en-US" dirty="0" smtClean="0">
+                    </a:p>
+                  </a:txBody>
+                  <a:tcPr/>
+                </a:tc>
+                <a:tc>
+                  <a:txBody>
+                    <a:bodyPr/>
+                    <a:lstStyle/>
+                    <a:p>
+                      <a:r>
+                        <a:rPr lang="en-US" dirty="0">
                           <a:latin typeface="Times New Roman" pitchFamily="18" charset="0"/>
                           <a:cs typeface="Times New Roman" pitchFamily="18" charset="0"/>
                         </a:rPr>
                         <a:t>14.20</a:t>
                       </a:r>
-                      <a:endParaRPr lang="en-US" dirty="0">
-                        <a:latin typeface="Times New Roman" pitchFamily="18" charset="0"/>
-                        <a:cs typeface="Times New Roman" pitchFamily="18" charset="0"/>
-                      </a:endParaRPr>
-                    </a:p>
-                  </a:txBody>
-                  <a:tcPr/>
-                </a:tc>
-                <a:tc>
-                  <a:txBody>
-                    <a:bodyPr/>
-                    <a:lstStyle/>
-                    <a:p>
-                      <a:r>
-                        <a:rPr lang="en-US" dirty="0" smtClean="0">
+                    </a:p>
+                  </a:txBody>
+                  <a:tcPr/>
+                </a:tc>
+                <a:tc>
+                  <a:txBody>
+                    <a:bodyPr/>
+                    <a:lstStyle/>
+                    <a:p>
+                      <a:r>
+                        <a:rPr lang="en-US" dirty="0">
                           <a:latin typeface="Times New Roman" pitchFamily="18" charset="0"/>
                           <a:cs typeface="Times New Roman" pitchFamily="18" charset="0"/>
                         </a:rPr>
                         <a:t>6.86</a:t>
                       </a:r>
-                      <a:endParaRPr lang="en-US" dirty="0">
-                        <a:latin typeface="Times New Roman" pitchFamily="18" charset="0"/>
-                        <a:cs typeface="Times New Roman" pitchFamily="18" charset="0"/>
-                      </a:endParaRPr>
                     </a:p>
                   </a:txBody>
                   <a:tcPr/>
@@ -3496,7 +3492,7 @@
                         <a:defRPr/>
                       </a:pPr>
                       <a:r>
-                        <a:rPr lang="en-US" sz="1800" kern="1200" baseline="0" dirty="0" smtClean="0">
+                        <a:rPr lang="en-US" sz="1800" kern="1200" baseline="0" dirty="0">
                           <a:solidFill>
                             <a:schemeClr val="dk1"/>
                           </a:solidFill>
@@ -3514,6 +3510,11 @@
                   </a:txBody>
                   <a:tcPr/>
                 </a:tc>
+                <a:extLst>
+                  <a:ext uri="{0D108BD9-81ED-4DB2-BD59-A6C34878D82A}">
+                    <a16:rowId xmlns:a16="http://schemas.microsoft.com/office/drawing/2014/main" val="10001"/>
+                  </a:ext>
+                </a:extLst>
               </a:tr>
               <a:tr h="370840">
                 <a:tc>
@@ -3522,7 +3523,7 @@
                     <a:lstStyle/>
                     <a:p>
                       <a:r>
-                        <a:rPr lang="en-US" dirty="0" err="1" smtClean="0">
+                        <a:rPr lang="en-US" dirty="0" err="1">
                           <a:latin typeface="Times New Roman" pitchFamily="18" charset="0"/>
                           <a:cs typeface="Times New Roman" pitchFamily="18" charset="0"/>
                         </a:rPr>
@@ -3542,116 +3543,92 @@
                     <a:lstStyle/>
                     <a:p>
                       <a:r>
-                        <a:rPr lang="en-US" dirty="0" smtClean="0">
+                        <a:rPr lang="en-US" dirty="0">
                           <a:latin typeface="Times New Roman" pitchFamily="18" charset="0"/>
                           <a:cs typeface="Times New Roman" pitchFamily="18" charset="0"/>
                         </a:rPr>
                         <a:t>0.08</a:t>
                       </a:r>
-                      <a:endParaRPr lang="en-US" dirty="0">
-                        <a:latin typeface="Times New Roman" pitchFamily="18" charset="0"/>
-                        <a:cs typeface="Times New Roman" pitchFamily="18" charset="0"/>
-                      </a:endParaRPr>
-                    </a:p>
-                  </a:txBody>
-                  <a:tcPr/>
-                </a:tc>
-                <a:tc>
-                  <a:txBody>
-                    <a:bodyPr/>
-                    <a:lstStyle/>
-                    <a:p>
-                      <a:r>
-                        <a:rPr lang="en-US" dirty="0" smtClean="0">
+                    </a:p>
+                  </a:txBody>
+                  <a:tcPr/>
+                </a:tc>
+                <a:tc>
+                  <a:txBody>
+                    <a:bodyPr/>
+                    <a:lstStyle/>
+                    <a:p>
+                      <a:r>
+                        <a:rPr lang="en-US" dirty="0">
                           <a:latin typeface="Times New Roman" pitchFamily="18" charset="0"/>
                           <a:cs typeface="Times New Roman" pitchFamily="18" charset="0"/>
                         </a:rPr>
                         <a:t>0.21</a:t>
                       </a:r>
-                      <a:endParaRPr lang="en-US" dirty="0">
-                        <a:latin typeface="Times New Roman" pitchFamily="18" charset="0"/>
-                        <a:cs typeface="Times New Roman" pitchFamily="18" charset="0"/>
-                      </a:endParaRPr>
-                    </a:p>
-                  </a:txBody>
-                  <a:tcPr/>
-                </a:tc>
-                <a:tc>
-                  <a:txBody>
-                    <a:bodyPr/>
-                    <a:lstStyle/>
-                    <a:p>
-                      <a:r>
-                        <a:rPr lang="en-US" dirty="0" smtClean="0">
+                    </a:p>
+                  </a:txBody>
+                  <a:tcPr/>
+                </a:tc>
+                <a:tc>
+                  <a:txBody>
+                    <a:bodyPr/>
+                    <a:lstStyle/>
+                    <a:p>
+                      <a:r>
+                        <a:rPr lang="en-US" dirty="0">
                           <a:latin typeface="Times New Roman" pitchFamily="18" charset="0"/>
                           <a:cs typeface="Times New Roman" pitchFamily="18" charset="0"/>
                         </a:rPr>
                         <a:t>.026</a:t>
                       </a:r>
-                      <a:endParaRPr lang="en-US" dirty="0">
-                        <a:latin typeface="Times New Roman" pitchFamily="18" charset="0"/>
-                        <a:cs typeface="Times New Roman" pitchFamily="18" charset="0"/>
-                      </a:endParaRPr>
-                    </a:p>
-                  </a:txBody>
-                  <a:tcPr/>
-                </a:tc>
-                <a:tc>
-                  <a:txBody>
-                    <a:bodyPr/>
-                    <a:lstStyle/>
-                    <a:p>
-                      <a:r>
-                        <a:rPr lang="en-US" dirty="0" smtClean="0">
+                    </a:p>
+                  </a:txBody>
+                  <a:tcPr/>
+                </a:tc>
+                <a:tc>
+                  <a:txBody>
+                    <a:bodyPr/>
+                    <a:lstStyle/>
+                    <a:p>
+                      <a:r>
+                        <a:rPr lang="en-US" dirty="0">
                           <a:latin typeface="Times New Roman" pitchFamily="18" charset="0"/>
                           <a:cs typeface="Times New Roman" pitchFamily="18" charset="0"/>
                         </a:rPr>
                         <a:t>0.32</a:t>
                       </a:r>
-                      <a:endParaRPr lang="en-US" dirty="0">
-                        <a:latin typeface="Times New Roman" pitchFamily="18" charset="0"/>
-                        <a:cs typeface="Times New Roman" pitchFamily="18" charset="0"/>
-                      </a:endParaRPr>
-                    </a:p>
-                  </a:txBody>
-                  <a:tcPr/>
-                </a:tc>
-                <a:tc>
-                  <a:txBody>
-                    <a:bodyPr/>
-                    <a:lstStyle/>
-                    <a:p>
-                      <a:r>
-                        <a:rPr lang="en-US" dirty="0" smtClean="0">
+                    </a:p>
+                  </a:txBody>
+                  <a:tcPr/>
+                </a:tc>
+                <a:tc>
+                  <a:txBody>
+                    <a:bodyPr/>
+                    <a:lstStyle/>
+                    <a:p>
+                      <a:r>
+                        <a:rPr lang="en-US" dirty="0">
                           <a:latin typeface="Times New Roman" pitchFamily="18" charset="0"/>
                           <a:cs typeface="Times New Roman" pitchFamily="18" charset="0"/>
                         </a:rPr>
                         <a:t>1.10</a:t>
                       </a:r>
-                      <a:endParaRPr lang="en-US" dirty="0">
-                        <a:latin typeface="Times New Roman" pitchFamily="18" charset="0"/>
-                        <a:cs typeface="Times New Roman" pitchFamily="18" charset="0"/>
-                      </a:endParaRPr>
-                    </a:p>
-                  </a:txBody>
-                  <a:tcPr/>
-                </a:tc>
-                <a:tc>
-                  <a:txBody>
-                    <a:bodyPr/>
-                    <a:lstStyle/>
-                    <a:p>
-                      <a:r>
-                        <a:rPr lang="en-US" dirty="0" smtClean="0">
+                    </a:p>
+                  </a:txBody>
+                  <a:tcPr/>
+                </a:tc>
+                <a:tc>
+                  <a:txBody>
+                    <a:bodyPr/>
+                    <a:lstStyle/>
+                    <a:p>
+                      <a:r>
+                        <a:rPr lang="en-US" dirty="0">
                           <a:latin typeface="Times New Roman" pitchFamily="18" charset="0"/>
                           <a:cs typeface="Times New Roman" pitchFamily="18" charset="0"/>
                         </a:rPr>
                         <a:t>0.28</a:t>
                       </a:r>
-                      <a:endParaRPr lang="en-US" dirty="0">
-                        <a:latin typeface="Times New Roman" pitchFamily="18" charset="0"/>
-                        <a:cs typeface="Times New Roman" pitchFamily="18" charset="0"/>
-                      </a:endParaRPr>
                     </a:p>
                   </a:txBody>
                   <a:tcPr/>
@@ -3679,7 +3656,7 @@
                         <a:defRPr/>
                       </a:pPr>
                       <a:r>
-                        <a:rPr lang="en-US" sz="1800" kern="1200" baseline="0" dirty="0" smtClean="0">
+                        <a:rPr lang="en-US" sz="1800" kern="1200" baseline="0" dirty="0">
                           <a:solidFill>
                             <a:schemeClr val="dk1"/>
                           </a:solidFill>
@@ -3697,6 +3674,11 @@
                   </a:txBody>
                   <a:tcPr/>
                 </a:tc>
+                <a:extLst>
+                  <a:ext uri="{0D108BD9-81ED-4DB2-BD59-A6C34878D82A}">
+                    <a16:rowId xmlns:a16="http://schemas.microsoft.com/office/drawing/2014/main" val="10002"/>
+                  </a:ext>
+                </a:extLst>
               </a:tr>
               <a:tr h="370840">
                 <a:tc>
@@ -3705,7 +3687,7 @@
                     <a:lstStyle/>
                     <a:p>
                       <a:r>
-                        <a:rPr lang="en-US" dirty="0" err="1" smtClean="0">
+                        <a:rPr lang="en-US" dirty="0" err="1">
                           <a:latin typeface="Times New Roman" pitchFamily="18" charset="0"/>
                           <a:cs typeface="Times New Roman" pitchFamily="18" charset="0"/>
                         </a:rPr>
@@ -3725,11 +3707,130 @@
                     <a:lstStyle/>
                     <a:p>
                       <a:r>
-                        <a:rPr lang="en-US" dirty="0" smtClean="0">
+                        <a:rPr lang="en-US" dirty="0">
                           <a:latin typeface="Times New Roman" pitchFamily="18" charset="0"/>
                           <a:cs typeface="Times New Roman" pitchFamily="18" charset="0"/>
                         </a:rPr>
                         <a:t>0.00</a:t>
+                      </a:r>
+                    </a:p>
+                  </a:txBody>
+                  <a:tcPr/>
+                </a:tc>
+                <a:tc>
+                  <a:txBody>
+                    <a:bodyPr/>
+                    <a:lstStyle/>
+                    <a:p>
+                      <a:r>
+                        <a:rPr lang="en-US" dirty="0">
+                          <a:latin typeface="Times New Roman" pitchFamily="18" charset="0"/>
+                          <a:cs typeface="Times New Roman" pitchFamily="18" charset="0"/>
+                        </a:rPr>
+                        <a:t>0.27</a:t>
+                      </a:r>
+                    </a:p>
+                  </a:txBody>
+                  <a:tcPr/>
+                </a:tc>
+                <a:tc>
+                  <a:txBody>
+                    <a:bodyPr/>
+                    <a:lstStyle/>
+                    <a:p>
+                      <a:r>
+                        <a:rPr lang="en-US" dirty="0">
+                          <a:latin typeface="Times New Roman" pitchFamily="18" charset="0"/>
+                          <a:cs typeface="Times New Roman" pitchFamily="18" charset="0"/>
+                        </a:rPr>
+                        <a:t>0.32</a:t>
+                      </a:r>
+                    </a:p>
+                  </a:txBody>
+                  <a:tcPr/>
+                </a:tc>
+                <a:tc>
+                  <a:txBody>
+                    <a:bodyPr/>
+                    <a:lstStyle/>
+                    <a:p>
+                      <a:r>
+                        <a:rPr lang="en-US" dirty="0">
+                          <a:latin typeface="Times New Roman" pitchFamily="18" charset="0"/>
+                          <a:cs typeface="Times New Roman" pitchFamily="18" charset="0"/>
+                        </a:rPr>
+                        <a:t>0.39</a:t>
+                      </a:r>
+                    </a:p>
+                  </a:txBody>
+                  <a:tcPr/>
+                </a:tc>
+                <a:tc>
+                  <a:txBody>
+                    <a:bodyPr/>
+                    <a:lstStyle/>
+                    <a:p>
+                      <a:r>
+                        <a:rPr lang="en-US" dirty="0">
+                          <a:latin typeface="Times New Roman" pitchFamily="18" charset="0"/>
+                          <a:cs typeface="Times New Roman" pitchFamily="18" charset="0"/>
+                        </a:rPr>
+                        <a:t>1.66</a:t>
+                      </a:r>
+                    </a:p>
+                  </a:txBody>
+                  <a:tcPr/>
+                </a:tc>
+                <a:tc>
+                  <a:txBody>
+                    <a:bodyPr/>
+                    <a:lstStyle/>
+                    <a:p>
+                      <a:r>
+                        <a:rPr lang="en-US" dirty="0">
+                          <a:latin typeface="Times New Roman" pitchFamily="18" charset="0"/>
+                          <a:cs typeface="Times New Roman" pitchFamily="18" charset="0"/>
+                        </a:rPr>
+                        <a:t>0.33</a:t>
+                      </a:r>
+                    </a:p>
+                  </a:txBody>
+                  <a:tcPr/>
+                </a:tc>
+                <a:tc>
+                  <a:txBody>
+                    <a:bodyPr/>
+                    <a:lstStyle/>
+                    <a:p>
+                      <a:r>
+                        <a:rPr lang="en-US" dirty="0">
+                          <a:latin typeface="Times New Roman" pitchFamily="18" charset="0"/>
+                          <a:cs typeface="Times New Roman" pitchFamily="18" charset="0"/>
+                        </a:rPr>
+                        <a:t>0.121</a:t>
+                      </a:r>
+                    </a:p>
+                  </a:txBody>
+                  <a:tcPr/>
+                </a:tc>
+                <a:extLst>
+                  <a:ext uri="{0D108BD9-81ED-4DB2-BD59-A6C34878D82A}">
+                    <a16:rowId xmlns:a16="http://schemas.microsoft.com/office/drawing/2014/main" val="10003"/>
+                  </a:ext>
+                </a:extLst>
+              </a:tr>
+              <a:tr h="370840">
+                <a:tc>
+                  <a:txBody>
+                    <a:bodyPr/>
+                    <a:lstStyle/>
+                    <a:p>
+                      <a:r>
+                        <a:rPr lang="en-US" dirty="0" err="1">
+                          <a:latin typeface="Times New Roman" pitchFamily="18" charset="0"/>
+                          <a:cs typeface="Times New Roman" pitchFamily="18" charset="0"/>
+                        </a:rPr>
+                        <a:t>Residual.sugar</a:t>
                       </a:r>
                       <a:endParaRPr lang="en-US" dirty="0">
                         <a:latin typeface="Times New Roman" pitchFamily="18" charset="0"/>
@@ -3745,11 +3846,265 @@
                     <a:lstStyle/>
                     <a:p>
                       <a:r>
-                        <a:rPr lang="en-US" dirty="0" smtClean="0">
-                          <a:latin typeface="Times New Roman" pitchFamily="18" charset="0"/>
-                          <a:cs typeface="Times New Roman" pitchFamily="18" charset="0"/>
-                        </a:rPr>
-                        <a:t>0.27</a:t>
+                        <a:rPr lang="en-US" dirty="0">
+                          <a:latin typeface="Times New Roman" pitchFamily="18" charset="0"/>
+                          <a:cs typeface="Times New Roman" pitchFamily="18" charset="0"/>
+                        </a:rPr>
+                        <a:t>0.60</a:t>
+                      </a:r>
+                    </a:p>
+                  </a:txBody>
+                  <a:tcPr/>
+                </a:tc>
+                <a:tc>
+                  <a:txBody>
+                    <a:bodyPr/>
+                    <a:lstStyle/>
+                    <a:p>
+                      <a:r>
+                        <a:rPr lang="en-US" dirty="0">
+                          <a:latin typeface="Times New Roman" pitchFamily="18" charset="0"/>
+                          <a:cs typeface="Times New Roman" pitchFamily="18" charset="0"/>
+                        </a:rPr>
+                        <a:t>1.70</a:t>
+                      </a:r>
+                    </a:p>
+                  </a:txBody>
+                  <a:tcPr/>
+                </a:tc>
+                <a:tc>
+                  <a:txBody>
+                    <a:bodyPr/>
+                    <a:lstStyle/>
+                    <a:p>
+                      <a:r>
+                        <a:rPr lang="en-US" dirty="0">
+                          <a:latin typeface="Times New Roman" pitchFamily="18" charset="0"/>
+                          <a:cs typeface="Times New Roman" pitchFamily="18" charset="0"/>
+                        </a:rPr>
+                        <a:t>5.20</a:t>
+                      </a:r>
+                    </a:p>
+                  </a:txBody>
+                  <a:tcPr/>
+                </a:tc>
+                <a:tc>
+                  <a:txBody>
+                    <a:bodyPr/>
+                    <a:lstStyle/>
+                    <a:p>
+                      <a:r>
+                        <a:rPr lang="en-US" dirty="0">
+                          <a:latin typeface="Times New Roman" pitchFamily="18" charset="0"/>
+                          <a:cs typeface="Times New Roman" pitchFamily="18" charset="0"/>
+                        </a:rPr>
+                        <a:t>9.90</a:t>
+                      </a:r>
+                    </a:p>
+                  </a:txBody>
+                  <a:tcPr/>
+                </a:tc>
+                <a:tc>
+                  <a:txBody>
+                    <a:bodyPr/>
+                    <a:lstStyle/>
+                    <a:p>
+                      <a:r>
+                        <a:rPr lang="en-US" dirty="0">
+                          <a:latin typeface="Times New Roman" pitchFamily="18" charset="0"/>
+                          <a:cs typeface="Times New Roman" pitchFamily="18" charset="0"/>
+                        </a:rPr>
+                        <a:t>65.80</a:t>
+                      </a:r>
+                    </a:p>
+                  </a:txBody>
+                  <a:tcPr/>
+                </a:tc>
+                <a:tc>
+                  <a:txBody>
+                    <a:bodyPr/>
+                    <a:lstStyle/>
+                    <a:p>
+                      <a:r>
+                        <a:rPr lang="en-US" dirty="0">
+                          <a:latin typeface="Times New Roman" pitchFamily="18" charset="0"/>
+                          <a:cs typeface="Times New Roman" pitchFamily="18" charset="0"/>
+                        </a:rPr>
+                        <a:t>6.29</a:t>
+                      </a:r>
+                    </a:p>
+                  </a:txBody>
+                  <a:tcPr/>
+                </a:tc>
+                <a:tc>
+                  <a:txBody>
+                    <a:bodyPr/>
+                    <a:lstStyle/>
+                    <a:p>
+                      <a:r>
+                        <a:rPr lang="en-US" dirty="0">
+                          <a:latin typeface="Times New Roman" pitchFamily="18" charset="0"/>
+                          <a:cs typeface="Times New Roman" pitchFamily="18" charset="0"/>
+                        </a:rPr>
+                        <a:t>5.072</a:t>
+                      </a:r>
+                    </a:p>
+                  </a:txBody>
+                  <a:tcPr/>
+                </a:tc>
+                <a:extLst>
+                  <a:ext uri="{0D108BD9-81ED-4DB2-BD59-A6C34878D82A}">
+                    <a16:rowId xmlns:a16="http://schemas.microsoft.com/office/drawing/2014/main" val="10004"/>
+                  </a:ext>
+                </a:extLst>
+              </a:tr>
+              <a:tr h="370840">
+                <a:tc>
+                  <a:txBody>
+                    <a:bodyPr/>
+                    <a:lstStyle/>
+                    <a:p>
+                      <a:r>
+                        <a:rPr lang="en-US" dirty="0">
+                          <a:latin typeface="Times New Roman" pitchFamily="18" charset="0"/>
+                          <a:cs typeface="Times New Roman" pitchFamily="18" charset="0"/>
+                        </a:rPr>
+                        <a:t>Chlorides</a:t>
+                      </a:r>
+                    </a:p>
+                  </a:txBody>
+                  <a:tcPr/>
+                </a:tc>
+                <a:tc>
+                  <a:txBody>
+                    <a:bodyPr/>
+                    <a:lstStyle/>
+                    <a:p>
+                      <a:r>
+                        <a:rPr lang="en-US" dirty="0">
+                          <a:latin typeface="Times New Roman" pitchFamily="18" charset="0"/>
+                          <a:cs typeface="Times New Roman" pitchFamily="18" charset="0"/>
+                        </a:rPr>
+                        <a:t>0.01</a:t>
+                      </a:r>
+                    </a:p>
+                  </a:txBody>
+                  <a:tcPr/>
+                </a:tc>
+                <a:tc>
+                  <a:txBody>
+                    <a:bodyPr/>
+                    <a:lstStyle/>
+                    <a:p>
+                      <a:r>
+                        <a:rPr lang="en-US" dirty="0">
+                          <a:latin typeface="Times New Roman" pitchFamily="18" charset="0"/>
+                          <a:cs typeface="Times New Roman" pitchFamily="18" charset="0"/>
+                        </a:rPr>
+                        <a:t>0.04</a:t>
+                      </a:r>
+                    </a:p>
+                  </a:txBody>
+                  <a:tcPr/>
+                </a:tc>
+                <a:tc>
+                  <a:txBody>
+                    <a:bodyPr/>
+                    <a:lstStyle/>
+                    <a:p>
+                      <a:r>
+                        <a:rPr lang="en-US" dirty="0">
+                          <a:latin typeface="Times New Roman" pitchFamily="18" charset="0"/>
+                          <a:cs typeface="Times New Roman" pitchFamily="18" charset="0"/>
+                        </a:rPr>
+                        <a:t>0.04</a:t>
+                      </a:r>
+                    </a:p>
+                  </a:txBody>
+                  <a:tcPr/>
+                </a:tc>
+                <a:tc>
+                  <a:txBody>
+                    <a:bodyPr/>
+                    <a:lstStyle/>
+                    <a:p>
+                      <a:r>
+                        <a:rPr lang="en-US" dirty="0">
+                          <a:latin typeface="Times New Roman" pitchFamily="18" charset="0"/>
+                          <a:cs typeface="Times New Roman" pitchFamily="18" charset="0"/>
+                        </a:rPr>
+                        <a:t>0.050</a:t>
+                      </a:r>
+                    </a:p>
+                  </a:txBody>
+                  <a:tcPr/>
+                </a:tc>
+                <a:tc>
+                  <a:txBody>
+                    <a:bodyPr/>
+                    <a:lstStyle/>
+                    <a:p>
+                      <a:r>
+                        <a:rPr lang="en-US" dirty="0">
+                          <a:latin typeface="Times New Roman" pitchFamily="18" charset="0"/>
+                          <a:cs typeface="Times New Roman" pitchFamily="18" charset="0"/>
+                        </a:rPr>
+                        <a:t>0.35</a:t>
+                      </a:r>
+                    </a:p>
+                  </a:txBody>
+                  <a:tcPr/>
+                </a:tc>
+                <a:tc>
+                  <a:txBody>
+                    <a:bodyPr/>
+                    <a:lstStyle/>
+                    <a:p>
+                      <a:r>
+                        <a:rPr lang="en-US" dirty="0">
+                          <a:latin typeface="Times New Roman" pitchFamily="18" charset="0"/>
+                          <a:cs typeface="Times New Roman" pitchFamily="18" charset="0"/>
+                        </a:rPr>
+                        <a:t>0.05</a:t>
+                      </a:r>
+                    </a:p>
+                  </a:txBody>
+                  <a:tcPr/>
+                </a:tc>
+                <a:tc>
+                  <a:txBody>
+                    <a:bodyPr/>
+                    <a:lstStyle/>
+                    <a:p>
+                      <a:r>
+                        <a:rPr lang="en-US" dirty="0">
+                          <a:latin typeface="Times New Roman" pitchFamily="18" charset="0"/>
+                          <a:cs typeface="Times New Roman" pitchFamily="18" charset="0"/>
+                        </a:rPr>
+                        <a:t>0.022</a:t>
+                      </a:r>
+                    </a:p>
+                  </a:txBody>
+                  <a:tcPr/>
+                </a:tc>
+                <a:extLst>
+                  <a:ext uri="{0D108BD9-81ED-4DB2-BD59-A6C34878D82A}">
+                    <a16:rowId xmlns:a16="http://schemas.microsoft.com/office/drawing/2014/main" val="10005"/>
+                  </a:ext>
+                </a:extLst>
+              </a:tr>
+              <a:tr h="370840">
+                <a:tc>
+                  <a:txBody>
+                    <a:bodyPr/>
+                    <a:lstStyle/>
+                    <a:p>
+                      <a:r>
+                        <a:rPr lang="en-US" dirty="0" err="1">
+                          <a:latin typeface="Times New Roman" pitchFamily="18" charset="0"/>
+                          <a:cs typeface="Times New Roman" pitchFamily="18" charset="0"/>
+                        </a:rPr>
+                        <a:t>Free.sulfur.dioxide</a:t>
                       </a:r>
                       <a:endParaRPr lang="en-US" dirty="0">
                         <a:latin typeface="Times New Roman" pitchFamily="18" charset="0"/>
@@ -3765,11 +4120,137 @@
                     <a:lstStyle/>
                     <a:p>
                       <a:r>
-                        <a:rPr lang="en-US" dirty="0" smtClean="0">
-                          <a:latin typeface="Times New Roman" pitchFamily="18" charset="0"/>
-                          <a:cs typeface="Times New Roman" pitchFamily="18" charset="0"/>
-                        </a:rPr>
-                        <a:t>0.32</a:t>
+                        <a:rPr lang="en-US" dirty="0">
+                          <a:latin typeface="Times New Roman" pitchFamily="18" charset="0"/>
+                          <a:cs typeface="Times New Roman" pitchFamily="18" charset="0"/>
+                        </a:rPr>
+                        <a:t>2.00</a:t>
+                      </a:r>
+                    </a:p>
+                  </a:txBody>
+                  <a:tcPr/>
+                </a:tc>
+                <a:tc>
+                  <a:txBody>
+                    <a:bodyPr/>
+                    <a:lstStyle/>
+                    <a:p>
+                      <a:r>
+                        <a:rPr lang="en-US" dirty="0">
+                          <a:latin typeface="Times New Roman" pitchFamily="18" charset="0"/>
+                          <a:cs typeface="Times New Roman" pitchFamily="18" charset="0"/>
+                        </a:rPr>
+                        <a:t>23.00</a:t>
+                      </a:r>
+                    </a:p>
+                  </a:txBody>
+                  <a:tcPr/>
+                </a:tc>
+                <a:tc>
+                  <a:txBody>
+                    <a:bodyPr/>
+                    <a:lstStyle/>
+                    <a:p>
+                      <a:r>
+                        <a:rPr lang="en-US" dirty="0">
+                          <a:latin typeface="Times New Roman" pitchFamily="18" charset="0"/>
+                          <a:cs typeface="Times New Roman" pitchFamily="18" charset="0"/>
+                        </a:rPr>
+                        <a:t>34.00</a:t>
+                      </a:r>
+                    </a:p>
+                  </a:txBody>
+                  <a:tcPr/>
+                </a:tc>
+                <a:tc>
+                  <a:txBody>
+                    <a:bodyPr/>
+                    <a:lstStyle/>
+                    <a:p>
+                      <a:r>
+                        <a:rPr lang="en-US" dirty="0">
+                          <a:latin typeface="Times New Roman" pitchFamily="18" charset="0"/>
+                          <a:cs typeface="Times New Roman" pitchFamily="18" charset="0"/>
+                        </a:rPr>
+                        <a:t>46.00</a:t>
+                      </a:r>
+                    </a:p>
+                  </a:txBody>
+                  <a:tcPr/>
+                </a:tc>
+                <a:tc>
+                  <a:txBody>
+                    <a:bodyPr/>
+                    <a:lstStyle/>
+                    <a:p>
+                      <a:r>
+                        <a:rPr lang="en-US" dirty="0">
+                          <a:latin typeface="Times New Roman" pitchFamily="18" charset="0"/>
+                          <a:cs typeface="Times New Roman" pitchFamily="18" charset="0"/>
+                        </a:rPr>
+                        <a:t>289.00</a:t>
+                      </a:r>
+                    </a:p>
+                  </a:txBody>
+                  <a:tcPr/>
+                </a:tc>
+                <a:tc>
+                  <a:txBody>
+                    <a:bodyPr/>
+                    <a:lstStyle/>
+                    <a:p>
+                      <a:r>
+                        <a:rPr lang="en-US" dirty="0">
+                          <a:latin typeface="Times New Roman" pitchFamily="18" charset="0"/>
+                          <a:cs typeface="Times New Roman" pitchFamily="18" charset="0"/>
+                        </a:rPr>
+                        <a:t>35.31</a:t>
+                      </a:r>
+                    </a:p>
+                  </a:txBody>
+                  <a:tcPr/>
+                </a:tc>
+                <a:tc>
+                  <a:txBody>
+                    <a:bodyPr/>
+                    <a:lstStyle/>
+                    <a:p>
+                      <a:r>
+                        <a:rPr lang="en-US" dirty="0">
+                          <a:latin typeface="Times New Roman" pitchFamily="18" charset="0"/>
+                          <a:cs typeface="Times New Roman" pitchFamily="18" charset="0"/>
+                        </a:rPr>
+                        <a:t>17.01</a:t>
+                      </a:r>
+                    </a:p>
+                  </a:txBody>
+                  <a:tcPr/>
+                </a:tc>
+                <a:extLst>
+                  <a:ext uri="{0D108BD9-81ED-4DB2-BD59-A6C34878D82A}">
+                    <a16:rowId xmlns:a16="http://schemas.microsoft.com/office/drawing/2014/main" val="10006"/>
+                  </a:ext>
+                </a:extLst>
+              </a:tr>
+              <a:tr h="370840">
+                <a:tc>
+                  <a:txBody>
+                    <a:bodyPr/>
+                    <a:lstStyle/>
+                    <a:p>
+                      <a:r>
+                        <a:rPr lang="en-US" dirty="0" err="1">
+                          <a:latin typeface="Times New Roman" pitchFamily="18" charset="0"/>
+                          <a:cs typeface="Times New Roman" pitchFamily="18" charset="0"/>
+                        </a:rPr>
+                        <a:t>Total.</a:t>
+                      </a:r>
+                      <a:r>
+                        <a:rPr lang="en-US" baseline="0" dirty="0" err="1">
+                          <a:latin typeface="Times New Roman" pitchFamily="18" charset="0"/>
+                          <a:cs typeface="Times New Roman" pitchFamily="18" charset="0"/>
+                        </a:rPr>
+                        <a:t>sulfur.dioxide</a:t>
                       </a:r>
                       <a:endParaRPr lang="en-US" dirty="0">
                         <a:latin typeface="Times New Roman" pitchFamily="18" charset="0"/>
@@ -3785,11 +4266,400 @@
                     <a:lstStyle/>
                     <a:p>
                       <a:r>
-                        <a:rPr lang="en-US" dirty="0" smtClean="0">
-                          <a:latin typeface="Times New Roman" pitchFamily="18" charset="0"/>
-                          <a:cs typeface="Times New Roman" pitchFamily="18" charset="0"/>
-                        </a:rPr>
-                        <a:t>0.39</a:t>
+                        <a:rPr lang="en-US" dirty="0">
+                          <a:latin typeface="Times New Roman" pitchFamily="18" charset="0"/>
+                          <a:cs typeface="Times New Roman" pitchFamily="18" charset="0"/>
+                        </a:rPr>
+                        <a:t>9.00</a:t>
+                      </a:r>
+                    </a:p>
+                  </a:txBody>
+                  <a:tcPr/>
+                </a:tc>
+                <a:tc>
+                  <a:txBody>
+                    <a:bodyPr/>
+                    <a:lstStyle/>
+                    <a:p>
+                      <a:r>
+                        <a:rPr lang="en-US" dirty="0">
+                          <a:latin typeface="Times New Roman" pitchFamily="18" charset="0"/>
+                          <a:cs typeface="Times New Roman" pitchFamily="18" charset="0"/>
+                        </a:rPr>
+                        <a:t>108.00</a:t>
+                      </a:r>
+                    </a:p>
+                  </a:txBody>
+                  <a:tcPr/>
+                </a:tc>
+                <a:tc>
+                  <a:txBody>
+                    <a:bodyPr/>
+                    <a:lstStyle/>
+                    <a:p>
+                      <a:r>
+                        <a:rPr lang="en-US" dirty="0">
+                          <a:latin typeface="Times New Roman" pitchFamily="18" charset="0"/>
+                          <a:cs typeface="Times New Roman" pitchFamily="18" charset="0"/>
+                        </a:rPr>
+                        <a:t>134.00</a:t>
+                      </a:r>
+                    </a:p>
+                  </a:txBody>
+                  <a:tcPr/>
+                </a:tc>
+                <a:tc>
+                  <a:txBody>
+                    <a:bodyPr/>
+                    <a:lstStyle/>
+                    <a:p>
+                      <a:r>
+                        <a:rPr lang="en-US" dirty="0">
+                          <a:latin typeface="Times New Roman" pitchFamily="18" charset="0"/>
+                          <a:cs typeface="Times New Roman" pitchFamily="18" charset="0"/>
+                        </a:rPr>
+                        <a:t>167.00</a:t>
+                      </a:r>
+                    </a:p>
+                  </a:txBody>
+                  <a:tcPr/>
+                </a:tc>
+                <a:tc>
+                  <a:txBody>
+                    <a:bodyPr/>
+                    <a:lstStyle/>
+                    <a:p>
+                      <a:r>
+                        <a:rPr lang="en-US" dirty="0">
+                          <a:latin typeface="Times New Roman" pitchFamily="18" charset="0"/>
+                          <a:cs typeface="Times New Roman" pitchFamily="18" charset="0"/>
+                        </a:rPr>
+                        <a:t>440.00</a:t>
+                      </a:r>
+                    </a:p>
+                  </a:txBody>
+                  <a:tcPr/>
+                </a:tc>
+                <a:tc>
+                  <a:txBody>
+                    <a:bodyPr/>
+                    <a:lstStyle/>
+                    <a:p>
+                      <a:r>
+                        <a:rPr lang="en-US" dirty="0">
+                          <a:latin typeface="Times New Roman" pitchFamily="18" charset="0"/>
+                          <a:cs typeface="Times New Roman" pitchFamily="18" charset="0"/>
+                        </a:rPr>
+                        <a:t>138.40</a:t>
+                      </a:r>
+                    </a:p>
+                  </a:txBody>
+                  <a:tcPr/>
+                </a:tc>
+                <a:tc>
+                  <a:txBody>
+                    <a:bodyPr/>
+                    <a:lstStyle/>
+                    <a:p>
+                      <a:r>
+                        <a:rPr lang="en-US" dirty="0">
+                          <a:latin typeface="Times New Roman" pitchFamily="18" charset="0"/>
+                          <a:cs typeface="Times New Roman" pitchFamily="18" charset="0"/>
+                        </a:rPr>
+                        <a:t>42.50</a:t>
+                      </a:r>
+                    </a:p>
+                  </a:txBody>
+                  <a:tcPr/>
+                </a:tc>
+                <a:extLst>
+                  <a:ext uri="{0D108BD9-81ED-4DB2-BD59-A6C34878D82A}">
+                    <a16:rowId xmlns:a16="http://schemas.microsoft.com/office/drawing/2014/main" val="10007"/>
+                  </a:ext>
+                </a:extLst>
+              </a:tr>
+              <a:tr h="370840">
+                <a:tc>
+                  <a:txBody>
+                    <a:bodyPr/>
+                    <a:lstStyle/>
+                    <a:p>
+                      <a:r>
+                        <a:rPr lang="en-US" dirty="0">
+                          <a:latin typeface="Times New Roman" pitchFamily="18" charset="0"/>
+                          <a:cs typeface="Times New Roman" pitchFamily="18" charset="0"/>
+                        </a:rPr>
+                        <a:t>Density</a:t>
+                      </a:r>
+                    </a:p>
+                  </a:txBody>
+                  <a:tcPr/>
+                </a:tc>
+                <a:tc>
+                  <a:txBody>
+                    <a:bodyPr/>
+                    <a:lstStyle/>
+                    <a:p>
+                      <a:r>
+                        <a:rPr lang="en-US" dirty="0">
+                          <a:latin typeface="Times New Roman" pitchFamily="18" charset="0"/>
+                          <a:cs typeface="Times New Roman" pitchFamily="18" charset="0"/>
+                        </a:rPr>
+                        <a:t>0.99</a:t>
+                      </a:r>
+                    </a:p>
+                  </a:txBody>
+                  <a:tcPr/>
+                </a:tc>
+                <a:tc>
+                  <a:txBody>
+                    <a:bodyPr/>
+                    <a:lstStyle/>
+                    <a:p>
+                      <a:r>
+                        <a:rPr lang="en-US" dirty="0">
+                          <a:latin typeface="Times New Roman" pitchFamily="18" charset="0"/>
+                          <a:cs typeface="Times New Roman" pitchFamily="18" charset="0"/>
+                        </a:rPr>
+                        <a:t>0.99</a:t>
+                      </a:r>
+                    </a:p>
+                  </a:txBody>
+                  <a:tcPr/>
+                </a:tc>
+                <a:tc>
+                  <a:txBody>
+                    <a:bodyPr/>
+                    <a:lstStyle/>
+                    <a:p>
+                      <a:r>
+                        <a:rPr lang="en-US" dirty="0">
+                          <a:latin typeface="Times New Roman" pitchFamily="18" charset="0"/>
+                          <a:cs typeface="Times New Roman" pitchFamily="18" charset="0"/>
+                        </a:rPr>
+                        <a:t>0.99</a:t>
+                      </a:r>
+                    </a:p>
+                  </a:txBody>
+                  <a:tcPr/>
+                </a:tc>
+                <a:tc>
+                  <a:txBody>
+                    <a:bodyPr/>
+                    <a:lstStyle/>
+                    <a:p>
+                      <a:r>
+                        <a:rPr lang="en-US" dirty="0">
+                          <a:latin typeface="Times New Roman" pitchFamily="18" charset="0"/>
+                          <a:cs typeface="Times New Roman" pitchFamily="18" charset="0"/>
+                        </a:rPr>
+                        <a:t>1.00</a:t>
+                      </a:r>
+                    </a:p>
+                  </a:txBody>
+                  <a:tcPr/>
+                </a:tc>
+                <a:tc>
+                  <a:txBody>
+                    <a:bodyPr/>
+                    <a:lstStyle/>
+                    <a:p>
+                      <a:r>
+                        <a:rPr lang="en-US" dirty="0">
+                          <a:latin typeface="Times New Roman" pitchFamily="18" charset="0"/>
+                          <a:cs typeface="Times New Roman" pitchFamily="18" charset="0"/>
+                        </a:rPr>
+                        <a:t>1.04</a:t>
+                      </a:r>
+                    </a:p>
+                  </a:txBody>
+                  <a:tcPr/>
+                </a:tc>
+                <a:tc>
+                  <a:txBody>
+                    <a:bodyPr/>
+                    <a:lstStyle/>
+                    <a:p>
+                      <a:r>
+                        <a:rPr lang="en-US" dirty="0">
+                          <a:latin typeface="Times New Roman" pitchFamily="18" charset="0"/>
+                          <a:cs typeface="Times New Roman" pitchFamily="18" charset="0"/>
+                        </a:rPr>
+                        <a:t>0.99</a:t>
+                      </a:r>
+                    </a:p>
+                  </a:txBody>
+                  <a:tcPr/>
+                </a:tc>
+                <a:tc>
+                  <a:txBody>
+                    <a:bodyPr/>
+                    <a:lstStyle/>
+                    <a:p>
+                      <a:r>
+                        <a:rPr lang="en-US" dirty="0">
+                          <a:latin typeface="Times New Roman" pitchFamily="18" charset="0"/>
+                          <a:cs typeface="Times New Roman" pitchFamily="18" charset="0"/>
+                        </a:rPr>
+                        <a:t>0.003</a:t>
+                      </a:r>
+                    </a:p>
+                  </a:txBody>
+                  <a:tcPr/>
+                </a:tc>
+                <a:extLst>
+                  <a:ext uri="{0D108BD9-81ED-4DB2-BD59-A6C34878D82A}">
+                    <a16:rowId xmlns:a16="http://schemas.microsoft.com/office/drawing/2014/main" val="10008"/>
+                  </a:ext>
+                </a:extLst>
+              </a:tr>
+              <a:tr h="370840">
+                <a:tc>
+                  <a:txBody>
+                    <a:bodyPr/>
+                    <a:lstStyle/>
+                    <a:p>
+                      <a:r>
+                        <a:rPr lang="en-US" dirty="0">
+                          <a:latin typeface="Times New Roman" pitchFamily="18" charset="0"/>
+                          <a:cs typeface="Times New Roman" pitchFamily="18" charset="0"/>
+                        </a:rPr>
+                        <a:t>PH</a:t>
+                      </a:r>
+                    </a:p>
+                  </a:txBody>
+                  <a:tcPr/>
+                </a:tc>
+                <a:tc>
+                  <a:txBody>
+                    <a:bodyPr/>
+                    <a:lstStyle/>
+                    <a:p>
+                      <a:r>
+                        <a:rPr lang="en-US" dirty="0">
+                          <a:latin typeface="Times New Roman" pitchFamily="18" charset="0"/>
+                          <a:cs typeface="Times New Roman" pitchFamily="18" charset="0"/>
+                        </a:rPr>
+                        <a:t>2.72</a:t>
+                      </a:r>
+                    </a:p>
+                  </a:txBody>
+                  <a:tcPr/>
+                </a:tc>
+                <a:tc>
+                  <a:txBody>
+                    <a:bodyPr/>
+                    <a:lstStyle/>
+                    <a:p>
+                      <a:r>
+                        <a:rPr lang="en-US" dirty="0">
+                          <a:latin typeface="Times New Roman" pitchFamily="18" charset="0"/>
+                          <a:cs typeface="Times New Roman" pitchFamily="18" charset="0"/>
+                        </a:rPr>
+                        <a:t>3.09</a:t>
+                      </a:r>
+                    </a:p>
+                  </a:txBody>
+                  <a:tcPr/>
+                </a:tc>
+                <a:tc>
+                  <a:txBody>
+                    <a:bodyPr/>
+                    <a:lstStyle/>
+                    <a:p>
+                      <a:r>
+                        <a:rPr lang="en-US" dirty="0">
+                          <a:latin typeface="Times New Roman" pitchFamily="18" charset="0"/>
+                          <a:cs typeface="Times New Roman" pitchFamily="18" charset="0"/>
+                        </a:rPr>
+                        <a:t>3.18</a:t>
+                      </a:r>
+                    </a:p>
+                  </a:txBody>
+                  <a:tcPr/>
+                </a:tc>
+                <a:tc>
+                  <a:txBody>
+                    <a:bodyPr/>
+                    <a:lstStyle/>
+                    <a:p>
+                      <a:r>
+                        <a:rPr lang="en-US" dirty="0">
+                          <a:latin typeface="Times New Roman" pitchFamily="18" charset="0"/>
+                          <a:cs typeface="Times New Roman" pitchFamily="18" charset="0"/>
+                        </a:rPr>
+                        <a:t>3.28</a:t>
+                      </a:r>
+                    </a:p>
+                  </a:txBody>
+                  <a:tcPr/>
+                </a:tc>
+                <a:tc>
+                  <a:txBody>
+                    <a:bodyPr/>
+                    <a:lstStyle/>
+                    <a:p>
+                      <a:r>
+                        <a:rPr lang="en-US" dirty="0">
+                          <a:latin typeface="Times New Roman" pitchFamily="18" charset="0"/>
+                          <a:cs typeface="Times New Roman" pitchFamily="18" charset="0"/>
+                        </a:rPr>
+                        <a:t>3.82</a:t>
+                      </a:r>
+                    </a:p>
+                  </a:txBody>
+                  <a:tcPr/>
+                </a:tc>
+                <a:tc>
+                  <a:txBody>
+                    <a:bodyPr/>
+                    <a:lstStyle/>
+                    <a:p>
+                      <a:r>
+                        <a:rPr lang="en-US" dirty="0">
+                          <a:latin typeface="Times New Roman" pitchFamily="18" charset="0"/>
+                          <a:cs typeface="Times New Roman" pitchFamily="18" charset="0"/>
+                        </a:rPr>
+                        <a:t>3.19</a:t>
+                      </a:r>
+                    </a:p>
+                  </a:txBody>
+                  <a:tcPr/>
+                </a:tc>
+                <a:tc>
+                  <a:txBody>
+                    <a:bodyPr/>
+                    <a:lstStyle/>
+                    <a:p>
+                      <a:r>
+                        <a:rPr lang="en-US" dirty="0">
+                          <a:latin typeface="Times New Roman" pitchFamily="18" charset="0"/>
+                          <a:cs typeface="Times New Roman" pitchFamily="18" charset="0"/>
+                        </a:rPr>
+                        <a:t>0.151</a:t>
+                      </a:r>
+                    </a:p>
+                  </a:txBody>
+                  <a:tcPr/>
+                </a:tc>
+                <a:extLst>
+                  <a:ext uri="{0D108BD9-81ED-4DB2-BD59-A6C34878D82A}">
+                    <a16:rowId xmlns:a16="http://schemas.microsoft.com/office/drawing/2014/main" val="10009"/>
+                  </a:ext>
+                </a:extLst>
+              </a:tr>
+              <a:tr h="370840">
+                <a:tc>
+                  <a:txBody>
+                    <a:bodyPr/>
+                    <a:lstStyle/>
+                    <a:p>
+                      <a:r>
+                        <a:rPr lang="en-US" dirty="0" err="1">
+                          <a:latin typeface="Times New Roman" pitchFamily="18" charset="0"/>
+                          <a:cs typeface="Times New Roman" pitchFamily="18" charset="0"/>
+                        </a:rPr>
+                        <a:t>Sulphates</a:t>
                       </a:r>
                       <a:endParaRPr lang="en-US" dirty="0">
                         <a:latin typeface="Times New Roman" pitchFamily="18" charset="0"/>
@@ -3805,60 +4675,117 @@
                     <a:lstStyle/>
                     <a:p>
                       <a:r>
-                        <a:rPr lang="en-US" dirty="0" smtClean="0">
-                          <a:latin typeface="Times New Roman" pitchFamily="18" charset="0"/>
-                          <a:cs typeface="Times New Roman" pitchFamily="18" charset="0"/>
-                        </a:rPr>
-                        <a:t>1.66</a:t>
-                      </a:r>
-                      <a:endParaRPr lang="en-US" dirty="0">
-                        <a:latin typeface="Times New Roman" pitchFamily="18" charset="0"/>
-                        <a:cs typeface="Times New Roman" pitchFamily="18" charset="0"/>
-                      </a:endParaRPr>
-                    </a:p>
-                  </a:txBody>
-                  <a:tcPr/>
-                </a:tc>
-                <a:tc>
-                  <a:txBody>
-                    <a:bodyPr/>
-                    <a:lstStyle/>
-                    <a:p>
-                      <a:r>
-                        <a:rPr lang="en-US" dirty="0" smtClean="0">
-                          <a:latin typeface="Times New Roman" pitchFamily="18" charset="0"/>
-                          <a:cs typeface="Times New Roman" pitchFamily="18" charset="0"/>
-                        </a:rPr>
-                        <a:t>0.33</a:t>
-                      </a:r>
-                      <a:endParaRPr lang="en-US" dirty="0">
-                        <a:latin typeface="Times New Roman" pitchFamily="18" charset="0"/>
-                        <a:cs typeface="Times New Roman" pitchFamily="18" charset="0"/>
-                      </a:endParaRPr>
-                    </a:p>
-                  </a:txBody>
-                  <a:tcPr/>
-                </a:tc>
-                <a:tc>
-                  <a:txBody>
-                    <a:bodyPr/>
-                    <a:lstStyle/>
-                    <a:p>
-                      <a:r>
-                        <a:rPr lang="en-US" dirty="0" smtClean="0">
-                          <a:latin typeface="Times New Roman" pitchFamily="18" charset="0"/>
-                          <a:cs typeface="Times New Roman" pitchFamily="18" charset="0"/>
-                        </a:rPr>
-                        <a:t>0.121</a:t>
-                      </a:r>
-                      <a:endParaRPr lang="en-US" dirty="0">
-                        <a:latin typeface="Times New Roman" pitchFamily="18" charset="0"/>
-                        <a:cs typeface="Times New Roman" pitchFamily="18" charset="0"/>
-                      </a:endParaRPr>
-                    </a:p>
-                  </a:txBody>
-                  <a:tcPr/>
-                </a:tc>
+                        <a:rPr lang="en-US" dirty="0">
+                          <a:latin typeface="Times New Roman" pitchFamily="18" charset="0"/>
+                          <a:cs typeface="Times New Roman" pitchFamily="18" charset="0"/>
+                        </a:rPr>
+                        <a:t>0.22</a:t>
+                      </a:r>
+                    </a:p>
+                  </a:txBody>
+                  <a:tcPr/>
+                </a:tc>
+                <a:tc>
+                  <a:txBody>
+                    <a:bodyPr/>
+                    <a:lstStyle/>
+                    <a:p>
+                      <a:r>
+                        <a:rPr lang="en-US" dirty="0">
+                          <a:latin typeface="Times New Roman" pitchFamily="18" charset="0"/>
+                          <a:cs typeface="Times New Roman" pitchFamily="18" charset="0"/>
+                        </a:rPr>
+                        <a:t>0.41</a:t>
+                      </a:r>
+                    </a:p>
+                  </a:txBody>
+                  <a:tcPr/>
+                </a:tc>
+                <a:tc>
+                  <a:txBody>
+                    <a:bodyPr/>
+                    <a:lstStyle/>
+                    <a:p>
+                      <a:r>
+                        <a:rPr lang="en-US" dirty="0">
+                          <a:latin typeface="Times New Roman" pitchFamily="18" charset="0"/>
+                          <a:cs typeface="Times New Roman" pitchFamily="18" charset="0"/>
+                        </a:rPr>
+                        <a:t>0.47</a:t>
+                      </a:r>
+                    </a:p>
+                  </a:txBody>
+                  <a:tcPr/>
+                </a:tc>
+                <a:tc>
+                  <a:txBody>
+                    <a:bodyPr/>
+                    <a:lstStyle/>
+                    <a:p>
+                      <a:r>
+                        <a:rPr lang="en-US" dirty="0">
+                          <a:latin typeface="Times New Roman" pitchFamily="18" charset="0"/>
+                          <a:cs typeface="Times New Roman" pitchFamily="18" charset="0"/>
+                        </a:rPr>
+                        <a:t>0.55</a:t>
+                      </a:r>
+                    </a:p>
+                  </a:txBody>
+                  <a:tcPr/>
+                </a:tc>
+                <a:tc>
+                  <a:txBody>
+                    <a:bodyPr/>
+                    <a:lstStyle/>
+                    <a:p>
+                      <a:r>
+                        <a:rPr lang="en-US" dirty="0">
+                          <a:latin typeface="Times New Roman" pitchFamily="18" charset="0"/>
+                          <a:cs typeface="Times New Roman" pitchFamily="18" charset="0"/>
+                        </a:rPr>
+                        <a:t>1.08</a:t>
+                      </a:r>
+                    </a:p>
+                  </a:txBody>
+                  <a:tcPr/>
+                </a:tc>
+                <a:tc>
+                  <a:txBody>
+                    <a:bodyPr/>
+                    <a:lstStyle/>
+                    <a:p>
+                      <a:r>
+                        <a:rPr lang="en-US" dirty="0">
+                          <a:latin typeface="Times New Roman" pitchFamily="18" charset="0"/>
+                          <a:cs typeface="Times New Roman" pitchFamily="18" charset="0"/>
+                        </a:rPr>
+                        <a:t>0.49</a:t>
+                      </a:r>
+                    </a:p>
+                  </a:txBody>
+                  <a:tcPr/>
+                </a:tc>
+                <a:tc>
+                  <a:txBody>
+                    <a:bodyPr/>
+                    <a:lstStyle/>
+                    <a:p>
+                      <a:r>
+                        <a:rPr lang="en-US" dirty="0">
+                          <a:latin typeface="Times New Roman" pitchFamily="18" charset="0"/>
+                          <a:cs typeface="Times New Roman" pitchFamily="18" charset="0"/>
+                        </a:rPr>
+                        <a:t>0.114</a:t>
+                      </a:r>
+                    </a:p>
+                  </a:txBody>
+                  <a:tcPr/>
+                </a:tc>
+                <a:extLst>
+                  <a:ext uri="{0D108BD9-81ED-4DB2-BD59-A6C34878D82A}">
+                    <a16:rowId xmlns:a16="http://schemas.microsoft.com/office/drawing/2014/main" val="10010"/>
+                  </a:ext>
+                </a:extLst>
               </a:tr>
               <a:tr h="370840">
                 <a:tc>
@@ -3867,1301 +4794,133 @@
                     <a:lstStyle/>
                     <a:p>
                       <a:r>
-                        <a:rPr lang="en-US" dirty="0" err="1" smtClean="0">
-                          <a:latin typeface="Times New Roman" pitchFamily="18" charset="0"/>
-                          <a:cs typeface="Times New Roman" pitchFamily="18" charset="0"/>
-                        </a:rPr>
-                        <a:t>Residual.sugar</a:t>
-                      </a:r>
-                      <a:endParaRPr lang="en-US" dirty="0">
-                        <a:latin typeface="Times New Roman" pitchFamily="18" charset="0"/>
-                        <a:cs typeface="Times New Roman" pitchFamily="18" charset="0"/>
-                      </a:endParaRPr>
-                    </a:p>
-                  </a:txBody>
-                  <a:tcPr/>
-                </a:tc>
-                <a:tc>
-                  <a:txBody>
-                    <a:bodyPr/>
-                    <a:lstStyle/>
-                    <a:p>
-                      <a:r>
-                        <a:rPr lang="en-US" dirty="0" smtClean="0">
-                          <a:latin typeface="Times New Roman" pitchFamily="18" charset="0"/>
-                          <a:cs typeface="Times New Roman" pitchFamily="18" charset="0"/>
-                        </a:rPr>
-                        <a:t>0.60</a:t>
-                      </a:r>
-                      <a:endParaRPr lang="en-US" dirty="0">
-                        <a:latin typeface="Times New Roman" pitchFamily="18" charset="0"/>
-                        <a:cs typeface="Times New Roman" pitchFamily="18" charset="0"/>
-                      </a:endParaRPr>
-                    </a:p>
-                  </a:txBody>
-                  <a:tcPr/>
-                </a:tc>
-                <a:tc>
-                  <a:txBody>
-                    <a:bodyPr/>
-                    <a:lstStyle/>
-                    <a:p>
-                      <a:r>
-                        <a:rPr lang="en-US" dirty="0" smtClean="0">
-                          <a:latin typeface="Times New Roman" pitchFamily="18" charset="0"/>
-                          <a:cs typeface="Times New Roman" pitchFamily="18" charset="0"/>
-                        </a:rPr>
-                        <a:t>1.70</a:t>
-                      </a:r>
-                      <a:endParaRPr lang="en-US" dirty="0">
-                        <a:latin typeface="Times New Roman" pitchFamily="18" charset="0"/>
-                        <a:cs typeface="Times New Roman" pitchFamily="18" charset="0"/>
-                      </a:endParaRPr>
-                    </a:p>
-                  </a:txBody>
-                  <a:tcPr/>
-                </a:tc>
-                <a:tc>
-                  <a:txBody>
-                    <a:bodyPr/>
-                    <a:lstStyle/>
-                    <a:p>
-                      <a:r>
-                        <a:rPr lang="en-US" dirty="0" smtClean="0">
-                          <a:latin typeface="Times New Roman" pitchFamily="18" charset="0"/>
-                          <a:cs typeface="Times New Roman" pitchFamily="18" charset="0"/>
-                        </a:rPr>
-                        <a:t>5.20</a:t>
-                      </a:r>
-                      <a:endParaRPr lang="en-US" dirty="0">
-                        <a:latin typeface="Times New Roman" pitchFamily="18" charset="0"/>
-                        <a:cs typeface="Times New Roman" pitchFamily="18" charset="0"/>
-                      </a:endParaRPr>
-                    </a:p>
-                  </a:txBody>
-                  <a:tcPr/>
-                </a:tc>
-                <a:tc>
-                  <a:txBody>
-                    <a:bodyPr/>
-                    <a:lstStyle/>
-                    <a:p>
-                      <a:r>
-                        <a:rPr lang="en-US" dirty="0" smtClean="0">
-                          <a:latin typeface="Times New Roman" pitchFamily="18" charset="0"/>
-                          <a:cs typeface="Times New Roman" pitchFamily="18" charset="0"/>
-                        </a:rPr>
-                        <a:t>9.90</a:t>
-                      </a:r>
-                      <a:endParaRPr lang="en-US" dirty="0">
-                        <a:latin typeface="Times New Roman" pitchFamily="18" charset="0"/>
-                        <a:cs typeface="Times New Roman" pitchFamily="18" charset="0"/>
-                      </a:endParaRPr>
-                    </a:p>
-                  </a:txBody>
-                  <a:tcPr/>
-                </a:tc>
-                <a:tc>
-                  <a:txBody>
-                    <a:bodyPr/>
-                    <a:lstStyle/>
-                    <a:p>
-                      <a:r>
-                        <a:rPr lang="en-US" dirty="0" smtClean="0">
-                          <a:latin typeface="Times New Roman" pitchFamily="18" charset="0"/>
-                          <a:cs typeface="Times New Roman" pitchFamily="18" charset="0"/>
-                        </a:rPr>
-                        <a:t>65.80</a:t>
-                      </a:r>
-                      <a:endParaRPr lang="en-US" dirty="0">
-                        <a:latin typeface="Times New Roman" pitchFamily="18" charset="0"/>
-                        <a:cs typeface="Times New Roman" pitchFamily="18" charset="0"/>
-                      </a:endParaRPr>
-                    </a:p>
-                  </a:txBody>
-                  <a:tcPr/>
-                </a:tc>
-                <a:tc>
-                  <a:txBody>
-                    <a:bodyPr/>
-                    <a:lstStyle/>
-                    <a:p>
-                      <a:r>
-                        <a:rPr lang="en-US" dirty="0" smtClean="0">
-                          <a:latin typeface="Times New Roman" pitchFamily="18" charset="0"/>
-                          <a:cs typeface="Times New Roman" pitchFamily="18" charset="0"/>
-                        </a:rPr>
-                        <a:t>6.29</a:t>
-                      </a:r>
-                      <a:endParaRPr lang="en-US" dirty="0">
-                        <a:latin typeface="Times New Roman" pitchFamily="18" charset="0"/>
-                        <a:cs typeface="Times New Roman" pitchFamily="18" charset="0"/>
-                      </a:endParaRPr>
-                    </a:p>
-                  </a:txBody>
-                  <a:tcPr/>
-                </a:tc>
-                <a:tc>
-                  <a:txBody>
-                    <a:bodyPr/>
-                    <a:lstStyle/>
-                    <a:p>
-                      <a:r>
-                        <a:rPr lang="en-US" dirty="0" smtClean="0">
-                          <a:latin typeface="Times New Roman" pitchFamily="18" charset="0"/>
-                          <a:cs typeface="Times New Roman" pitchFamily="18" charset="0"/>
-                        </a:rPr>
-                        <a:t>5.072</a:t>
-                      </a:r>
-                      <a:endParaRPr lang="en-US" dirty="0">
-                        <a:latin typeface="Times New Roman" pitchFamily="18" charset="0"/>
-                        <a:cs typeface="Times New Roman" pitchFamily="18" charset="0"/>
-                      </a:endParaRPr>
-                    </a:p>
-                  </a:txBody>
-                  <a:tcPr/>
-                </a:tc>
-              </a:tr>
-              <a:tr h="370840">
-                <a:tc>
-                  <a:txBody>
-                    <a:bodyPr/>
-                    <a:lstStyle/>
-                    <a:p>
-                      <a:r>
-                        <a:rPr lang="en-US" dirty="0" smtClean="0">
-                          <a:latin typeface="Times New Roman" pitchFamily="18" charset="0"/>
-                          <a:cs typeface="Times New Roman" pitchFamily="18" charset="0"/>
-                        </a:rPr>
-                        <a:t>Chlorides</a:t>
-                      </a:r>
-                      <a:endParaRPr lang="en-US" dirty="0">
-                        <a:latin typeface="Times New Roman" pitchFamily="18" charset="0"/>
-                        <a:cs typeface="Times New Roman" pitchFamily="18" charset="0"/>
-                      </a:endParaRPr>
-                    </a:p>
-                  </a:txBody>
-                  <a:tcPr/>
-                </a:tc>
-                <a:tc>
-                  <a:txBody>
-                    <a:bodyPr/>
-                    <a:lstStyle/>
-                    <a:p>
-                      <a:r>
-                        <a:rPr lang="en-US" dirty="0" smtClean="0">
-                          <a:latin typeface="Times New Roman" pitchFamily="18" charset="0"/>
-                          <a:cs typeface="Times New Roman" pitchFamily="18" charset="0"/>
-                        </a:rPr>
-                        <a:t>0.01</a:t>
-                      </a:r>
-                      <a:endParaRPr lang="en-US" dirty="0">
-                        <a:latin typeface="Times New Roman" pitchFamily="18" charset="0"/>
-                        <a:cs typeface="Times New Roman" pitchFamily="18" charset="0"/>
-                      </a:endParaRPr>
-                    </a:p>
-                  </a:txBody>
-                  <a:tcPr/>
-                </a:tc>
-                <a:tc>
-                  <a:txBody>
-                    <a:bodyPr/>
-                    <a:lstStyle/>
-                    <a:p>
-                      <a:r>
-                        <a:rPr lang="en-US" dirty="0" smtClean="0">
-                          <a:latin typeface="Times New Roman" pitchFamily="18" charset="0"/>
-                          <a:cs typeface="Times New Roman" pitchFamily="18" charset="0"/>
-                        </a:rPr>
-                        <a:t>0.04</a:t>
-                      </a:r>
-                      <a:endParaRPr lang="en-US" dirty="0">
-                        <a:latin typeface="Times New Roman" pitchFamily="18" charset="0"/>
-                        <a:cs typeface="Times New Roman" pitchFamily="18" charset="0"/>
-                      </a:endParaRPr>
-                    </a:p>
-                  </a:txBody>
-                  <a:tcPr/>
-                </a:tc>
-                <a:tc>
-                  <a:txBody>
-                    <a:bodyPr/>
-                    <a:lstStyle/>
-                    <a:p>
-                      <a:r>
-                        <a:rPr lang="en-US" dirty="0" smtClean="0">
-                          <a:latin typeface="Times New Roman" pitchFamily="18" charset="0"/>
-                          <a:cs typeface="Times New Roman" pitchFamily="18" charset="0"/>
-                        </a:rPr>
-                        <a:t>0.04</a:t>
-                      </a:r>
-                      <a:endParaRPr lang="en-US" dirty="0">
-                        <a:latin typeface="Times New Roman" pitchFamily="18" charset="0"/>
-                        <a:cs typeface="Times New Roman" pitchFamily="18" charset="0"/>
-                      </a:endParaRPr>
-                    </a:p>
-                  </a:txBody>
-                  <a:tcPr/>
-                </a:tc>
-                <a:tc>
-                  <a:txBody>
-                    <a:bodyPr/>
-                    <a:lstStyle/>
-                    <a:p>
-                      <a:r>
-                        <a:rPr lang="en-US" dirty="0" smtClean="0">
-                          <a:latin typeface="Times New Roman" pitchFamily="18" charset="0"/>
-                          <a:cs typeface="Times New Roman" pitchFamily="18" charset="0"/>
-                        </a:rPr>
-                        <a:t>0.050</a:t>
-                      </a:r>
-                      <a:endParaRPr lang="en-US" dirty="0">
-                        <a:latin typeface="Times New Roman" pitchFamily="18" charset="0"/>
-                        <a:cs typeface="Times New Roman" pitchFamily="18" charset="0"/>
-                      </a:endParaRPr>
-                    </a:p>
-                  </a:txBody>
-                  <a:tcPr/>
-                </a:tc>
-                <a:tc>
-                  <a:txBody>
-                    <a:bodyPr/>
-                    <a:lstStyle/>
-                    <a:p>
-                      <a:r>
-                        <a:rPr lang="en-US" dirty="0" smtClean="0">
-                          <a:latin typeface="Times New Roman" pitchFamily="18" charset="0"/>
-                          <a:cs typeface="Times New Roman" pitchFamily="18" charset="0"/>
-                        </a:rPr>
-                        <a:t>0.35</a:t>
-                      </a:r>
-                      <a:endParaRPr lang="en-US" dirty="0">
-                        <a:latin typeface="Times New Roman" pitchFamily="18" charset="0"/>
-                        <a:cs typeface="Times New Roman" pitchFamily="18" charset="0"/>
-                      </a:endParaRPr>
-                    </a:p>
-                  </a:txBody>
-                  <a:tcPr/>
-                </a:tc>
-                <a:tc>
-                  <a:txBody>
-                    <a:bodyPr/>
-                    <a:lstStyle/>
-                    <a:p>
-                      <a:r>
-                        <a:rPr lang="en-US" dirty="0" smtClean="0">
-                          <a:latin typeface="Times New Roman" pitchFamily="18" charset="0"/>
-                          <a:cs typeface="Times New Roman" pitchFamily="18" charset="0"/>
-                        </a:rPr>
-                        <a:t>0.05</a:t>
-                      </a:r>
-                      <a:endParaRPr lang="en-US" dirty="0">
-                        <a:latin typeface="Times New Roman" pitchFamily="18" charset="0"/>
-                        <a:cs typeface="Times New Roman" pitchFamily="18" charset="0"/>
-                      </a:endParaRPr>
-                    </a:p>
-                  </a:txBody>
-                  <a:tcPr/>
-                </a:tc>
-                <a:tc>
-                  <a:txBody>
-                    <a:bodyPr/>
-                    <a:lstStyle/>
-                    <a:p>
-                      <a:r>
-                        <a:rPr lang="en-US" dirty="0" smtClean="0">
-                          <a:latin typeface="Times New Roman" pitchFamily="18" charset="0"/>
-                          <a:cs typeface="Times New Roman" pitchFamily="18" charset="0"/>
-                        </a:rPr>
-                        <a:t>0.022</a:t>
-                      </a:r>
-                      <a:endParaRPr lang="en-US" dirty="0">
-                        <a:latin typeface="Times New Roman" pitchFamily="18" charset="0"/>
-                        <a:cs typeface="Times New Roman" pitchFamily="18" charset="0"/>
-                      </a:endParaRPr>
-                    </a:p>
-                  </a:txBody>
-                  <a:tcPr/>
-                </a:tc>
-              </a:tr>
-              <a:tr h="370840">
-                <a:tc>
-                  <a:txBody>
-                    <a:bodyPr/>
-                    <a:lstStyle/>
-                    <a:p>
-                      <a:r>
-                        <a:rPr lang="en-US" dirty="0" err="1" smtClean="0">
-                          <a:latin typeface="Times New Roman" pitchFamily="18" charset="0"/>
-                          <a:cs typeface="Times New Roman" pitchFamily="18" charset="0"/>
-                        </a:rPr>
-                        <a:t>Free.sulfur.dioxide</a:t>
-                      </a:r>
-                      <a:endParaRPr lang="en-US" dirty="0">
-                        <a:latin typeface="Times New Roman" pitchFamily="18" charset="0"/>
-                        <a:cs typeface="Times New Roman" pitchFamily="18" charset="0"/>
-                      </a:endParaRPr>
-                    </a:p>
-                  </a:txBody>
-                  <a:tcPr/>
-                </a:tc>
-                <a:tc>
-                  <a:txBody>
-                    <a:bodyPr/>
-                    <a:lstStyle/>
-                    <a:p>
-                      <a:r>
-                        <a:rPr lang="en-US" dirty="0" smtClean="0">
-                          <a:latin typeface="Times New Roman" pitchFamily="18" charset="0"/>
-                          <a:cs typeface="Times New Roman" pitchFamily="18" charset="0"/>
-                        </a:rPr>
-                        <a:t>2.00</a:t>
-                      </a:r>
-                      <a:endParaRPr lang="en-US" dirty="0">
-                        <a:latin typeface="Times New Roman" pitchFamily="18" charset="0"/>
-                        <a:cs typeface="Times New Roman" pitchFamily="18" charset="0"/>
-                      </a:endParaRPr>
-                    </a:p>
-                  </a:txBody>
-                  <a:tcPr/>
-                </a:tc>
-                <a:tc>
-                  <a:txBody>
-                    <a:bodyPr/>
-                    <a:lstStyle/>
-                    <a:p>
-                      <a:r>
-                        <a:rPr lang="en-US" dirty="0" smtClean="0">
-                          <a:latin typeface="Times New Roman" pitchFamily="18" charset="0"/>
-                          <a:cs typeface="Times New Roman" pitchFamily="18" charset="0"/>
-                        </a:rPr>
-                        <a:t>23.00</a:t>
-                      </a:r>
-                      <a:endParaRPr lang="en-US" dirty="0">
-                        <a:latin typeface="Times New Roman" pitchFamily="18" charset="0"/>
-                        <a:cs typeface="Times New Roman" pitchFamily="18" charset="0"/>
-                      </a:endParaRPr>
-                    </a:p>
-                  </a:txBody>
-                  <a:tcPr/>
-                </a:tc>
-                <a:tc>
-                  <a:txBody>
-                    <a:bodyPr/>
-                    <a:lstStyle/>
-                    <a:p>
-                      <a:r>
-                        <a:rPr lang="en-US" dirty="0" smtClean="0">
-                          <a:latin typeface="Times New Roman" pitchFamily="18" charset="0"/>
-                          <a:cs typeface="Times New Roman" pitchFamily="18" charset="0"/>
-                        </a:rPr>
-                        <a:t>34.00</a:t>
-                      </a:r>
-                      <a:endParaRPr lang="en-US" dirty="0">
-                        <a:latin typeface="Times New Roman" pitchFamily="18" charset="0"/>
-                        <a:cs typeface="Times New Roman" pitchFamily="18" charset="0"/>
-                      </a:endParaRPr>
-                    </a:p>
-                  </a:txBody>
-                  <a:tcPr/>
-                </a:tc>
-                <a:tc>
-                  <a:txBody>
-                    <a:bodyPr/>
-                    <a:lstStyle/>
-                    <a:p>
-                      <a:r>
-                        <a:rPr lang="en-US" dirty="0" smtClean="0">
-                          <a:latin typeface="Times New Roman" pitchFamily="18" charset="0"/>
-                          <a:cs typeface="Times New Roman" pitchFamily="18" charset="0"/>
-                        </a:rPr>
-                        <a:t>46.00</a:t>
-                      </a:r>
-                      <a:endParaRPr lang="en-US" dirty="0">
-                        <a:latin typeface="Times New Roman" pitchFamily="18" charset="0"/>
-                        <a:cs typeface="Times New Roman" pitchFamily="18" charset="0"/>
-                      </a:endParaRPr>
-                    </a:p>
-                  </a:txBody>
-                  <a:tcPr/>
-                </a:tc>
-                <a:tc>
-                  <a:txBody>
-                    <a:bodyPr/>
-                    <a:lstStyle/>
-                    <a:p>
-                      <a:r>
-                        <a:rPr lang="en-US" dirty="0" smtClean="0">
-                          <a:latin typeface="Times New Roman" pitchFamily="18" charset="0"/>
-                          <a:cs typeface="Times New Roman" pitchFamily="18" charset="0"/>
-                        </a:rPr>
-                        <a:t>289.00</a:t>
-                      </a:r>
-                      <a:endParaRPr lang="en-US" dirty="0">
-                        <a:latin typeface="Times New Roman" pitchFamily="18" charset="0"/>
-                        <a:cs typeface="Times New Roman" pitchFamily="18" charset="0"/>
-                      </a:endParaRPr>
-                    </a:p>
-                  </a:txBody>
-                  <a:tcPr/>
-                </a:tc>
-                <a:tc>
-                  <a:txBody>
-                    <a:bodyPr/>
-                    <a:lstStyle/>
-                    <a:p>
-                      <a:r>
-                        <a:rPr lang="en-US" dirty="0" smtClean="0">
-                          <a:latin typeface="Times New Roman" pitchFamily="18" charset="0"/>
-                          <a:cs typeface="Times New Roman" pitchFamily="18" charset="0"/>
-                        </a:rPr>
-                        <a:t>35.31</a:t>
-                      </a:r>
-                      <a:endParaRPr lang="en-US" dirty="0">
-                        <a:latin typeface="Times New Roman" pitchFamily="18" charset="0"/>
-                        <a:cs typeface="Times New Roman" pitchFamily="18" charset="0"/>
-                      </a:endParaRPr>
-                    </a:p>
-                  </a:txBody>
-                  <a:tcPr/>
-                </a:tc>
-                <a:tc>
-                  <a:txBody>
-                    <a:bodyPr/>
-                    <a:lstStyle/>
-                    <a:p>
-                      <a:r>
-                        <a:rPr lang="en-US" dirty="0" smtClean="0">
-                          <a:latin typeface="Times New Roman" pitchFamily="18" charset="0"/>
-                          <a:cs typeface="Times New Roman" pitchFamily="18" charset="0"/>
-                        </a:rPr>
-                        <a:t>17.01</a:t>
-                      </a:r>
-                      <a:endParaRPr lang="en-US" dirty="0">
-                        <a:latin typeface="Times New Roman" pitchFamily="18" charset="0"/>
-                        <a:cs typeface="Times New Roman" pitchFamily="18" charset="0"/>
-                      </a:endParaRPr>
-                    </a:p>
-                  </a:txBody>
-                  <a:tcPr/>
-                </a:tc>
-              </a:tr>
-              <a:tr h="370840">
-                <a:tc>
-                  <a:txBody>
-                    <a:bodyPr/>
-                    <a:lstStyle/>
-                    <a:p>
-                      <a:r>
-                        <a:rPr lang="en-US" dirty="0" err="1" smtClean="0">
-                          <a:latin typeface="Times New Roman" pitchFamily="18" charset="0"/>
-                          <a:cs typeface="Times New Roman" pitchFamily="18" charset="0"/>
-                        </a:rPr>
-                        <a:t>Total.</a:t>
-                      </a:r>
-                      <a:r>
-                        <a:rPr lang="en-US" baseline="0" dirty="0" err="1" smtClean="0">
-                          <a:latin typeface="Times New Roman" pitchFamily="18" charset="0"/>
-                          <a:cs typeface="Times New Roman" pitchFamily="18" charset="0"/>
-                        </a:rPr>
-                        <a:t>sulfur.dioxide</a:t>
-                      </a:r>
-                      <a:endParaRPr lang="en-US" dirty="0">
-                        <a:latin typeface="Times New Roman" pitchFamily="18" charset="0"/>
-                        <a:cs typeface="Times New Roman" pitchFamily="18" charset="0"/>
-                      </a:endParaRPr>
-                    </a:p>
-                  </a:txBody>
-                  <a:tcPr/>
-                </a:tc>
-                <a:tc>
-                  <a:txBody>
-                    <a:bodyPr/>
-                    <a:lstStyle/>
-                    <a:p>
-                      <a:r>
-                        <a:rPr lang="en-US" dirty="0" smtClean="0">
-                          <a:latin typeface="Times New Roman" pitchFamily="18" charset="0"/>
-                          <a:cs typeface="Times New Roman" pitchFamily="18" charset="0"/>
-                        </a:rPr>
-                        <a:t>9.00</a:t>
-                      </a:r>
-                      <a:endParaRPr lang="en-US" dirty="0">
-                        <a:latin typeface="Times New Roman" pitchFamily="18" charset="0"/>
-                        <a:cs typeface="Times New Roman" pitchFamily="18" charset="0"/>
-                      </a:endParaRPr>
-                    </a:p>
-                  </a:txBody>
-                  <a:tcPr/>
-                </a:tc>
-                <a:tc>
-                  <a:txBody>
-                    <a:bodyPr/>
-                    <a:lstStyle/>
-                    <a:p>
-                      <a:r>
-                        <a:rPr lang="en-US" dirty="0" smtClean="0">
-                          <a:latin typeface="Times New Roman" pitchFamily="18" charset="0"/>
-                          <a:cs typeface="Times New Roman" pitchFamily="18" charset="0"/>
-                        </a:rPr>
-                        <a:t>108.00</a:t>
-                      </a:r>
-                      <a:endParaRPr lang="en-US" dirty="0">
-                        <a:latin typeface="Times New Roman" pitchFamily="18" charset="0"/>
-                        <a:cs typeface="Times New Roman" pitchFamily="18" charset="0"/>
-                      </a:endParaRPr>
-                    </a:p>
-                  </a:txBody>
-                  <a:tcPr/>
-                </a:tc>
-                <a:tc>
-                  <a:txBody>
-                    <a:bodyPr/>
-                    <a:lstStyle/>
-                    <a:p>
-                      <a:r>
-                        <a:rPr lang="en-US" dirty="0" smtClean="0">
-                          <a:latin typeface="Times New Roman" pitchFamily="18" charset="0"/>
-                          <a:cs typeface="Times New Roman" pitchFamily="18" charset="0"/>
-                        </a:rPr>
-                        <a:t>134.00</a:t>
-                      </a:r>
-                      <a:endParaRPr lang="en-US" dirty="0">
-                        <a:latin typeface="Times New Roman" pitchFamily="18" charset="0"/>
-                        <a:cs typeface="Times New Roman" pitchFamily="18" charset="0"/>
-                      </a:endParaRPr>
-                    </a:p>
-                  </a:txBody>
-                  <a:tcPr/>
-                </a:tc>
-                <a:tc>
-                  <a:txBody>
-                    <a:bodyPr/>
-                    <a:lstStyle/>
-                    <a:p>
-                      <a:r>
-                        <a:rPr lang="en-US" dirty="0" smtClean="0">
-                          <a:latin typeface="Times New Roman" pitchFamily="18" charset="0"/>
-                          <a:cs typeface="Times New Roman" pitchFamily="18" charset="0"/>
-                        </a:rPr>
-                        <a:t>167.00</a:t>
-                      </a:r>
-                      <a:endParaRPr lang="en-US" dirty="0">
-                        <a:latin typeface="Times New Roman" pitchFamily="18" charset="0"/>
-                        <a:cs typeface="Times New Roman" pitchFamily="18" charset="0"/>
-                      </a:endParaRPr>
-                    </a:p>
-                  </a:txBody>
-                  <a:tcPr/>
-                </a:tc>
-                <a:tc>
-                  <a:txBody>
-                    <a:bodyPr/>
-                    <a:lstStyle/>
-                    <a:p>
-                      <a:r>
-                        <a:rPr lang="en-US" dirty="0" smtClean="0">
-                          <a:latin typeface="Times New Roman" pitchFamily="18" charset="0"/>
-                          <a:cs typeface="Times New Roman" pitchFamily="18" charset="0"/>
-                        </a:rPr>
-                        <a:t>440.00</a:t>
-                      </a:r>
-                      <a:endParaRPr lang="en-US" dirty="0">
-                        <a:latin typeface="Times New Roman" pitchFamily="18" charset="0"/>
-                        <a:cs typeface="Times New Roman" pitchFamily="18" charset="0"/>
-                      </a:endParaRPr>
-                    </a:p>
-                  </a:txBody>
-                  <a:tcPr/>
-                </a:tc>
-                <a:tc>
-                  <a:txBody>
-                    <a:bodyPr/>
-                    <a:lstStyle/>
-                    <a:p>
-                      <a:r>
-                        <a:rPr lang="en-US" dirty="0" smtClean="0">
-                          <a:latin typeface="Times New Roman" pitchFamily="18" charset="0"/>
-                          <a:cs typeface="Times New Roman" pitchFamily="18" charset="0"/>
-                        </a:rPr>
-                        <a:t>138.40</a:t>
-                      </a:r>
-                      <a:endParaRPr lang="en-US" dirty="0">
-                        <a:latin typeface="Times New Roman" pitchFamily="18" charset="0"/>
-                        <a:cs typeface="Times New Roman" pitchFamily="18" charset="0"/>
-                      </a:endParaRPr>
-                    </a:p>
-                  </a:txBody>
-                  <a:tcPr/>
-                </a:tc>
-                <a:tc>
-                  <a:txBody>
-                    <a:bodyPr/>
-                    <a:lstStyle/>
-                    <a:p>
-                      <a:r>
-                        <a:rPr lang="en-US" dirty="0" smtClean="0">
-                          <a:latin typeface="Times New Roman" pitchFamily="18" charset="0"/>
-                          <a:cs typeface="Times New Roman" pitchFamily="18" charset="0"/>
-                        </a:rPr>
-                        <a:t>42.50</a:t>
-                      </a:r>
-                      <a:endParaRPr lang="en-US" dirty="0">
-                        <a:latin typeface="Times New Roman" pitchFamily="18" charset="0"/>
-                        <a:cs typeface="Times New Roman" pitchFamily="18" charset="0"/>
-                      </a:endParaRPr>
-                    </a:p>
-                  </a:txBody>
-                  <a:tcPr/>
-                </a:tc>
-              </a:tr>
-              <a:tr h="370840">
-                <a:tc>
-                  <a:txBody>
-                    <a:bodyPr/>
-                    <a:lstStyle/>
-                    <a:p>
-                      <a:r>
-                        <a:rPr lang="en-US" dirty="0" smtClean="0">
-                          <a:latin typeface="Times New Roman" pitchFamily="18" charset="0"/>
-                          <a:cs typeface="Times New Roman" pitchFamily="18" charset="0"/>
-                        </a:rPr>
-                        <a:t>Density</a:t>
-                      </a:r>
-                      <a:endParaRPr lang="en-US" dirty="0">
-                        <a:latin typeface="Times New Roman" pitchFamily="18" charset="0"/>
-                        <a:cs typeface="Times New Roman" pitchFamily="18" charset="0"/>
-                      </a:endParaRPr>
-                    </a:p>
-                  </a:txBody>
-                  <a:tcPr/>
-                </a:tc>
-                <a:tc>
-                  <a:txBody>
-                    <a:bodyPr/>
-                    <a:lstStyle/>
-                    <a:p>
-                      <a:r>
-                        <a:rPr lang="en-US" dirty="0" smtClean="0">
-                          <a:latin typeface="Times New Roman" pitchFamily="18" charset="0"/>
-                          <a:cs typeface="Times New Roman" pitchFamily="18" charset="0"/>
-                        </a:rPr>
-                        <a:t>0.99</a:t>
-                      </a:r>
-                      <a:endParaRPr lang="en-US" dirty="0">
-                        <a:latin typeface="Times New Roman" pitchFamily="18" charset="0"/>
-                        <a:cs typeface="Times New Roman" pitchFamily="18" charset="0"/>
-                      </a:endParaRPr>
-                    </a:p>
-                  </a:txBody>
-                  <a:tcPr/>
-                </a:tc>
-                <a:tc>
-                  <a:txBody>
-                    <a:bodyPr/>
-                    <a:lstStyle/>
-                    <a:p>
-                      <a:r>
-                        <a:rPr lang="en-US" dirty="0" smtClean="0">
-                          <a:latin typeface="Times New Roman" pitchFamily="18" charset="0"/>
-                          <a:cs typeface="Times New Roman" pitchFamily="18" charset="0"/>
-                        </a:rPr>
-                        <a:t>0.99</a:t>
-                      </a:r>
-                      <a:endParaRPr lang="en-US" dirty="0">
-                        <a:latin typeface="Times New Roman" pitchFamily="18" charset="0"/>
-                        <a:cs typeface="Times New Roman" pitchFamily="18" charset="0"/>
-                      </a:endParaRPr>
-                    </a:p>
-                  </a:txBody>
-                  <a:tcPr/>
-                </a:tc>
-                <a:tc>
-                  <a:txBody>
-                    <a:bodyPr/>
-                    <a:lstStyle/>
-                    <a:p>
-                      <a:r>
-                        <a:rPr lang="en-US" dirty="0" smtClean="0">
-                          <a:latin typeface="Times New Roman" pitchFamily="18" charset="0"/>
-                          <a:cs typeface="Times New Roman" pitchFamily="18" charset="0"/>
-                        </a:rPr>
-                        <a:t>0.99</a:t>
-                      </a:r>
-                      <a:endParaRPr lang="en-US" dirty="0">
-                        <a:latin typeface="Times New Roman" pitchFamily="18" charset="0"/>
-                        <a:cs typeface="Times New Roman" pitchFamily="18" charset="0"/>
-                      </a:endParaRPr>
-                    </a:p>
-                  </a:txBody>
-                  <a:tcPr/>
-                </a:tc>
-                <a:tc>
-                  <a:txBody>
-                    <a:bodyPr/>
-                    <a:lstStyle/>
-                    <a:p>
-                      <a:r>
-                        <a:rPr lang="en-US" dirty="0" smtClean="0">
-                          <a:latin typeface="Times New Roman" pitchFamily="18" charset="0"/>
-                          <a:cs typeface="Times New Roman" pitchFamily="18" charset="0"/>
-                        </a:rPr>
-                        <a:t>1.00</a:t>
-                      </a:r>
-                      <a:endParaRPr lang="en-US" dirty="0">
-                        <a:latin typeface="Times New Roman" pitchFamily="18" charset="0"/>
-                        <a:cs typeface="Times New Roman" pitchFamily="18" charset="0"/>
-                      </a:endParaRPr>
-                    </a:p>
-                  </a:txBody>
-                  <a:tcPr/>
-                </a:tc>
-                <a:tc>
-                  <a:txBody>
-                    <a:bodyPr/>
-                    <a:lstStyle/>
-                    <a:p>
-                      <a:r>
-                        <a:rPr lang="en-US" dirty="0" smtClean="0">
-                          <a:latin typeface="Times New Roman" pitchFamily="18" charset="0"/>
-                          <a:cs typeface="Times New Roman" pitchFamily="18" charset="0"/>
-                        </a:rPr>
-                        <a:t>1.04</a:t>
-                      </a:r>
-                      <a:endParaRPr lang="en-US" dirty="0">
-                        <a:latin typeface="Times New Roman" pitchFamily="18" charset="0"/>
-                        <a:cs typeface="Times New Roman" pitchFamily="18" charset="0"/>
-                      </a:endParaRPr>
-                    </a:p>
-                  </a:txBody>
-                  <a:tcPr/>
-                </a:tc>
-                <a:tc>
-                  <a:txBody>
-                    <a:bodyPr/>
-                    <a:lstStyle/>
-                    <a:p>
-                      <a:r>
-                        <a:rPr lang="en-US" dirty="0" smtClean="0">
-                          <a:latin typeface="Times New Roman" pitchFamily="18" charset="0"/>
-                          <a:cs typeface="Times New Roman" pitchFamily="18" charset="0"/>
-                        </a:rPr>
-                        <a:t>0.99</a:t>
-                      </a:r>
-                      <a:endParaRPr lang="en-US" dirty="0">
-                        <a:latin typeface="Times New Roman" pitchFamily="18" charset="0"/>
-                        <a:cs typeface="Times New Roman" pitchFamily="18" charset="0"/>
-                      </a:endParaRPr>
-                    </a:p>
-                  </a:txBody>
-                  <a:tcPr/>
-                </a:tc>
-                <a:tc>
-                  <a:txBody>
-                    <a:bodyPr/>
-                    <a:lstStyle/>
-                    <a:p>
-                      <a:r>
-                        <a:rPr lang="en-US" dirty="0" smtClean="0">
-                          <a:latin typeface="Times New Roman" pitchFamily="18" charset="0"/>
-                          <a:cs typeface="Times New Roman" pitchFamily="18" charset="0"/>
-                        </a:rPr>
-                        <a:t>0.003</a:t>
-                      </a:r>
-                      <a:endParaRPr lang="en-US" dirty="0">
-                        <a:latin typeface="Times New Roman" pitchFamily="18" charset="0"/>
-                        <a:cs typeface="Times New Roman" pitchFamily="18" charset="0"/>
-                      </a:endParaRPr>
-                    </a:p>
-                  </a:txBody>
-                  <a:tcPr/>
-                </a:tc>
-              </a:tr>
-              <a:tr h="370840">
-                <a:tc>
-                  <a:txBody>
-                    <a:bodyPr/>
-                    <a:lstStyle/>
-                    <a:p>
-                      <a:r>
-                        <a:rPr lang="en-US" dirty="0" smtClean="0">
-                          <a:latin typeface="Times New Roman" pitchFamily="18" charset="0"/>
-                          <a:cs typeface="Times New Roman" pitchFamily="18" charset="0"/>
-                        </a:rPr>
-                        <a:t>PH</a:t>
-                      </a:r>
-                      <a:endParaRPr lang="en-US" dirty="0">
-                        <a:latin typeface="Times New Roman" pitchFamily="18" charset="0"/>
-                        <a:cs typeface="Times New Roman" pitchFamily="18" charset="0"/>
-                      </a:endParaRPr>
-                    </a:p>
-                  </a:txBody>
-                  <a:tcPr/>
-                </a:tc>
-                <a:tc>
-                  <a:txBody>
-                    <a:bodyPr/>
-                    <a:lstStyle/>
-                    <a:p>
-                      <a:r>
-                        <a:rPr lang="en-US" dirty="0" smtClean="0">
-                          <a:latin typeface="Times New Roman" pitchFamily="18" charset="0"/>
-                          <a:cs typeface="Times New Roman" pitchFamily="18" charset="0"/>
-                        </a:rPr>
-                        <a:t>2.72</a:t>
-                      </a:r>
-                      <a:endParaRPr lang="en-US" dirty="0">
-                        <a:latin typeface="Times New Roman" pitchFamily="18" charset="0"/>
-                        <a:cs typeface="Times New Roman" pitchFamily="18" charset="0"/>
-                      </a:endParaRPr>
-                    </a:p>
-                  </a:txBody>
-                  <a:tcPr/>
-                </a:tc>
-                <a:tc>
-                  <a:txBody>
-                    <a:bodyPr/>
-                    <a:lstStyle/>
-                    <a:p>
-                      <a:r>
-                        <a:rPr lang="en-US" dirty="0" smtClean="0">
-                          <a:latin typeface="Times New Roman" pitchFamily="18" charset="0"/>
-                          <a:cs typeface="Times New Roman" pitchFamily="18" charset="0"/>
-                        </a:rPr>
-                        <a:t>3.09</a:t>
-                      </a:r>
-                      <a:endParaRPr lang="en-US" dirty="0">
-                        <a:latin typeface="Times New Roman" pitchFamily="18" charset="0"/>
-                        <a:cs typeface="Times New Roman" pitchFamily="18" charset="0"/>
-                      </a:endParaRPr>
-                    </a:p>
-                  </a:txBody>
-                  <a:tcPr/>
-                </a:tc>
-                <a:tc>
-                  <a:txBody>
-                    <a:bodyPr/>
-                    <a:lstStyle/>
-                    <a:p>
-                      <a:r>
-                        <a:rPr lang="en-US" dirty="0" smtClean="0">
-                          <a:latin typeface="Times New Roman" pitchFamily="18" charset="0"/>
-                          <a:cs typeface="Times New Roman" pitchFamily="18" charset="0"/>
-                        </a:rPr>
-                        <a:t>3.18</a:t>
-                      </a:r>
-                      <a:endParaRPr lang="en-US" dirty="0">
-                        <a:latin typeface="Times New Roman" pitchFamily="18" charset="0"/>
-                        <a:cs typeface="Times New Roman" pitchFamily="18" charset="0"/>
-                      </a:endParaRPr>
-                    </a:p>
-                  </a:txBody>
-                  <a:tcPr/>
-                </a:tc>
-                <a:tc>
-                  <a:txBody>
-                    <a:bodyPr/>
-                    <a:lstStyle/>
-                    <a:p>
-                      <a:r>
-                        <a:rPr lang="en-US" dirty="0" smtClean="0">
-                          <a:latin typeface="Times New Roman" pitchFamily="18" charset="0"/>
-                          <a:cs typeface="Times New Roman" pitchFamily="18" charset="0"/>
-                        </a:rPr>
-                        <a:t>3.28</a:t>
-                      </a:r>
-                      <a:endParaRPr lang="en-US" dirty="0">
-                        <a:latin typeface="Times New Roman" pitchFamily="18" charset="0"/>
-                        <a:cs typeface="Times New Roman" pitchFamily="18" charset="0"/>
-                      </a:endParaRPr>
-                    </a:p>
-                  </a:txBody>
-                  <a:tcPr/>
-                </a:tc>
-                <a:tc>
-                  <a:txBody>
-                    <a:bodyPr/>
-                    <a:lstStyle/>
-                    <a:p>
-                      <a:r>
-                        <a:rPr lang="en-US" dirty="0" smtClean="0">
-                          <a:latin typeface="Times New Roman" pitchFamily="18" charset="0"/>
-                          <a:cs typeface="Times New Roman" pitchFamily="18" charset="0"/>
-                        </a:rPr>
-                        <a:t>3.82</a:t>
-                      </a:r>
-                      <a:endParaRPr lang="en-US" dirty="0">
-                        <a:latin typeface="Times New Roman" pitchFamily="18" charset="0"/>
-                        <a:cs typeface="Times New Roman" pitchFamily="18" charset="0"/>
-                      </a:endParaRPr>
-                    </a:p>
-                  </a:txBody>
-                  <a:tcPr/>
-                </a:tc>
-                <a:tc>
-                  <a:txBody>
-                    <a:bodyPr/>
-                    <a:lstStyle/>
-                    <a:p>
-                      <a:r>
-                        <a:rPr lang="en-US" dirty="0" smtClean="0">
-                          <a:latin typeface="Times New Roman" pitchFamily="18" charset="0"/>
-                          <a:cs typeface="Times New Roman" pitchFamily="18" charset="0"/>
-                        </a:rPr>
-                        <a:t>3.19</a:t>
-                      </a:r>
-                      <a:endParaRPr lang="en-US" dirty="0">
-                        <a:latin typeface="Times New Roman" pitchFamily="18" charset="0"/>
-                        <a:cs typeface="Times New Roman" pitchFamily="18" charset="0"/>
-                      </a:endParaRPr>
-                    </a:p>
-                  </a:txBody>
-                  <a:tcPr/>
-                </a:tc>
-                <a:tc>
-                  <a:txBody>
-                    <a:bodyPr/>
-                    <a:lstStyle/>
-                    <a:p>
-                      <a:r>
-                        <a:rPr lang="en-US" dirty="0" smtClean="0">
-                          <a:latin typeface="Times New Roman" pitchFamily="18" charset="0"/>
-                          <a:cs typeface="Times New Roman" pitchFamily="18" charset="0"/>
-                        </a:rPr>
-                        <a:t>0.151</a:t>
-                      </a:r>
-                      <a:endParaRPr lang="en-US" dirty="0">
-                        <a:latin typeface="Times New Roman" pitchFamily="18" charset="0"/>
-                        <a:cs typeface="Times New Roman" pitchFamily="18" charset="0"/>
-                      </a:endParaRPr>
-                    </a:p>
-                  </a:txBody>
-                  <a:tcPr/>
-                </a:tc>
-              </a:tr>
-              <a:tr h="370840">
-                <a:tc>
-                  <a:txBody>
-                    <a:bodyPr/>
-                    <a:lstStyle/>
-                    <a:p>
-                      <a:r>
-                        <a:rPr lang="en-US" dirty="0" err="1" smtClean="0">
-                          <a:latin typeface="Times New Roman" pitchFamily="18" charset="0"/>
-                          <a:cs typeface="Times New Roman" pitchFamily="18" charset="0"/>
-                        </a:rPr>
-                        <a:t>Sulphates</a:t>
-                      </a:r>
-                      <a:endParaRPr lang="en-US" dirty="0">
-                        <a:latin typeface="Times New Roman" pitchFamily="18" charset="0"/>
-                        <a:cs typeface="Times New Roman" pitchFamily="18" charset="0"/>
-                      </a:endParaRPr>
-                    </a:p>
-                  </a:txBody>
-                  <a:tcPr/>
-                </a:tc>
-                <a:tc>
-                  <a:txBody>
-                    <a:bodyPr/>
-                    <a:lstStyle/>
-                    <a:p>
-                      <a:r>
-                        <a:rPr lang="en-US" dirty="0" smtClean="0">
-                          <a:latin typeface="Times New Roman" pitchFamily="18" charset="0"/>
-                          <a:cs typeface="Times New Roman" pitchFamily="18" charset="0"/>
-                        </a:rPr>
-                        <a:t>0.22</a:t>
-                      </a:r>
-                      <a:endParaRPr lang="en-US" dirty="0">
-                        <a:latin typeface="Times New Roman" pitchFamily="18" charset="0"/>
-                        <a:cs typeface="Times New Roman" pitchFamily="18" charset="0"/>
-                      </a:endParaRPr>
-                    </a:p>
-                  </a:txBody>
-                  <a:tcPr/>
-                </a:tc>
-                <a:tc>
-                  <a:txBody>
-                    <a:bodyPr/>
-                    <a:lstStyle/>
-                    <a:p>
-                      <a:r>
-                        <a:rPr lang="en-US" dirty="0" smtClean="0">
-                          <a:latin typeface="Times New Roman" pitchFamily="18" charset="0"/>
-                          <a:cs typeface="Times New Roman" pitchFamily="18" charset="0"/>
-                        </a:rPr>
-                        <a:t>0.41</a:t>
-                      </a:r>
-                      <a:endParaRPr lang="en-US" dirty="0">
-                        <a:latin typeface="Times New Roman" pitchFamily="18" charset="0"/>
-                        <a:cs typeface="Times New Roman" pitchFamily="18" charset="0"/>
-                      </a:endParaRPr>
-                    </a:p>
-                  </a:txBody>
-                  <a:tcPr/>
-                </a:tc>
-                <a:tc>
-                  <a:txBody>
-                    <a:bodyPr/>
-                    <a:lstStyle/>
-                    <a:p>
-                      <a:r>
-                        <a:rPr lang="en-US" dirty="0" smtClean="0">
-                          <a:latin typeface="Times New Roman" pitchFamily="18" charset="0"/>
-                          <a:cs typeface="Times New Roman" pitchFamily="18" charset="0"/>
-                        </a:rPr>
-                        <a:t>0.47</a:t>
-                      </a:r>
-                      <a:endParaRPr lang="en-US" dirty="0">
-                        <a:latin typeface="Times New Roman" pitchFamily="18" charset="0"/>
-                        <a:cs typeface="Times New Roman" pitchFamily="18" charset="0"/>
-                      </a:endParaRPr>
-                    </a:p>
-                  </a:txBody>
-                  <a:tcPr/>
-                </a:tc>
-                <a:tc>
-                  <a:txBody>
-                    <a:bodyPr/>
-                    <a:lstStyle/>
-                    <a:p>
-                      <a:r>
-                        <a:rPr lang="en-US" dirty="0" smtClean="0">
-                          <a:latin typeface="Times New Roman" pitchFamily="18" charset="0"/>
-                          <a:cs typeface="Times New Roman" pitchFamily="18" charset="0"/>
-                        </a:rPr>
-                        <a:t>0.55</a:t>
-                      </a:r>
-                      <a:endParaRPr lang="en-US" dirty="0">
-                        <a:latin typeface="Times New Roman" pitchFamily="18" charset="0"/>
-                        <a:cs typeface="Times New Roman" pitchFamily="18" charset="0"/>
-                      </a:endParaRPr>
-                    </a:p>
-                  </a:txBody>
-                  <a:tcPr/>
-                </a:tc>
-                <a:tc>
-                  <a:txBody>
-                    <a:bodyPr/>
-                    <a:lstStyle/>
-                    <a:p>
-                      <a:r>
-                        <a:rPr lang="en-US" dirty="0" smtClean="0">
-                          <a:latin typeface="Times New Roman" pitchFamily="18" charset="0"/>
-                          <a:cs typeface="Times New Roman" pitchFamily="18" charset="0"/>
-                        </a:rPr>
-                        <a:t>1.08</a:t>
-                      </a:r>
-                      <a:endParaRPr lang="en-US" dirty="0">
-                        <a:latin typeface="Times New Roman" pitchFamily="18" charset="0"/>
-                        <a:cs typeface="Times New Roman" pitchFamily="18" charset="0"/>
-                      </a:endParaRPr>
-                    </a:p>
-                  </a:txBody>
-                  <a:tcPr/>
-                </a:tc>
-                <a:tc>
-                  <a:txBody>
-                    <a:bodyPr/>
-                    <a:lstStyle/>
-                    <a:p>
-                      <a:r>
-                        <a:rPr lang="en-US" dirty="0" smtClean="0">
-                          <a:latin typeface="Times New Roman" pitchFamily="18" charset="0"/>
-                          <a:cs typeface="Times New Roman" pitchFamily="18" charset="0"/>
-                        </a:rPr>
-                        <a:t>0.49</a:t>
-                      </a:r>
-                      <a:endParaRPr lang="en-US" dirty="0">
-                        <a:latin typeface="Times New Roman" pitchFamily="18" charset="0"/>
-                        <a:cs typeface="Times New Roman" pitchFamily="18" charset="0"/>
-                      </a:endParaRPr>
-                    </a:p>
-                  </a:txBody>
-                  <a:tcPr/>
-                </a:tc>
-                <a:tc>
-                  <a:txBody>
-                    <a:bodyPr/>
-                    <a:lstStyle/>
-                    <a:p>
-                      <a:r>
-                        <a:rPr lang="en-US" dirty="0" smtClean="0">
-                          <a:latin typeface="Times New Roman" pitchFamily="18" charset="0"/>
-                          <a:cs typeface="Times New Roman" pitchFamily="18" charset="0"/>
-                        </a:rPr>
-                        <a:t>0.114</a:t>
-                      </a:r>
-                      <a:endParaRPr lang="en-US" dirty="0">
-                        <a:latin typeface="Times New Roman" pitchFamily="18" charset="0"/>
-                        <a:cs typeface="Times New Roman" pitchFamily="18" charset="0"/>
-                      </a:endParaRPr>
-                    </a:p>
-                  </a:txBody>
-                  <a:tcPr/>
-                </a:tc>
-              </a:tr>
-              <a:tr h="370840">
-                <a:tc>
-                  <a:txBody>
-                    <a:bodyPr/>
-                    <a:lstStyle/>
-                    <a:p>
-                      <a:r>
-                        <a:rPr lang="en-US" dirty="0" smtClean="0">
+                        <a:rPr lang="en-US" dirty="0">
                           <a:latin typeface="Times New Roman" pitchFamily="18" charset="0"/>
                           <a:cs typeface="Times New Roman" pitchFamily="18" charset="0"/>
                         </a:rPr>
                         <a:t>Alcohol</a:t>
                       </a:r>
-                      <a:endParaRPr lang="en-US" dirty="0">
-                        <a:latin typeface="Times New Roman" pitchFamily="18" charset="0"/>
-                        <a:cs typeface="Times New Roman" pitchFamily="18" charset="0"/>
-                      </a:endParaRPr>
-                    </a:p>
-                  </a:txBody>
-                  <a:tcPr/>
-                </a:tc>
-                <a:tc>
-                  <a:txBody>
-                    <a:bodyPr/>
-                    <a:lstStyle/>
-                    <a:p>
-                      <a:r>
-                        <a:rPr lang="en-US" dirty="0" smtClean="0">
+                    </a:p>
+                  </a:txBody>
+                  <a:tcPr/>
+                </a:tc>
+                <a:tc>
+                  <a:txBody>
+                    <a:bodyPr/>
+                    <a:lstStyle/>
+                    <a:p>
+                      <a:r>
+                        <a:rPr lang="en-US" dirty="0">
                           <a:latin typeface="Times New Roman" pitchFamily="18" charset="0"/>
                           <a:cs typeface="Times New Roman" pitchFamily="18" charset="0"/>
                         </a:rPr>
                         <a:t>8.00</a:t>
                       </a:r>
-                      <a:endParaRPr lang="en-US" dirty="0">
-                        <a:latin typeface="Times New Roman" pitchFamily="18" charset="0"/>
-                        <a:cs typeface="Times New Roman" pitchFamily="18" charset="0"/>
-                      </a:endParaRPr>
-                    </a:p>
-                  </a:txBody>
-                  <a:tcPr/>
-                </a:tc>
-                <a:tc>
-                  <a:txBody>
-                    <a:bodyPr/>
-                    <a:lstStyle/>
-                    <a:p>
-                      <a:r>
-                        <a:rPr lang="en-US" dirty="0" smtClean="0">
+                    </a:p>
+                  </a:txBody>
+                  <a:tcPr/>
+                </a:tc>
+                <a:tc>
+                  <a:txBody>
+                    <a:bodyPr/>
+                    <a:lstStyle/>
+                    <a:p>
+                      <a:r>
+                        <a:rPr lang="en-US" dirty="0">
                           <a:latin typeface="Times New Roman" pitchFamily="18" charset="0"/>
                           <a:cs typeface="Times New Roman" pitchFamily="18" charset="0"/>
                         </a:rPr>
                         <a:t>9.50</a:t>
                       </a:r>
-                      <a:endParaRPr lang="en-US" dirty="0">
-                        <a:latin typeface="Times New Roman" pitchFamily="18" charset="0"/>
-                        <a:cs typeface="Times New Roman" pitchFamily="18" charset="0"/>
-                      </a:endParaRPr>
-                    </a:p>
-                  </a:txBody>
-                  <a:tcPr/>
-                </a:tc>
-                <a:tc>
-                  <a:txBody>
-                    <a:bodyPr/>
-                    <a:lstStyle/>
-                    <a:p>
-                      <a:r>
-                        <a:rPr lang="en-US" dirty="0" smtClean="0">
+                    </a:p>
+                  </a:txBody>
+                  <a:tcPr/>
+                </a:tc>
+                <a:tc>
+                  <a:txBody>
+                    <a:bodyPr/>
+                    <a:lstStyle/>
+                    <a:p>
+                      <a:r>
+                        <a:rPr lang="en-US" dirty="0">
                           <a:latin typeface="Times New Roman" pitchFamily="18" charset="0"/>
                           <a:cs typeface="Times New Roman" pitchFamily="18" charset="0"/>
                         </a:rPr>
                         <a:t>10.40</a:t>
                       </a:r>
-                      <a:endParaRPr lang="en-US" dirty="0">
-                        <a:latin typeface="Times New Roman" pitchFamily="18" charset="0"/>
-                        <a:cs typeface="Times New Roman" pitchFamily="18" charset="0"/>
-                      </a:endParaRPr>
-                    </a:p>
-                  </a:txBody>
-                  <a:tcPr/>
-                </a:tc>
-                <a:tc>
-                  <a:txBody>
-                    <a:bodyPr/>
-                    <a:lstStyle/>
-                    <a:p>
-                      <a:r>
-                        <a:rPr lang="en-US" dirty="0" smtClean="0">
+                    </a:p>
+                  </a:txBody>
+                  <a:tcPr/>
+                </a:tc>
+                <a:tc>
+                  <a:txBody>
+                    <a:bodyPr/>
+                    <a:lstStyle/>
+                    <a:p>
+                      <a:r>
+                        <a:rPr lang="en-US" dirty="0">
                           <a:latin typeface="Times New Roman" pitchFamily="18" charset="0"/>
                           <a:cs typeface="Times New Roman" pitchFamily="18" charset="0"/>
                         </a:rPr>
                         <a:t>11.40</a:t>
                       </a:r>
-                      <a:endParaRPr lang="en-US" dirty="0">
-                        <a:latin typeface="Times New Roman" pitchFamily="18" charset="0"/>
-                        <a:cs typeface="Times New Roman" pitchFamily="18" charset="0"/>
-                      </a:endParaRPr>
-                    </a:p>
-                  </a:txBody>
-                  <a:tcPr/>
-                </a:tc>
-                <a:tc>
-                  <a:txBody>
-                    <a:bodyPr/>
-                    <a:lstStyle/>
-                    <a:p>
-                      <a:r>
-                        <a:rPr lang="en-US" dirty="0" smtClean="0">
+                    </a:p>
+                  </a:txBody>
+                  <a:tcPr/>
+                </a:tc>
+                <a:tc>
+                  <a:txBody>
+                    <a:bodyPr/>
+                    <a:lstStyle/>
+                    <a:p>
+                      <a:r>
+                        <a:rPr lang="en-US" dirty="0">
                           <a:latin typeface="Times New Roman" pitchFamily="18" charset="0"/>
                           <a:cs typeface="Times New Roman" pitchFamily="18" charset="0"/>
                         </a:rPr>
                         <a:t>14.20</a:t>
                       </a:r>
-                      <a:endParaRPr lang="en-US" dirty="0">
-                        <a:latin typeface="Times New Roman" pitchFamily="18" charset="0"/>
-                        <a:cs typeface="Times New Roman" pitchFamily="18" charset="0"/>
-                      </a:endParaRPr>
-                    </a:p>
-                  </a:txBody>
-                  <a:tcPr/>
-                </a:tc>
-                <a:tc>
-                  <a:txBody>
-                    <a:bodyPr/>
-                    <a:lstStyle/>
-                    <a:p>
-                      <a:r>
-                        <a:rPr lang="en-US" dirty="0" smtClean="0">
+                    </a:p>
+                  </a:txBody>
+                  <a:tcPr/>
+                </a:tc>
+                <a:tc>
+                  <a:txBody>
+                    <a:bodyPr/>
+                    <a:lstStyle/>
+                    <a:p>
+                      <a:r>
+                        <a:rPr lang="en-US" dirty="0">
                           <a:latin typeface="Times New Roman" pitchFamily="18" charset="0"/>
                           <a:cs typeface="Times New Roman" pitchFamily="18" charset="0"/>
                         </a:rPr>
                         <a:t>10.51</a:t>
                       </a:r>
-                      <a:endParaRPr lang="en-US" dirty="0">
-                        <a:latin typeface="Times New Roman" pitchFamily="18" charset="0"/>
-                        <a:cs typeface="Times New Roman" pitchFamily="18" charset="0"/>
-                      </a:endParaRPr>
-                    </a:p>
-                  </a:txBody>
-                  <a:tcPr/>
-                </a:tc>
-                <a:tc>
-                  <a:txBody>
-                    <a:bodyPr/>
-                    <a:lstStyle/>
-                    <a:p>
-                      <a:r>
-                        <a:rPr lang="en-US" dirty="0" smtClean="0">
+                    </a:p>
+                  </a:txBody>
+                  <a:tcPr/>
+                </a:tc>
+                <a:tc>
+                  <a:txBody>
+                    <a:bodyPr/>
+                    <a:lstStyle/>
+                    <a:p>
+                      <a:r>
+                        <a:rPr lang="en-US" dirty="0">
                           <a:latin typeface="Times New Roman" pitchFamily="18" charset="0"/>
                           <a:cs typeface="Times New Roman" pitchFamily="18" charset="0"/>
                         </a:rPr>
                         <a:t>1.231</a:t>
                       </a:r>
-                      <a:endParaRPr lang="en-US" dirty="0">
-                        <a:latin typeface="Times New Roman" pitchFamily="18" charset="0"/>
-                        <a:cs typeface="Times New Roman" pitchFamily="18" charset="0"/>
-                      </a:endParaRPr>
-                    </a:p>
-                  </a:txBody>
-                  <a:tcPr/>
-                </a:tc>
+                    </a:p>
+                  </a:txBody>
+                  <a:tcPr/>
+                </a:tc>
+                <a:extLst>
+                  <a:ext uri="{0D108BD9-81ED-4DB2-BD59-A6C34878D82A}">
+                    <a16:rowId xmlns:a16="http://schemas.microsoft.com/office/drawing/2014/main" val="10011"/>
+                  </a:ext>
+                </a:extLst>
               </a:tr>
             </a:tbl>
           </a:graphicData>
@@ -5172,13 +4931,6 @@
   <p:clrMapOvr>
     <a:masterClrMapping/>
   </p:clrMapOvr>
-  <p:timing>
-    <p:tnLst>
-      <p:par>
-        <p:cTn id="1" dur="indefinite" restart="never" nodeType="tmRoot"/>
-      </p:par>
-    </p:tnLst>
-  </p:timing>
 </p:sld>
 </file>
 
@@ -5217,18 +4969,11 @@
           <a:lstStyle/>
           <a:p>
             <a:r>
-              <a:rPr lang="en-US" sz="2000" smtClean="0">
+              <a:rPr lang="en-US" sz="2000" dirty="0">
                 <a:latin typeface="Times New Roman" pitchFamily="18" charset="0"/>
                 <a:cs typeface="Times New Roman" pitchFamily="18" charset="0"/>
               </a:rPr>
-              <a:t>Figure 7. </a:t>
-            </a:r>
-            <a:r>
-              <a:rPr lang="en-US" sz="2000" dirty="0" smtClean="0">
-                <a:latin typeface="Times New Roman" pitchFamily="18" charset="0"/>
-                <a:cs typeface="Times New Roman" pitchFamily="18" charset="0"/>
-              </a:rPr>
-              <a:t>Confusion matrix and statistics of k-NN reduced model </a:t>
+              <a:t>Figure 7. Confusion matrix and statistics of k-NN reduced model </a:t>
             </a:r>
             <a:endParaRPr lang="en-US" sz="2000" dirty="0"/>
           </a:p>
@@ -5277,6 +5022,338 @@
 </p:sld>
 </file>
 
+<file path=ppt/slides/slide11.xml><?xml version="1.0" encoding="utf-8"?>
+<p:sld xmlns:a="http://schemas.openxmlformats.org/drawingml/2006/main" xmlns:r="http://schemas.openxmlformats.org/officeDocument/2006/relationships" xmlns:p="http://schemas.openxmlformats.org/presentationml/2006/main">
+  <p:cSld>
+    <p:spTree>
+      <p:nvGrpSpPr>
+        <p:cNvPr id="1" name=""/>
+        <p:cNvGrpSpPr/>
+        <p:nvPr/>
+      </p:nvGrpSpPr>
+      <p:grpSpPr>
+        <a:xfrm>
+          <a:off x="0" y="0"/>
+          <a:ext cx="0" cy="0"/>
+          <a:chOff x="0" y="0"/>
+          <a:chExt cx="0" cy="0"/>
+        </a:xfrm>
+      </p:grpSpPr>
+      <p:sp>
+        <p:nvSpPr>
+          <p:cNvPr id="2" name="Title 1">
+            <a:extLst>
+              <a:ext uri="{FF2B5EF4-FFF2-40B4-BE49-F238E27FC236}">
+                <a16:creationId xmlns:a16="http://schemas.microsoft.com/office/drawing/2014/main" id="{AAF02547-7B99-4B69-867C-A1FD3280AA6F}"/>
+              </a:ext>
+            </a:extLst>
+          </p:cNvPr>
+          <p:cNvSpPr>
+            <a:spLocks noGrp="1"/>
+          </p:cNvSpPr>
+          <p:nvPr>
+            <p:ph type="title"/>
+          </p:nvPr>
+        </p:nvSpPr>
+        <p:spPr/>
+        <p:txBody>
+          <a:bodyPr>
+            <a:normAutofit/>
+          </a:bodyPr>
+          <a:lstStyle/>
+          <a:p>
+            <a:r>
+              <a:rPr lang="en-US" dirty="0"/>
+              <a:t>Full Model</a:t>
+            </a:r>
+          </a:p>
+        </p:txBody>
+      </p:sp>
+      <p:pic>
+        <p:nvPicPr>
+          <p:cNvPr id="6" name="Picture 5">
+            <a:extLst>
+              <a:ext uri="{FF2B5EF4-FFF2-40B4-BE49-F238E27FC236}">
+                <a16:creationId xmlns:a16="http://schemas.microsoft.com/office/drawing/2014/main" id="{DA7B8230-9761-4270-A29B-D6A7F8EC415B}"/>
+              </a:ext>
+            </a:extLst>
+          </p:cNvPr>
+          <p:cNvPicPr>
+            <a:picLocks noChangeAspect="1"/>
+          </p:cNvPicPr>
+          <p:nvPr/>
+        </p:nvPicPr>
+        <p:blipFill>
+          <a:blip r:embed="rId2"/>
+          <a:stretch>
+            <a:fillRect/>
+          </a:stretch>
+        </p:blipFill>
+        <p:spPr>
+          <a:xfrm>
+            <a:off x="76200" y="1295400"/>
+            <a:ext cx="8991600" cy="5322572"/>
+          </a:xfrm>
+          <a:prstGeom prst="rect">
+            <a:avLst/>
+          </a:prstGeom>
+        </p:spPr>
+      </p:pic>
+    </p:spTree>
+    <p:extLst>
+      <p:ext uri="{BB962C8B-B14F-4D97-AF65-F5344CB8AC3E}">
+        <p14:creationId xmlns:p14="http://schemas.microsoft.com/office/powerpoint/2010/main" val="4270250354"/>
+      </p:ext>
+    </p:extLst>
+  </p:cSld>
+  <p:clrMapOvr>
+    <a:masterClrMapping/>
+  </p:clrMapOvr>
+</p:sld>
+</file>
+
+<file path=ppt/slides/slide12.xml><?xml version="1.0" encoding="utf-8"?>
+<p:sld xmlns:a="http://schemas.openxmlformats.org/drawingml/2006/main" xmlns:r="http://schemas.openxmlformats.org/officeDocument/2006/relationships" xmlns:p="http://schemas.openxmlformats.org/presentationml/2006/main">
+  <p:cSld>
+    <p:spTree>
+      <p:nvGrpSpPr>
+        <p:cNvPr id="1" name=""/>
+        <p:cNvGrpSpPr/>
+        <p:nvPr/>
+      </p:nvGrpSpPr>
+      <p:grpSpPr>
+        <a:xfrm>
+          <a:off x="0" y="0"/>
+          <a:ext cx="0" cy="0"/>
+          <a:chOff x="0" y="0"/>
+          <a:chExt cx="0" cy="0"/>
+        </a:xfrm>
+      </p:grpSpPr>
+      <p:pic>
+        <p:nvPicPr>
+          <p:cNvPr id="6" name="Picture 5">
+            <a:extLst>
+              <a:ext uri="{FF2B5EF4-FFF2-40B4-BE49-F238E27FC236}">
+                <a16:creationId xmlns:a16="http://schemas.microsoft.com/office/drawing/2014/main" id="{46D8D1DB-1557-4B6B-B780-B72F41CCB94E}"/>
+              </a:ext>
+            </a:extLst>
+          </p:cNvPr>
+          <p:cNvPicPr>
+            <a:picLocks noChangeAspect="1"/>
+          </p:cNvPicPr>
+          <p:nvPr/>
+        </p:nvPicPr>
+        <p:blipFill>
+          <a:blip r:embed="rId2"/>
+          <a:stretch>
+            <a:fillRect/>
+          </a:stretch>
+        </p:blipFill>
+        <p:spPr>
+          <a:xfrm>
+            <a:off x="0" y="505155"/>
+            <a:ext cx="9144000" cy="5847690"/>
+          </a:xfrm>
+          <a:prstGeom prst="rect">
+            <a:avLst/>
+          </a:prstGeom>
+        </p:spPr>
+      </p:pic>
+    </p:spTree>
+    <p:extLst>
+      <p:ext uri="{BB962C8B-B14F-4D97-AF65-F5344CB8AC3E}">
+        <p14:creationId xmlns:p14="http://schemas.microsoft.com/office/powerpoint/2010/main" val="2220442535"/>
+      </p:ext>
+    </p:extLst>
+  </p:cSld>
+  <p:clrMapOvr>
+    <a:masterClrMapping/>
+  </p:clrMapOvr>
+</p:sld>
+</file>
+
+<file path=ppt/slides/slide13.xml><?xml version="1.0" encoding="utf-8"?>
+<p:sld xmlns:a="http://schemas.openxmlformats.org/drawingml/2006/main" xmlns:r="http://schemas.openxmlformats.org/officeDocument/2006/relationships" xmlns:p="http://schemas.openxmlformats.org/presentationml/2006/main">
+  <p:cSld>
+    <p:spTree>
+      <p:nvGrpSpPr>
+        <p:cNvPr id="1" name=""/>
+        <p:cNvGrpSpPr/>
+        <p:nvPr/>
+      </p:nvGrpSpPr>
+      <p:grpSpPr>
+        <a:xfrm>
+          <a:off x="0" y="0"/>
+          <a:ext cx="0" cy="0"/>
+          <a:chOff x="0" y="0"/>
+          <a:chExt cx="0" cy="0"/>
+        </a:xfrm>
+      </p:grpSpPr>
+      <p:sp>
+        <p:nvSpPr>
+          <p:cNvPr id="2" name="Title 1">
+            <a:extLst>
+              <a:ext uri="{FF2B5EF4-FFF2-40B4-BE49-F238E27FC236}">
+                <a16:creationId xmlns:a16="http://schemas.microsoft.com/office/drawing/2014/main" id="{D39DF979-6259-40E2-8FC7-9AAA19F5A2DC}"/>
+              </a:ext>
+            </a:extLst>
+          </p:cNvPr>
+          <p:cNvSpPr>
+            <a:spLocks noGrp="1"/>
+          </p:cNvSpPr>
+          <p:nvPr>
+            <p:ph type="title"/>
+          </p:nvPr>
+        </p:nvSpPr>
+        <p:spPr/>
+        <p:txBody>
+          <a:bodyPr/>
+          <a:lstStyle/>
+          <a:p>
+            <a:r>
+              <a:rPr lang="en-US" dirty="0"/>
+              <a:t>Step()</a:t>
+            </a:r>
+          </a:p>
+        </p:txBody>
+      </p:sp>
+      <p:pic>
+        <p:nvPicPr>
+          <p:cNvPr id="4" name="Content Placeholder 3">
+            <a:extLst>
+              <a:ext uri="{FF2B5EF4-FFF2-40B4-BE49-F238E27FC236}">
+                <a16:creationId xmlns:a16="http://schemas.microsoft.com/office/drawing/2014/main" id="{2775A6E6-EE23-4829-9439-983B5349B58D}"/>
+              </a:ext>
+            </a:extLst>
+          </p:cNvPr>
+          <p:cNvPicPr>
+            <a:picLocks noGrp="1" noChangeAspect="1"/>
+          </p:cNvPicPr>
+          <p:nvPr>
+            <p:ph idx="1"/>
+          </p:nvPr>
+        </p:nvPicPr>
+        <p:blipFill>
+          <a:blip r:embed="rId2"/>
+          <a:stretch>
+            <a:fillRect/>
+          </a:stretch>
+        </p:blipFill>
+        <p:spPr>
+          <a:xfrm>
+            <a:off x="457200" y="2809739"/>
+            <a:ext cx="8229600" cy="2106884"/>
+          </a:xfrm>
+          <a:prstGeom prst="rect">
+            <a:avLst/>
+          </a:prstGeom>
+        </p:spPr>
+      </p:pic>
+    </p:spTree>
+    <p:extLst>
+      <p:ext uri="{BB962C8B-B14F-4D97-AF65-F5344CB8AC3E}">
+        <p14:creationId xmlns:p14="http://schemas.microsoft.com/office/powerpoint/2010/main" val="3365301693"/>
+      </p:ext>
+    </p:extLst>
+  </p:cSld>
+  <p:clrMapOvr>
+    <a:masterClrMapping/>
+  </p:clrMapOvr>
+</p:sld>
+</file>
+
+<file path=ppt/slides/slide14.xml><?xml version="1.0" encoding="utf-8"?>
+<p:sld xmlns:a="http://schemas.openxmlformats.org/drawingml/2006/main" xmlns:r="http://schemas.openxmlformats.org/officeDocument/2006/relationships" xmlns:p="http://schemas.openxmlformats.org/presentationml/2006/main">
+  <p:cSld>
+    <p:spTree>
+      <p:nvGrpSpPr>
+        <p:cNvPr id="1" name=""/>
+        <p:cNvGrpSpPr/>
+        <p:nvPr/>
+      </p:nvGrpSpPr>
+      <p:grpSpPr>
+        <a:xfrm>
+          <a:off x="0" y="0"/>
+          <a:ext cx="0" cy="0"/>
+          <a:chOff x="0" y="0"/>
+          <a:chExt cx="0" cy="0"/>
+        </a:xfrm>
+      </p:grpSpPr>
+      <p:sp>
+        <p:nvSpPr>
+          <p:cNvPr id="2" name="Title 1">
+            <a:extLst>
+              <a:ext uri="{FF2B5EF4-FFF2-40B4-BE49-F238E27FC236}">
+                <a16:creationId xmlns:a16="http://schemas.microsoft.com/office/drawing/2014/main" id="{345CE17D-FF5A-4E4A-A2C0-D45E0EF0B8BC}"/>
+              </a:ext>
+            </a:extLst>
+          </p:cNvPr>
+          <p:cNvSpPr>
+            <a:spLocks noGrp="1"/>
+          </p:cNvSpPr>
+          <p:nvPr>
+            <p:ph type="title"/>
+          </p:nvPr>
+        </p:nvSpPr>
+        <p:spPr/>
+        <p:txBody>
+          <a:bodyPr>
+            <a:normAutofit/>
+          </a:bodyPr>
+          <a:lstStyle/>
+          <a:p>
+            <a:r>
+              <a:rPr lang="en-US" dirty="0"/>
+              <a:t>Step confusion matrix</a:t>
+            </a:r>
+          </a:p>
+        </p:txBody>
+      </p:sp>
+      <p:pic>
+        <p:nvPicPr>
+          <p:cNvPr id="4" name="Content Placeholder 3">
+            <a:extLst>
+              <a:ext uri="{FF2B5EF4-FFF2-40B4-BE49-F238E27FC236}">
+                <a16:creationId xmlns:a16="http://schemas.microsoft.com/office/drawing/2014/main" id="{3DC9136F-8F6C-480E-8E5F-C19AEC11F857}"/>
+              </a:ext>
+            </a:extLst>
+          </p:cNvPr>
+          <p:cNvPicPr>
+            <a:picLocks noGrp="1" noChangeAspect="1"/>
+          </p:cNvPicPr>
+          <p:nvPr>
+            <p:ph idx="1"/>
+          </p:nvPr>
+        </p:nvPicPr>
+        <p:blipFill>
+          <a:blip r:embed="rId2"/>
+          <a:stretch>
+            <a:fillRect/>
+          </a:stretch>
+        </p:blipFill>
+        <p:spPr>
+          <a:xfrm>
+            <a:off x="1038800" y="1600200"/>
+            <a:ext cx="7419399" cy="4525963"/>
+          </a:xfrm>
+          <a:prstGeom prst="rect">
+            <a:avLst/>
+          </a:prstGeom>
+        </p:spPr>
+      </p:pic>
+    </p:spTree>
+    <p:extLst>
+      <p:ext uri="{BB962C8B-B14F-4D97-AF65-F5344CB8AC3E}">
+        <p14:creationId xmlns:p14="http://schemas.microsoft.com/office/powerpoint/2010/main" val="3079774796"/>
+      </p:ext>
+    </p:extLst>
+  </p:cSld>
+  <p:clrMapOvr>
+    <a:masterClrMapping/>
+  </p:clrMapOvr>
+</p:sld>
+</file>
+
 <file path=ppt/slides/slide2.xml><?xml version="1.0" encoding="utf-8"?>
 <p:sld xmlns:a="http://schemas.openxmlformats.org/drawingml/2006/main" xmlns:r="http://schemas.openxmlformats.org/officeDocument/2006/relationships" xmlns:p="http://schemas.openxmlformats.org/presentationml/2006/main">
   <p:cSld>
@@ -5318,16 +5395,12 @@
           <a:p>
             <a:pPr algn="l"/>
             <a:r>
-              <a:rPr lang="en-US" sz="2000" dirty="0" smtClean="0">
+              <a:rPr lang="en-US" sz="2000" dirty="0">
                 <a:latin typeface="Times New Roman" pitchFamily="18" charset="0"/>
                 <a:cs typeface="Times New Roman" pitchFamily="18" charset="0"/>
               </a:rPr>
               <a:t>Table 2. Quantity of wines by quality of scores.</a:t>
             </a:r>
-            <a:endParaRPr lang="en-US" sz="2000" dirty="0">
-              <a:latin typeface="Times New Roman" pitchFamily="18" charset="0"/>
-              <a:cs typeface="Times New Roman" pitchFamily="18" charset="0"/>
-            </a:endParaRPr>
           </a:p>
         </p:txBody>
       </p:sp>
@@ -5352,14 +5425,62 @@
                 <a:tableStyleId>{5C22544A-7EE6-4342-B048-85BDC9FD1C3A}</a:tableStyleId>
               </a:tblPr>
               <a:tblGrid>
-                <a:gridCol w="1143000"/>
-                <a:gridCol w="990600"/>
-                <a:gridCol w="990600"/>
-                <a:gridCol w="1066800"/>
-                <a:gridCol w="990600"/>
-                <a:gridCol w="990600"/>
-                <a:gridCol w="1028700"/>
-                <a:gridCol w="1028700"/>
+                <a:gridCol w="1143000">
+                  <a:extLst>
+                    <a:ext uri="{9D8B030D-6E8A-4147-A177-3AD203B41FA5}">
+                      <a16:colId xmlns:a16="http://schemas.microsoft.com/office/drawing/2014/main" val="20000"/>
+                    </a:ext>
+                  </a:extLst>
+                </a:gridCol>
+                <a:gridCol w="990600">
+                  <a:extLst>
+                    <a:ext uri="{9D8B030D-6E8A-4147-A177-3AD203B41FA5}">
+                      <a16:colId xmlns:a16="http://schemas.microsoft.com/office/drawing/2014/main" val="20001"/>
+                    </a:ext>
+                  </a:extLst>
+                </a:gridCol>
+                <a:gridCol w="990600">
+                  <a:extLst>
+                    <a:ext uri="{9D8B030D-6E8A-4147-A177-3AD203B41FA5}">
+                      <a16:colId xmlns:a16="http://schemas.microsoft.com/office/drawing/2014/main" val="20002"/>
+                    </a:ext>
+                  </a:extLst>
+                </a:gridCol>
+                <a:gridCol w="1066800">
+                  <a:extLst>
+                    <a:ext uri="{9D8B030D-6E8A-4147-A177-3AD203B41FA5}">
+                      <a16:colId xmlns:a16="http://schemas.microsoft.com/office/drawing/2014/main" val="20003"/>
+                    </a:ext>
+                  </a:extLst>
+                </a:gridCol>
+                <a:gridCol w="990600">
+                  <a:extLst>
+                    <a:ext uri="{9D8B030D-6E8A-4147-A177-3AD203B41FA5}">
+                      <a16:colId xmlns:a16="http://schemas.microsoft.com/office/drawing/2014/main" val="20004"/>
+                    </a:ext>
+                  </a:extLst>
+                </a:gridCol>
+                <a:gridCol w="990600">
+                  <a:extLst>
+                    <a:ext uri="{9D8B030D-6E8A-4147-A177-3AD203B41FA5}">
+                      <a16:colId xmlns:a16="http://schemas.microsoft.com/office/drawing/2014/main" val="20005"/>
+                    </a:ext>
+                  </a:extLst>
+                </a:gridCol>
+                <a:gridCol w="1028700">
+                  <a:extLst>
+                    <a:ext uri="{9D8B030D-6E8A-4147-A177-3AD203B41FA5}">
+                      <a16:colId xmlns:a16="http://schemas.microsoft.com/office/drawing/2014/main" val="20006"/>
+                    </a:ext>
+                  </a:extLst>
+                </a:gridCol>
+                <a:gridCol w="1028700">
+                  <a:extLst>
+                    <a:ext uri="{9D8B030D-6E8A-4147-A177-3AD203B41FA5}">
+                      <a16:colId xmlns:a16="http://schemas.microsoft.com/office/drawing/2014/main" val="20007"/>
+                    </a:ext>
+                  </a:extLst>
+                </a:gridCol>
               </a:tblGrid>
               <a:tr h="370840">
                 <a:tc>
@@ -5368,27 +5489,23 @@
                     <a:lstStyle/>
                     <a:p>
                       <a:r>
-                        <a:rPr lang="en-US" dirty="0" smtClean="0">
+                        <a:rPr lang="en-US" dirty="0">
                           <a:latin typeface="Times New Roman" pitchFamily="18" charset="0"/>
                           <a:cs typeface="Times New Roman" pitchFamily="18" charset="0"/>
                         </a:rPr>
                         <a:t>Scores</a:t>
                       </a:r>
-                      <a:endParaRPr lang="en-US" dirty="0">
-                        <a:latin typeface="Times New Roman" pitchFamily="18" charset="0"/>
-                        <a:cs typeface="Times New Roman" pitchFamily="18" charset="0"/>
-                      </a:endParaRPr>
-                    </a:p>
-                  </a:txBody>
-                  <a:tcPr/>
-                </a:tc>
-                <a:tc>
-                  <a:txBody>
-                    <a:bodyPr/>
-                    <a:lstStyle/>
-                    <a:p>
-                      <a:r>
-                        <a:rPr lang="en-US" dirty="0" smtClean="0">
+                    </a:p>
+                  </a:txBody>
+                  <a:tcPr/>
+                </a:tc>
+                <a:tc>
+                  <a:txBody>
+                    <a:bodyPr/>
+                    <a:lstStyle/>
+                    <a:p>
+                      <a:r>
+                        <a:rPr lang="en-US" dirty="0">
                           <a:solidFill>
                             <a:schemeClr val="tx1"/>
                           </a:solidFill>
@@ -5397,13 +5514,6 @@
                         </a:rPr>
                         <a:t>3</a:t>
                       </a:r>
-                      <a:endParaRPr lang="en-US" dirty="0">
-                        <a:solidFill>
-                          <a:schemeClr val="tx1"/>
-                        </a:solidFill>
-                        <a:latin typeface="Times New Roman" pitchFamily="18" charset="0"/>
-                        <a:cs typeface="Times New Roman" pitchFamily="18" charset="0"/>
-                      </a:endParaRPr>
                     </a:p>
                   </a:txBody>
                   <a:tcPr>
@@ -5421,7 +5531,7 @@
                     <a:lstStyle/>
                     <a:p>
                       <a:r>
-                        <a:rPr lang="en-US" dirty="0" smtClean="0">
+                        <a:rPr lang="en-US" dirty="0">
                           <a:solidFill>
                             <a:schemeClr val="tx1"/>
                           </a:solidFill>
@@ -5430,13 +5540,6 @@
                         </a:rPr>
                         <a:t>4</a:t>
                       </a:r>
-                      <a:endParaRPr lang="en-US" dirty="0">
-                        <a:solidFill>
-                          <a:schemeClr val="tx1"/>
-                        </a:solidFill>
-                        <a:latin typeface="Times New Roman" pitchFamily="18" charset="0"/>
-                        <a:cs typeface="Times New Roman" pitchFamily="18" charset="0"/>
-                      </a:endParaRPr>
                     </a:p>
                   </a:txBody>
                   <a:tcPr>
@@ -5454,7 +5557,7 @@
                     <a:lstStyle/>
                     <a:p>
                       <a:r>
-                        <a:rPr lang="en-US" dirty="0" smtClean="0">
+                        <a:rPr lang="en-US" dirty="0">
                           <a:solidFill>
                             <a:schemeClr val="tx1"/>
                           </a:solidFill>
@@ -5463,13 +5566,6 @@
                         </a:rPr>
                         <a:t>5</a:t>
                       </a:r>
-                      <a:endParaRPr lang="en-US" dirty="0">
-                        <a:solidFill>
-                          <a:schemeClr val="tx1"/>
-                        </a:solidFill>
-                        <a:latin typeface="Times New Roman" pitchFamily="18" charset="0"/>
-                        <a:cs typeface="Times New Roman" pitchFamily="18" charset="0"/>
-                      </a:endParaRPr>
                     </a:p>
                   </a:txBody>
                   <a:tcPr>
@@ -5487,7 +5583,7 @@
                     <a:lstStyle/>
                     <a:p>
                       <a:r>
-                        <a:rPr lang="en-US" dirty="0" smtClean="0">
+                        <a:rPr lang="en-US" dirty="0">
                           <a:solidFill>
                             <a:schemeClr val="tx1"/>
                           </a:solidFill>
@@ -5496,13 +5592,6 @@
                         </a:rPr>
                         <a:t>6</a:t>
                       </a:r>
-                      <a:endParaRPr lang="en-US" dirty="0">
-                        <a:solidFill>
-                          <a:schemeClr val="tx1"/>
-                        </a:solidFill>
-                        <a:latin typeface="Times New Roman" pitchFamily="18" charset="0"/>
-                        <a:cs typeface="Times New Roman" pitchFamily="18" charset="0"/>
-                      </a:endParaRPr>
                     </a:p>
                   </a:txBody>
                   <a:tcPr>
@@ -5520,7 +5609,7 @@
                     <a:lstStyle/>
                     <a:p>
                       <a:r>
-                        <a:rPr lang="en-US" dirty="0" smtClean="0">
+                        <a:rPr lang="en-US" dirty="0">
                           <a:solidFill>
                             <a:schemeClr val="tx1"/>
                           </a:solidFill>
@@ -5529,13 +5618,6 @@
                         </a:rPr>
                         <a:t>7</a:t>
                       </a:r>
-                      <a:endParaRPr lang="en-US" dirty="0">
-                        <a:solidFill>
-                          <a:schemeClr val="tx1"/>
-                        </a:solidFill>
-                        <a:latin typeface="Times New Roman" pitchFamily="18" charset="0"/>
-                        <a:cs typeface="Times New Roman" pitchFamily="18" charset="0"/>
-                      </a:endParaRPr>
                     </a:p>
                   </a:txBody>
                   <a:tcPr>
@@ -5553,7 +5635,7 @@
                     <a:lstStyle/>
                     <a:p>
                       <a:r>
-                        <a:rPr lang="en-US" dirty="0" smtClean="0">
+                        <a:rPr lang="en-US" dirty="0">
                           <a:solidFill>
                             <a:schemeClr val="tx1"/>
                           </a:solidFill>
@@ -5562,13 +5644,6 @@
                         </a:rPr>
                         <a:t>8</a:t>
                       </a:r>
-                      <a:endParaRPr lang="en-US" dirty="0">
-                        <a:solidFill>
-                          <a:schemeClr val="tx1"/>
-                        </a:solidFill>
-                        <a:latin typeface="Times New Roman" pitchFamily="18" charset="0"/>
-                        <a:cs typeface="Times New Roman" pitchFamily="18" charset="0"/>
-                      </a:endParaRPr>
                     </a:p>
                   </a:txBody>
                   <a:tcPr>
@@ -5586,7 +5661,7 @@
                     <a:lstStyle/>
                     <a:p>
                       <a:r>
-                        <a:rPr lang="en-US" dirty="0" smtClean="0">
+                        <a:rPr lang="en-US" dirty="0">
                           <a:solidFill>
                             <a:schemeClr val="tx1"/>
                           </a:solidFill>
@@ -5595,13 +5670,6 @@
                         </a:rPr>
                         <a:t>9</a:t>
                       </a:r>
-                      <a:endParaRPr lang="en-US" dirty="0">
-                        <a:solidFill>
-                          <a:schemeClr val="tx1"/>
-                        </a:solidFill>
-                        <a:latin typeface="Times New Roman" pitchFamily="18" charset="0"/>
-                        <a:cs typeface="Times New Roman" pitchFamily="18" charset="0"/>
-                      </a:endParaRPr>
                     </a:p>
                   </a:txBody>
                   <a:tcPr>
@@ -5613,6 +5681,11 @@
                     </a:solidFill>
                   </a:tcPr>
                 </a:tc>
+                <a:extLst>
+                  <a:ext uri="{0D108BD9-81ED-4DB2-BD59-A6C34878D82A}">
+                    <a16:rowId xmlns:a16="http://schemas.microsoft.com/office/drawing/2014/main" val="10000"/>
+                  </a:ext>
+                </a:extLst>
               </a:tr>
               <a:tr h="370840">
                 <a:tc>
@@ -5621,7 +5694,7 @@
                     <a:lstStyle/>
                     <a:p>
                       <a:r>
-                        <a:rPr lang="en-US" b="1" dirty="0" smtClean="0">
+                        <a:rPr lang="en-US" b="1" dirty="0">
                           <a:solidFill>
                             <a:schemeClr val="bg1"/>
                           </a:solidFill>
@@ -5630,13 +5703,6 @@
                         </a:rPr>
                         <a:t>Quantity</a:t>
                       </a:r>
-                      <a:endParaRPr lang="en-US" b="1" dirty="0">
-                        <a:solidFill>
-                          <a:schemeClr val="bg1"/>
-                        </a:solidFill>
-                        <a:latin typeface="Times New Roman" pitchFamily="18" charset="0"/>
-                        <a:cs typeface="Times New Roman" pitchFamily="18" charset="0"/>
-                      </a:endParaRPr>
                     </a:p>
                   </a:txBody>
                   <a:tcPr>
@@ -5654,140 +5720,117 @@
                     <a:lstStyle/>
                     <a:p>
                       <a:r>
-                        <a:rPr lang="en-US" b="1" dirty="0" smtClean="0">
+                        <a:rPr lang="en-US" b="1" dirty="0">
                           <a:latin typeface="Times New Roman" pitchFamily="18" charset="0"/>
                           <a:cs typeface="Times New Roman" pitchFamily="18" charset="0"/>
                         </a:rPr>
                         <a:t>20</a:t>
                       </a:r>
-                      <a:endParaRPr lang="en-US" b="1" dirty="0">
-                        <a:latin typeface="Times New Roman" pitchFamily="18" charset="0"/>
-                        <a:cs typeface="Times New Roman" pitchFamily="18" charset="0"/>
-                      </a:endParaRPr>
-                    </a:p>
-                  </a:txBody>
-                  <a:tcPr/>
-                </a:tc>
-                <a:tc>
-                  <a:txBody>
-                    <a:bodyPr/>
-                    <a:lstStyle/>
-                    <a:p>
-                      <a:r>
-                        <a:rPr lang="en-US" b="1" dirty="0" smtClean="0">
+                    </a:p>
+                  </a:txBody>
+                  <a:tcPr/>
+                </a:tc>
+                <a:tc>
+                  <a:txBody>
+                    <a:bodyPr/>
+                    <a:lstStyle/>
+                    <a:p>
+                      <a:r>
+                        <a:rPr lang="en-US" b="1" dirty="0">
                           <a:latin typeface="Times New Roman" pitchFamily="18" charset="0"/>
                           <a:cs typeface="Times New Roman" pitchFamily="18" charset="0"/>
                         </a:rPr>
                         <a:t>163</a:t>
                       </a:r>
-                      <a:endParaRPr lang="en-US" b="1" dirty="0">
-                        <a:latin typeface="Times New Roman" pitchFamily="18" charset="0"/>
-                        <a:cs typeface="Times New Roman" pitchFamily="18" charset="0"/>
-                      </a:endParaRPr>
-                    </a:p>
-                  </a:txBody>
-                  <a:tcPr/>
-                </a:tc>
-                <a:tc>
-                  <a:txBody>
-                    <a:bodyPr/>
-                    <a:lstStyle/>
-                    <a:p>
-                      <a:r>
-                        <a:rPr lang="en-US" b="1" dirty="0" smtClean="0">
+                    </a:p>
+                  </a:txBody>
+                  <a:tcPr/>
+                </a:tc>
+                <a:tc>
+                  <a:txBody>
+                    <a:bodyPr/>
+                    <a:lstStyle/>
+                    <a:p>
+                      <a:r>
+                        <a:rPr lang="en-US" b="1" dirty="0">
                           <a:latin typeface="Times New Roman" pitchFamily="18" charset="0"/>
                           <a:cs typeface="Times New Roman" pitchFamily="18" charset="0"/>
                         </a:rPr>
                         <a:t>1457</a:t>
                       </a:r>
-                      <a:endParaRPr lang="en-US" b="1" dirty="0">
-                        <a:latin typeface="Times New Roman" pitchFamily="18" charset="0"/>
-                        <a:cs typeface="Times New Roman" pitchFamily="18" charset="0"/>
-                      </a:endParaRPr>
-                    </a:p>
-                  </a:txBody>
-                  <a:tcPr/>
-                </a:tc>
-                <a:tc>
-                  <a:txBody>
-                    <a:bodyPr/>
-                    <a:lstStyle/>
-                    <a:p>
-                      <a:r>
-                        <a:rPr lang="en-US" b="1" dirty="0" smtClean="0">
+                    </a:p>
+                  </a:txBody>
+                  <a:tcPr/>
+                </a:tc>
+                <a:tc>
+                  <a:txBody>
+                    <a:bodyPr/>
+                    <a:lstStyle/>
+                    <a:p>
+                      <a:r>
+                        <a:rPr lang="en-US" b="1" dirty="0">
                           <a:latin typeface="Times New Roman" pitchFamily="18" charset="0"/>
                           <a:cs typeface="Times New Roman" pitchFamily="18" charset="0"/>
                         </a:rPr>
                         <a:t>2198</a:t>
                       </a:r>
-                      <a:endParaRPr lang="en-US" b="1" dirty="0">
-                        <a:latin typeface="Times New Roman" pitchFamily="18" charset="0"/>
-                        <a:cs typeface="Times New Roman" pitchFamily="18" charset="0"/>
-                      </a:endParaRPr>
-                    </a:p>
-                  </a:txBody>
-                  <a:tcPr/>
-                </a:tc>
-                <a:tc>
-                  <a:txBody>
-                    <a:bodyPr/>
-                    <a:lstStyle/>
-                    <a:p>
-                      <a:r>
-                        <a:rPr lang="en-US" b="1" dirty="0" smtClean="0">
+                    </a:p>
+                  </a:txBody>
+                  <a:tcPr/>
+                </a:tc>
+                <a:tc>
+                  <a:txBody>
+                    <a:bodyPr/>
+                    <a:lstStyle/>
+                    <a:p>
+                      <a:r>
+                        <a:rPr lang="en-US" b="1" dirty="0">
                           <a:latin typeface="Times New Roman" pitchFamily="18" charset="0"/>
                           <a:cs typeface="Times New Roman" pitchFamily="18" charset="0"/>
                         </a:rPr>
                         <a:t>880</a:t>
                       </a:r>
-                      <a:endParaRPr lang="en-US" b="1" dirty="0">
-                        <a:latin typeface="Times New Roman" pitchFamily="18" charset="0"/>
-                        <a:cs typeface="Times New Roman" pitchFamily="18" charset="0"/>
-                      </a:endParaRPr>
-                    </a:p>
-                  </a:txBody>
-                  <a:tcPr/>
-                </a:tc>
-                <a:tc>
-                  <a:txBody>
-                    <a:bodyPr/>
-                    <a:lstStyle/>
-                    <a:p>
-                      <a:r>
-                        <a:rPr lang="en-US" b="1" dirty="0" smtClean="0">
+                    </a:p>
+                  </a:txBody>
+                  <a:tcPr/>
+                </a:tc>
+                <a:tc>
+                  <a:txBody>
+                    <a:bodyPr/>
+                    <a:lstStyle/>
+                    <a:p>
+                      <a:r>
+                        <a:rPr lang="en-US" b="1" dirty="0">
                           <a:latin typeface="Times New Roman" pitchFamily="18" charset="0"/>
                           <a:cs typeface="Times New Roman" pitchFamily="18" charset="0"/>
                         </a:rPr>
                         <a:t>175</a:t>
                       </a:r>
-                      <a:endParaRPr lang="en-US" b="1" dirty="0">
-                        <a:latin typeface="Times New Roman" pitchFamily="18" charset="0"/>
-                        <a:cs typeface="Times New Roman" pitchFamily="18" charset="0"/>
-                      </a:endParaRPr>
-                    </a:p>
-                  </a:txBody>
-                  <a:tcPr/>
-                </a:tc>
-                <a:tc>
-                  <a:txBody>
-                    <a:bodyPr/>
-                    <a:lstStyle/>
-                    <a:p>
-                      <a:r>
-                        <a:rPr lang="en-US" b="1" dirty="0" smtClean="0">
+                    </a:p>
+                  </a:txBody>
+                  <a:tcPr/>
+                </a:tc>
+                <a:tc>
+                  <a:txBody>
+                    <a:bodyPr/>
+                    <a:lstStyle/>
+                    <a:p>
+                      <a:r>
+                        <a:rPr lang="en-US" b="1" dirty="0">
                           <a:latin typeface="Times New Roman" pitchFamily="18" charset="0"/>
                           <a:cs typeface="Times New Roman" pitchFamily="18" charset="0"/>
                         </a:rPr>
                         <a:t>5</a:t>
                       </a:r>
-                      <a:endParaRPr lang="en-US" b="1" dirty="0">
-                        <a:latin typeface="Times New Roman" pitchFamily="18" charset="0"/>
-                        <a:cs typeface="Times New Roman" pitchFamily="18" charset="0"/>
-                      </a:endParaRPr>
-                    </a:p>
-                  </a:txBody>
-                  <a:tcPr/>
-                </a:tc>
+                    </a:p>
+                  </a:txBody>
+                  <a:tcPr/>
+                </a:tc>
+                <a:extLst>
+                  <a:ext uri="{0D108BD9-81ED-4DB2-BD59-A6C34878D82A}">
+                    <a16:rowId xmlns:a16="http://schemas.microsoft.com/office/drawing/2014/main" val="10001"/>
+                  </a:ext>
+                </a:extLst>
               </a:tr>
             </a:tbl>
           </a:graphicData>
@@ -5831,13 +5874,6 @@
   <p:clrMapOvr>
     <a:masterClrMapping/>
   </p:clrMapOvr>
-  <p:timing>
-    <p:tnLst>
-      <p:par>
-        <p:cTn id="1" dur="indefinite" restart="never" nodeType="tmRoot"/>
-      </p:par>
-    </p:tnLst>
-  </p:timing>
 </p:sld>
 </file>
 
@@ -5881,16 +5917,12 @@
           <a:lstStyle/>
           <a:p>
             <a:r>
-              <a:rPr lang="en-US" sz="2000" dirty="0" smtClean="0">
+              <a:rPr lang="en-US" sz="2000" dirty="0">
                 <a:latin typeface="Times New Roman" pitchFamily="18" charset="0"/>
                 <a:cs typeface="Times New Roman" pitchFamily="18" charset="0"/>
               </a:rPr>
               <a:t>Figure 1. Density plots of variable by scores of quality</a:t>
             </a:r>
-            <a:endParaRPr lang="en-US" sz="2000" dirty="0">
-              <a:latin typeface="Times New Roman" pitchFamily="18" charset="0"/>
-              <a:cs typeface="Times New Roman" pitchFamily="18" charset="0"/>
-            </a:endParaRPr>
           </a:p>
         </p:txBody>
       </p:sp>
@@ -6198,13 +6230,6 @@
   <p:clrMapOvr>
     <a:masterClrMapping/>
   </p:clrMapOvr>
-  <p:timing>
-    <p:tnLst>
-      <p:par>
-        <p:cTn id="1" dur="indefinite" restart="never" nodeType="tmRoot"/>
-      </p:par>
-    </p:tnLst>
-  </p:timing>
 </p:sld>
 </file>
 
@@ -6249,23 +6274,19 @@
           <a:p>
             <a:pPr algn="l"/>
             <a:r>
-              <a:rPr lang="en-US" sz="2000" dirty="0" err="1" smtClean="0">
+              <a:rPr lang="en-US" sz="2000" dirty="0" err="1">
                 <a:latin typeface="Times New Roman" pitchFamily="18" charset="0"/>
                 <a:cs typeface="Times New Roman" pitchFamily="18" charset="0"/>
               </a:rPr>
               <a:t>Tabel</a:t>
             </a:r>
             <a:r>
-              <a:rPr lang="en-US" sz="2000" dirty="0" smtClean="0">
+              <a:rPr lang="en-US" sz="2000" dirty="0">
                 <a:latin typeface="Times New Roman" pitchFamily="18" charset="0"/>
                 <a:cs typeface="Times New Roman" pitchFamily="18" charset="0"/>
               </a:rPr>
               <a:t> 3. means of different variable by score of wine quality</a:t>
             </a:r>
-            <a:endParaRPr lang="en-US" sz="2000" dirty="0">
-              <a:latin typeface="Times New Roman" pitchFamily="18" charset="0"/>
-              <a:cs typeface="Times New Roman" pitchFamily="18" charset="0"/>
-            </a:endParaRPr>
           </a:p>
         </p:txBody>
       </p:sp>
@@ -6290,12 +6311,48 @@
                 <a:tableStyleId>{5C22544A-7EE6-4342-B048-85BDC9FD1C3A}</a:tableStyleId>
               </a:tblPr>
               <a:tblGrid>
-                <a:gridCol w="2057400"/>
-                <a:gridCol w="1295400"/>
-                <a:gridCol w="1219200"/>
-                <a:gridCol w="1219200"/>
-                <a:gridCol w="1219200"/>
-                <a:gridCol w="1219200"/>
+                <a:gridCol w="2057400">
+                  <a:extLst>
+                    <a:ext uri="{9D8B030D-6E8A-4147-A177-3AD203B41FA5}">
+                      <a16:colId xmlns:a16="http://schemas.microsoft.com/office/drawing/2014/main" val="20000"/>
+                    </a:ext>
+                  </a:extLst>
+                </a:gridCol>
+                <a:gridCol w="1295400">
+                  <a:extLst>
+                    <a:ext uri="{9D8B030D-6E8A-4147-A177-3AD203B41FA5}">
+                      <a16:colId xmlns:a16="http://schemas.microsoft.com/office/drawing/2014/main" val="20001"/>
+                    </a:ext>
+                  </a:extLst>
+                </a:gridCol>
+                <a:gridCol w="1219200">
+                  <a:extLst>
+                    <a:ext uri="{9D8B030D-6E8A-4147-A177-3AD203B41FA5}">
+                      <a16:colId xmlns:a16="http://schemas.microsoft.com/office/drawing/2014/main" val="20002"/>
+                    </a:ext>
+                  </a:extLst>
+                </a:gridCol>
+                <a:gridCol w="1219200">
+                  <a:extLst>
+                    <a:ext uri="{9D8B030D-6E8A-4147-A177-3AD203B41FA5}">
+                      <a16:colId xmlns:a16="http://schemas.microsoft.com/office/drawing/2014/main" val="20003"/>
+                    </a:ext>
+                  </a:extLst>
+                </a:gridCol>
+                <a:gridCol w="1219200">
+                  <a:extLst>
+                    <a:ext uri="{9D8B030D-6E8A-4147-A177-3AD203B41FA5}">
+                      <a16:colId xmlns:a16="http://schemas.microsoft.com/office/drawing/2014/main" val="20004"/>
+                    </a:ext>
+                  </a:extLst>
+                </a:gridCol>
+                <a:gridCol w="1219200">
+                  <a:extLst>
+                    <a:ext uri="{9D8B030D-6E8A-4147-A177-3AD203B41FA5}">
+                      <a16:colId xmlns:a16="http://schemas.microsoft.com/office/drawing/2014/main" val="20005"/>
+                    </a:ext>
+                  </a:extLst>
+                </a:gridCol>
               </a:tblGrid>
               <a:tr h="370840">
                 <a:tc>
@@ -6304,11 +6361,114 @@
                     <a:lstStyle/>
                     <a:p>
                       <a:r>
-                        <a:rPr lang="en-US" dirty="0" smtClean="0">
+                        <a:rPr lang="en-US" dirty="0">
                           <a:latin typeface="Times New Roman" pitchFamily="18" charset="0"/>
                           <a:cs typeface="Times New Roman" pitchFamily="18" charset="0"/>
                         </a:rPr>
                         <a:t>variables</a:t>
+                      </a:r>
+                    </a:p>
+                  </a:txBody>
+                  <a:tcPr/>
+                </a:tc>
+                <a:tc>
+                  <a:txBody>
+                    <a:bodyPr/>
+                    <a:lstStyle/>
+                    <a:p>
+                      <a:r>
+                        <a:rPr lang="en-US" dirty="0">
+                          <a:latin typeface="Times New Roman" pitchFamily="18" charset="0"/>
+                          <a:cs typeface="Times New Roman" pitchFamily="18" charset="0"/>
+                        </a:rPr>
+                        <a:t>4</a:t>
+                      </a:r>
+                    </a:p>
+                  </a:txBody>
+                  <a:tcPr/>
+                </a:tc>
+                <a:tc>
+                  <a:txBody>
+                    <a:bodyPr/>
+                    <a:lstStyle/>
+                    <a:p>
+                      <a:r>
+                        <a:rPr lang="en-US" dirty="0">
+                          <a:latin typeface="Times New Roman" pitchFamily="18" charset="0"/>
+                          <a:cs typeface="Times New Roman" pitchFamily="18" charset="0"/>
+                        </a:rPr>
+                        <a:t>5</a:t>
+                      </a:r>
+                    </a:p>
+                  </a:txBody>
+                  <a:tcPr/>
+                </a:tc>
+                <a:tc>
+                  <a:txBody>
+                    <a:bodyPr/>
+                    <a:lstStyle/>
+                    <a:p>
+                      <a:r>
+                        <a:rPr lang="en-US" dirty="0">
+                          <a:latin typeface="Times New Roman" pitchFamily="18" charset="0"/>
+                          <a:cs typeface="Times New Roman" pitchFamily="18" charset="0"/>
+                        </a:rPr>
+                        <a:t>6</a:t>
+                      </a:r>
+                    </a:p>
+                  </a:txBody>
+                  <a:tcPr/>
+                </a:tc>
+                <a:tc>
+                  <a:txBody>
+                    <a:bodyPr/>
+                    <a:lstStyle/>
+                    <a:p>
+                      <a:r>
+                        <a:rPr lang="en-US" dirty="0">
+                          <a:latin typeface="Times New Roman" pitchFamily="18" charset="0"/>
+                          <a:cs typeface="Times New Roman" pitchFamily="18" charset="0"/>
+                        </a:rPr>
+                        <a:t>7</a:t>
+                      </a:r>
+                    </a:p>
+                  </a:txBody>
+                  <a:tcPr/>
+                </a:tc>
+                <a:tc>
+                  <a:txBody>
+                    <a:bodyPr/>
+                    <a:lstStyle/>
+                    <a:p>
+                      <a:r>
+                        <a:rPr lang="en-US" dirty="0">
+                          <a:latin typeface="Times New Roman" pitchFamily="18" charset="0"/>
+                          <a:cs typeface="Times New Roman" pitchFamily="18" charset="0"/>
+                        </a:rPr>
+                        <a:t>8</a:t>
+                      </a:r>
+                    </a:p>
+                  </a:txBody>
+                  <a:tcPr/>
+                </a:tc>
+                <a:extLst>
+                  <a:ext uri="{0D108BD9-81ED-4DB2-BD59-A6C34878D82A}">
+                    <a16:rowId xmlns:a16="http://schemas.microsoft.com/office/drawing/2014/main" val="10000"/>
+                  </a:ext>
+                </a:extLst>
+              </a:tr>
+              <a:tr h="370840">
+                <a:tc>
+                  <a:txBody>
+                    <a:bodyPr/>
+                    <a:lstStyle/>
+                    <a:p>
+                      <a:r>
+                        <a:rPr lang="en-US" dirty="0" err="1">
+                          <a:latin typeface="Times New Roman" pitchFamily="18" charset="0"/>
+                          <a:cs typeface="Times New Roman" pitchFamily="18" charset="0"/>
+                        </a:rPr>
+                        <a:t>fixed.acidity</a:t>
                       </a:r>
                       <a:endParaRPr lang="en-US" dirty="0">
                         <a:latin typeface="Times New Roman" pitchFamily="18" charset="0"/>
@@ -6324,11 +6484,98 @@
                     <a:lstStyle/>
                     <a:p>
                       <a:r>
-                        <a:rPr lang="en-US" dirty="0" smtClean="0">
-                          <a:latin typeface="Times New Roman" pitchFamily="18" charset="0"/>
-                          <a:cs typeface="Times New Roman" pitchFamily="18" charset="0"/>
-                        </a:rPr>
-                        <a:t>4</a:t>
+                        <a:rPr lang="en-US" dirty="0">
+                          <a:latin typeface="Times New Roman" pitchFamily="18" charset="0"/>
+                          <a:cs typeface="Times New Roman" pitchFamily="18" charset="0"/>
+                        </a:rPr>
+                        <a:t>7.18</a:t>
+                      </a:r>
+                    </a:p>
+                  </a:txBody>
+                  <a:tcPr/>
+                </a:tc>
+                <a:tc>
+                  <a:txBody>
+                    <a:bodyPr/>
+                    <a:lstStyle/>
+                    <a:p>
+                      <a:r>
+                        <a:rPr lang="en-US" dirty="0">
+                          <a:latin typeface="Times New Roman" pitchFamily="18" charset="0"/>
+                          <a:cs typeface="Times New Roman" pitchFamily="18" charset="0"/>
+                        </a:rPr>
+                        <a:t>6.93</a:t>
+                      </a:r>
+                    </a:p>
+                  </a:txBody>
+                  <a:tcPr/>
+                </a:tc>
+                <a:tc>
+                  <a:txBody>
+                    <a:bodyPr/>
+                    <a:lstStyle/>
+                    <a:p>
+                      <a:r>
+                        <a:rPr lang="en-US" dirty="0">
+                          <a:latin typeface="Times New Roman" pitchFamily="18" charset="0"/>
+                          <a:cs typeface="Times New Roman" pitchFamily="18" charset="0"/>
+                        </a:rPr>
+                        <a:t>6.83</a:t>
+                      </a:r>
+                    </a:p>
+                  </a:txBody>
+                  <a:tcPr/>
+                </a:tc>
+                <a:tc>
+                  <a:txBody>
+                    <a:bodyPr/>
+                    <a:lstStyle/>
+                    <a:p>
+                      <a:r>
+                        <a:rPr lang="en-US" dirty="0">
+                          <a:latin typeface="Times New Roman" pitchFamily="18" charset="0"/>
+                          <a:cs typeface="Times New Roman" pitchFamily="18" charset="0"/>
+                        </a:rPr>
+                        <a:t>6.73</a:t>
+                      </a:r>
+                    </a:p>
+                  </a:txBody>
+                  <a:tcPr/>
+                </a:tc>
+                <a:tc>
+                  <a:txBody>
+                    <a:bodyPr/>
+                    <a:lstStyle/>
+                    <a:p>
+                      <a:r>
+                        <a:rPr lang="en-US" dirty="0">
+                          <a:latin typeface="Times New Roman" pitchFamily="18" charset="0"/>
+                          <a:cs typeface="Times New Roman" pitchFamily="18" charset="0"/>
+                        </a:rPr>
+                        <a:t>6.67</a:t>
+                      </a:r>
+                    </a:p>
+                  </a:txBody>
+                  <a:tcPr/>
+                </a:tc>
+                <a:extLst>
+                  <a:ext uri="{0D108BD9-81ED-4DB2-BD59-A6C34878D82A}">
+                    <a16:rowId xmlns:a16="http://schemas.microsoft.com/office/drawing/2014/main" val="10001"/>
+                  </a:ext>
+                </a:extLst>
+              </a:tr>
+              <a:tr h="370840">
+                <a:tc>
+                  <a:txBody>
+                    <a:bodyPr/>
+                    <a:lstStyle/>
+                    <a:p>
+                      <a:r>
+                        <a:rPr lang="en-US" dirty="0" err="1">
+                          <a:latin typeface="Times New Roman" pitchFamily="18" charset="0"/>
+                          <a:cs typeface="Times New Roman" pitchFamily="18" charset="0"/>
+                        </a:rPr>
+                        <a:t>volatile.acidity</a:t>
                       </a:r>
                       <a:endParaRPr lang="en-US" dirty="0">
                         <a:latin typeface="Times New Roman" pitchFamily="18" charset="0"/>
@@ -6344,11 +6591,98 @@
                     <a:lstStyle/>
                     <a:p>
                       <a:r>
-                        <a:rPr lang="en-US" dirty="0" smtClean="0">
-                          <a:latin typeface="Times New Roman" pitchFamily="18" charset="0"/>
-                          <a:cs typeface="Times New Roman" pitchFamily="18" charset="0"/>
-                        </a:rPr>
-                        <a:t>5</a:t>
+                        <a:rPr lang="en-US" dirty="0">
+                          <a:latin typeface="Times New Roman" pitchFamily="18" charset="0"/>
+                          <a:cs typeface="Times New Roman" pitchFamily="18" charset="0"/>
+                        </a:rPr>
+                        <a:t>0.37</a:t>
+                      </a:r>
+                    </a:p>
+                  </a:txBody>
+                  <a:tcPr/>
+                </a:tc>
+                <a:tc>
+                  <a:txBody>
+                    <a:bodyPr/>
+                    <a:lstStyle/>
+                    <a:p>
+                      <a:r>
+                        <a:rPr lang="en-US" dirty="0">
+                          <a:latin typeface="Times New Roman" pitchFamily="18" charset="0"/>
+                          <a:cs typeface="Times New Roman" pitchFamily="18" charset="0"/>
+                        </a:rPr>
+                        <a:t>0.30</a:t>
+                      </a:r>
+                    </a:p>
+                  </a:txBody>
+                  <a:tcPr/>
+                </a:tc>
+                <a:tc>
+                  <a:txBody>
+                    <a:bodyPr/>
+                    <a:lstStyle/>
+                    <a:p>
+                      <a:r>
+                        <a:rPr lang="en-US" dirty="0">
+                          <a:latin typeface="Times New Roman" pitchFamily="18" charset="0"/>
+                          <a:cs typeface="Times New Roman" pitchFamily="18" charset="0"/>
+                        </a:rPr>
+                        <a:t>0.26</a:t>
+                      </a:r>
+                    </a:p>
+                  </a:txBody>
+                  <a:tcPr/>
+                </a:tc>
+                <a:tc>
+                  <a:txBody>
+                    <a:bodyPr/>
+                    <a:lstStyle/>
+                    <a:p>
+                      <a:r>
+                        <a:rPr lang="en-US" dirty="0">
+                          <a:latin typeface="Times New Roman" pitchFamily="18" charset="0"/>
+                          <a:cs typeface="Times New Roman" pitchFamily="18" charset="0"/>
+                        </a:rPr>
+                        <a:t>0.26</a:t>
+                      </a:r>
+                    </a:p>
+                  </a:txBody>
+                  <a:tcPr/>
+                </a:tc>
+                <a:tc>
+                  <a:txBody>
+                    <a:bodyPr/>
+                    <a:lstStyle/>
+                    <a:p>
+                      <a:r>
+                        <a:rPr lang="en-US" dirty="0">
+                          <a:latin typeface="Times New Roman" pitchFamily="18" charset="0"/>
+                          <a:cs typeface="Times New Roman" pitchFamily="18" charset="0"/>
+                        </a:rPr>
+                        <a:t>0.27</a:t>
+                      </a:r>
+                    </a:p>
+                  </a:txBody>
+                  <a:tcPr/>
+                </a:tc>
+                <a:extLst>
+                  <a:ext uri="{0D108BD9-81ED-4DB2-BD59-A6C34878D82A}">
+                    <a16:rowId xmlns:a16="http://schemas.microsoft.com/office/drawing/2014/main" val="10002"/>
+                  </a:ext>
+                </a:extLst>
+              </a:tr>
+              <a:tr h="370840">
+                <a:tc>
+                  <a:txBody>
+                    <a:bodyPr/>
+                    <a:lstStyle/>
+                    <a:p>
+                      <a:r>
+                        <a:rPr lang="en-US" dirty="0" err="1">
+                          <a:latin typeface="Times New Roman" pitchFamily="18" charset="0"/>
+                          <a:cs typeface="Times New Roman" pitchFamily="18" charset="0"/>
+                        </a:rPr>
+                        <a:t>citric.acid</a:t>
                       </a:r>
                       <a:endParaRPr lang="en-US" dirty="0">
                         <a:latin typeface="Times New Roman" pitchFamily="18" charset="0"/>
@@ -6364,11 +6698,98 @@
                     <a:lstStyle/>
                     <a:p>
                       <a:r>
-                        <a:rPr lang="en-US" dirty="0" smtClean="0">
-                          <a:latin typeface="Times New Roman" pitchFamily="18" charset="0"/>
-                          <a:cs typeface="Times New Roman" pitchFamily="18" charset="0"/>
-                        </a:rPr>
-                        <a:t>6</a:t>
+                        <a:rPr lang="en-US" dirty="0">
+                          <a:latin typeface="Times New Roman" pitchFamily="18" charset="0"/>
+                          <a:cs typeface="Times New Roman" pitchFamily="18" charset="0"/>
+                        </a:rPr>
+                        <a:t>0.30</a:t>
+                      </a:r>
+                    </a:p>
+                  </a:txBody>
+                  <a:tcPr/>
+                </a:tc>
+                <a:tc>
+                  <a:txBody>
+                    <a:bodyPr/>
+                    <a:lstStyle/>
+                    <a:p>
+                      <a:r>
+                        <a:rPr lang="en-US" dirty="0">
+                          <a:latin typeface="Times New Roman" pitchFamily="18" charset="0"/>
+                          <a:cs typeface="Times New Roman" pitchFamily="18" charset="0"/>
+                        </a:rPr>
+                        <a:t>0.33</a:t>
+                      </a:r>
+                    </a:p>
+                  </a:txBody>
+                  <a:tcPr/>
+                </a:tc>
+                <a:tc>
+                  <a:txBody>
+                    <a:bodyPr/>
+                    <a:lstStyle/>
+                    <a:p>
+                      <a:r>
+                        <a:rPr lang="en-US" dirty="0">
+                          <a:latin typeface="Times New Roman" pitchFamily="18" charset="0"/>
+                          <a:cs typeface="Times New Roman" pitchFamily="18" charset="0"/>
+                        </a:rPr>
+                        <a:t>0.33</a:t>
+                      </a:r>
+                    </a:p>
+                  </a:txBody>
+                  <a:tcPr/>
+                </a:tc>
+                <a:tc>
+                  <a:txBody>
+                    <a:bodyPr/>
+                    <a:lstStyle/>
+                    <a:p>
+                      <a:r>
+                        <a:rPr lang="en-US" dirty="0">
+                          <a:latin typeface="Times New Roman" pitchFamily="18" charset="0"/>
+                          <a:cs typeface="Times New Roman" pitchFamily="18" charset="0"/>
+                        </a:rPr>
+                        <a:t>0.32</a:t>
+                      </a:r>
+                    </a:p>
+                  </a:txBody>
+                  <a:tcPr/>
+                </a:tc>
+                <a:tc>
+                  <a:txBody>
+                    <a:bodyPr/>
+                    <a:lstStyle/>
+                    <a:p>
+                      <a:r>
+                        <a:rPr lang="en-US" dirty="0">
+                          <a:latin typeface="Times New Roman" pitchFamily="18" charset="0"/>
+                          <a:cs typeface="Times New Roman" pitchFamily="18" charset="0"/>
+                        </a:rPr>
+                        <a:t> 0.32</a:t>
+                      </a:r>
+                    </a:p>
+                  </a:txBody>
+                  <a:tcPr/>
+                </a:tc>
+                <a:extLst>
+                  <a:ext uri="{0D108BD9-81ED-4DB2-BD59-A6C34878D82A}">
+                    <a16:rowId xmlns:a16="http://schemas.microsoft.com/office/drawing/2014/main" val="10003"/>
+                  </a:ext>
+                </a:extLst>
+              </a:tr>
+              <a:tr h="370840">
+                <a:tc>
+                  <a:txBody>
+                    <a:bodyPr/>
+                    <a:lstStyle/>
+                    <a:p>
+                      <a:r>
+                        <a:rPr lang="en-US" dirty="0" err="1">
+                          <a:latin typeface="Times New Roman" pitchFamily="18" charset="0"/>
+                          <a:cs typeface="Times New Roman" pitchFamily="18" charset="0"/>
+                        </a:rPr>
+                        <a:t>residual.sugar</a:t>
                       </a:r>
                       <a:endParaRPr lang="en-US" dirty="0">
                         <a:latin typeface="Times New Roman" pitchFamily="18" charset="0"/>
@@ -6384,11 +6805,201 @@
                     <a:lstStyle/>
                     <a:p>
                       <a:r>
-                        <a:rPr lang="en-US" dirty="0" smtClean="0">
-                          <a:latin typeface="Times New Roman" pitchFamily="18" charset="0"/>
-                          <a:cs typeface="Times New Roman" pitchFamily="18" charset="0"/>
-                        </a:rPr>
-                        <a:t>7</a:t>
+                        <a:rPr lang="en-US" dirty="0">
+                          <a:latin typeface="Times New Roman" pitchFamily="18" charset="0"/>
+                          <a:cs typeface="Times New Roman" pitchFamily="18" charset="0"/>
+                        </a:rPr>
+                        <a:t>4.82</a:t>
+                      </a:r>
+                    </a:p>
+                  </a:txBody>
+                  <a:tcPr/>
+                </a:tc>
+                <a:tc>
+                  <a:txBody>
+                    <a:bodyPr/>
+                    <a:lstStyle/>
+                    <a:p>
+                      <a:r>
+                        <a:rPr lang="en-US" dirty="0">
+                          <a:latin typeface="Times New Roman" pitchFamily="18" charset="0"/>
+                          <a:cs typeface="Times New Roman" pitchFamily="18" charset="0"/>
+                        </a:rPr>
+                        <a:t>7.33</a:t>
+                      </a:r>
+                    </a:p>
+                  </a:txBody>
+                  <a:tcPr/>
+                </a:tc>
+                <a:tc>
+                  <a:txBody>
+                    <a:bodyPr/>
+                    <a:lstStyle/>
+                    <a:p>
+                      <a:r>
+                        <a:rPr lang="en-US" dirty="0">
+                          <a:latin typeface="Times New Roman" pitchFamily="18" charset="0"/>
+                          <a:cs typeface="Times New Roman" pitchFamily="18" charset="0"/>
+                        </a:rPr>
+                        <a:t>6.44</a:t>
+                      </a:r>
+                    </a:p>
+                  </a:txBody>
+                  <a:tcPr/>
+                </a:tc>
+                <a:tc>
+                  <a:txBody>
+                    <a:bodyPr/>
+                    <a:lstStyle/>
+                    <a:p>
+                      <a:r>
+                        <a:rPr lang="en-US" dirty="0">
+                          <a:latin typeface="Times New Roman" pitchFamily="18" charset="0"/>
+                          <a:cs typeface="Times New Roman" pitchFamily="18" charset="0"/>
+                        </a:rPr>
+                        <a:t>5.18</a:t>
+                      </a:r>
+                    </a:p>
+                  </a:txBody>
+                  <a:tcPr/>
+                </a:tc>
+                <a:tc>
+                  <a:txBody>
+                    <a:bodyPr/>
+                    <a:lstStyle/>
+                    <a:p>
+                      <a:r>
+                        <a:rPr lang="en-US" dirty="0">
+                          <a:latin typeface="Times New Roman" pitchFamily="18" charset="0"/>
+                          <a:cs typeface="Times New Roman" pitchFamily="18" charset="0"/>
+                        </a:rPr>
+                        <a:t>5.62</a:t>
+                      </a:r>
+                    </a:p>
+                  </a:txBody>
+                  <a:tcPr/>
+                </a:tc>
+                <a:extLst>
+                  <a:ext uri="{0D108BD9-81ED-4DB2-BD59-A6C34878D82A}">
+                    <a16:rowId xmlns:a16="http://schemas.microsoft.com/office/drawing/2014/main" val="10004"/>
+                  </a:ext>
+                </a:extLst>
+              </a:tr>
+              <a:tr h="370840">
+                <a:tc>
+                  <a:txBody>
+                    <a:bodyPr/>
+                    <a:lstStyle/>
+                    <a:p>
+                      <a:r>
+                        <a:rPr lang="en-US" dirty="0">
+                          <a:latin typeface="Times New Roman" pitchFamily="18" charset="0"/>
+                          <a:cs typeface="Times New Roman" pitchFamily="18" charset="0"/>
+                        </a:rPr>
+                        <a:t>chlorides</a:t>
+                      </a:r>
+                    </a:p>
+                  </a:txBody>
+                  <a:tcPr/>
+                </a:tc>
+                <a:tc>
+                  <a:txBody>
+                    <a:bodyPr/>
+                    <a:lstStyle/>
+                    <a:p>
+                      <a:r>
+                        <a:rPr lang="en-US" dirty="0">
+                          <a:latin typeface="Times New Roman" pitchFamily="18" charset="0"/>
+                          <a:cs typeface="Times New Roman" pitchFamily="18" charset="0"/>
+                        </a:rPr>
+                        <a:t>0.05</a:t>
+                      </a:r>
+                    </a:p>
+                  </a:txBody>
+                  <a:tcPr/>
+                </a:tc>
+                <a:tc>
+                  <a:txBody>
+                    <a:bodyPr/>
+                    <a:lstStyle/>
+                    <a:p>
+                      <a:r>
+                        <a:rPr lang="en-US" dirty="0">
+                          <a:latin typeface="Times New Roman" pitchFamily="18" charset="0"/>
+                          <a:cs typeface="Times New Roman" pitchFamily="18" charset="0"/>
+                        </a:rPr>
+                        <a:t>0.05</a:t>
+                      </a:r>
+                    </a:p>
+                  </a:txBody>
+                  <a:tcPr/>
+                </a:tc>
+                <a:tc>
+                  <a:txBody>
+                    <a:bodyPr/>
+                    <a:lstStyle/>
+                    <a:p>
+                      <a:r>
+                        <a:rPr lang="en-US" dirty="0">
+                          <a:latin typeface="Times New Roman" pitchFamily="18" charset="0"/>
+                          <a:cs typeface="Times New Roman" pitchFamily="18" charset="0"/>
+                        </a:rPr>
+                        <a:t>0.04</a:t>
+                      </a:r>
+                    </a:p>
+                  </a:txBody>
+                  <a:tcPr/>
+                </a:tc>
+                <a:tc>
+                  <a:txBody>
+                    <a:bodyPr/>
+                    <a:lstStyle/>
+                    <a:p>
+                      <a:r>
+                        <a:rPr lang="en-US" dirty="0">
+                          <a:latin typeface="Times New Roman" pitchFamily="18" charset="0"/>
+                          <a:cs typeface="Times New Roman" pitchFamily="18" charset="0"/>
+                        </a:rPr>
+                        <a:t>0.03</a:t>
+                      </a:r>
+                    </a:p>
+                  </a:txBody>
+                  <a:tcPr/>
+                </a:tc>
+                <a:tc>
+                  <a:txBody>
+                    <a:bodyPr/>
+                    <a:lstStyle/>
+                    <a:p>
+                      <a:r>
+                        <a:rPr lang="en-US" dirty="0">
+                          <a:latin typeface="Times New Roman" pitchFamily="18" charset="0"/>
+                          <a:cs typeface="Times New Roman" pitchFamily="18" charset="0"/>
+                        </a:rPr>
+                        <a:t>0.03</a:t>
+                      </a:r>
+                    </a:p>
+                  </a:txBody>
+                  <a:tcPr/>
+                </a:tc>
+                <a:extLst>
+                  <a:ext uri="{0D108BD9-81ED-4DB2-BD59-A6C34878D82A}">
+                    <a16:rowId xmlns:a16="http://schemas.microsoft.com/office/drawing/2014/main" val="10005"/>
+                  </a:ext>
+                </a:extLst>
+              </a:tr>
+              <a:tr h="370840">
+                <a:tc>
+                  <a:txBody>
+                    <a:bodyPr/>
+                    <a:lstStyle/>
+                    <a:p>
+                      <a:r>
+                        <a:rPr lang="en-US" dirty="0" err="1">
+                          <a:latin typeface="Times New Roman" pitchFamily="18" charset="0"/>
+                          <a:cs typeface="Times New Roman" pitchFamily="18" charset="0"/>
+                        </a:rPr>
+                        <a:t>free.sulfur.dioxide</a:t>
                       </a:r>
                       <a:endParaRPr lang="en-US" dirty="0">
                         <a:latin typeface="Times New Roman" pitchFamily="18" charset="0"/>
@@ -6404,11 +7015,98 @@
                     <a:lstStyle/>
                     <a:p>
                       <a:r>
-                        <a:rPr lang="en-US" dirty="0" smtClean="0">
-                          <a:latin typeface="Times New Roman" pitchFamily="18" charset="0"/>
-                          <a:cs typeface="Times New Roman" pitchFamily="18" charset="0"/>
-                        </a:rPr>
-                        <a:t>8</a:t>
+                        <a:rPr lang="en-US" dirty="0">
+                          <a:latin typeface="Times New Roman" pitchFamily="18" charset="0"/>
+                          <a:cs typeface="Times New Roman" pitchFamily="18" charset="0"/>
+                        </a:rPr>
+                        <a:t>26.63</a:t>
+                      </a:r>
+                    </a:p>
+                  </a:txBody>
+                  <a:tcPr/>
+                </a:tc>
+                <a:tc>
+                  <a:txBody>
+                    <a:bodyPr/>
+                    <a:lstStyle/>
+                    <a:p>
+                      <a:r>
+                        <a:rPr lang="en-US" dirty="0">
+                          <a:latin typeface="Times New Roman" pitchFamily="18" charset="0"/>
+                          <a:cs typeface="Times New Roman" pitchFamily="18" charset="0"/>
+                        </a:rPr>
+                        <a:t>36.43</a:t>
+                      </a:r>
+                    </a:p>
+                  </a:txBody>
+                  <a:tcPr/>
+                </a:tc>
+                <a:tc>
+                  <a:txBody>
+                    <a:bodyPr/>
+                    <a:lstStyle/>
+                    <a:p>
+                      <a:r>
+                        <a:rPr lang="en-US" dirty="0">
+                          <a:latin typeface="Times New Roman" pitchFamily="18" charset="0"/>
+                          <a:cs typeface="Times New Roman" pitchFamily="18" charset="0"/>
+                        </a:rPr>
+                        <a:t>35.65</a:t>
+                      </a:r>
+                    </a:p>
+                  </a:txBody>
+                  <a:tcPr/>
+                </a:tc>
+                <a:tc>
+                  <a:txBody>
+                    <a:bodyPr/>
+                    <a:lstStyle/>
+                    <a:p>
+                      <a:r>
+                        <a:rPr lang="en-US" dirty="0">
+                          <a:latin typeface="Times New Roman" pitchFamily="18" charset="0"/>
+                          <a:cs typeface="Times New Roman" pitchFamily="18" charset="0"/>
+                        </a:rPr>
+                        <a:t>34.12</a:t>
+                      </a:r>
+                    </a:p>
+                  </a:txBody>
+                  <a:tcPr/>
+                </a:tc>
+                <a:tc>
+                  <a:txBody>
+                    <a:bodyPr/>
+                    <a:lstStyle/>
+                    <a:p>
+                      <a:r>
+                        <a:rPr lang="en-US" dirty="0">
+                          <a:latin typeface="Times New Roman" pitchFamily="18" charset="0"/>
+                          <a:cs typeface="Times New Roman" pitchFamily="18" charset="0"/>
+                        </a:rPr>
+                        <a:t>36.62</a:t>
+                      </a:r>
+                    </a:p>
+                  </a:txBody>
+                  <a:tcPr/>
+                </a:tc>
+                <a:extLst>
+                  <a:ext uri="{0D108BD9-81ED-4DB2-BD59-A6C34878D82A}">
+                    <a16:rowId xmlns:a16="http://schemas.microsoft.com/office/drawing/2014/main" val="10006"/>
+                  </a:ext>
+                </a:extLst>
+              </a:tr>
+              <a:tr h="370840">
+                <a:tc>
+                  <a:txBody>
+                    <a:bodyPr/>
+                    <a:lstStyle/>
+                    <a:p>
+                      <a:r>
+                        <a:rPr lang="en-US" dirty="0" err="1">
+                          <a:latin typeface="Times New Roman" pitchFamily="18" charset="0"/>
+                          <a:cs typeface="Times New Roman" pitchFamily="18" charset="0"/>
+                        </a:rPr>
+                        <a:t>total.sulfur.dioxide</a:t>
                       </a:r>
                       <a:endParaRPr lang="en-US" dirty="0">
                         <a:latin typeface="Times New Roman" pitchFamily="18" charset="0"/>
@@ -6418,6 +7116,91 @@
                   </a:txBody>
                   <a:tcPr/>
                 </a:tc>
+                <a:tc>
+                  <a:txBody>
+                    <a:bodyPr/>
+                    <a:lstStyle/>
+                    <a:p>
+                      <a:r>
+                        <a:rPr lang="en-US" dirty="0">
+                          <a:latin typeface="Times New Roman" pitchFamily="18" charset="0"/>
+                          <a:cs typeface="Times New Roman" pitchFamily="18" charset="0"/>
+                        </a:rPr>
+                        <a:t>130.23</a:t>
+                      </a:r>
+                    </a:p>
+                  </a:txBody>
+                  <a:tcPr/>
+                </a:tc>
+                <a:tc>
+                  <a:txBody>
+                    <a:bodyPr/>
+                    <a:lstStyle/>
+                    <a:p>
+                      <a:r>
+                        <a:rPr lang="en-US" dirty="0">
+                          <a:latin typeface="Times New Roman" pitchFamily="18" charset="0"/>
+                          <a:cs typeface="Times New Roman" pitchFamily="18" charset="0"/>
+                        </a:rPr>
+                        <a:t>150.90</a:t>
+                      </a:r>
+                    </a:p>
+                  </a:txBody>
+                  <a:tcPr/>
+                </a:tc>
+                <a:tc>
+                  <a:txBody>
+                    <a:bodyPr/>
+                    <a:lstStyle/>
+                    <a:p>
+                      <a:r>
+                        <a:rPr lang="en-US" dirty="0">
+                          <a:latin typeface="Times New Roman" pitchFamily="18" charset="0"/>
+                          <a:cs typeface="Times New Roman" pitchFamily="18" charset="0"/>
+                        </a:rPr>
+                        <a:t>137.04</a:t>
+                      </a:r>
+                    </a:p>
+                  </a:txBody>
+                  <a:tcPr/>
+                </a:tc>
+                <a:tc>
+                  <a:txBody>
+                    <a:bodyPr/>
+                    <a:lstStyle/>
+                    <a:p>
+                      <a:r>
+                        <a:rPr lang="en-US" dirty="0">
+                          <a:latin typeface="Times New Roman" pitchFamily="18" charset="0"/>
+                          <a:cs typeface="Times New Roman" pitchFamily="18" charset="0"/>
+                        </a:rPr>
+                        <a:t>125.1</a:t>
+                      </a:r>
+                    </a:p>
+                  </a:txBody>
+                  <a:tcPr/>
+                </a:tc>
+                <a:tc>
+                  <a:txBody>
+                    <a:bodyPr/>
+                    <a:lstStyle/>
+                    <a:p>
+                      <a:r>
+                        <a:rPr lang="en-US" dirty="0">
+                          <a:latin typeface="Times New Roman" pitchFamily="18" charset="0"/>
+                          <a:cs typeface="Times New Roman" pitchFamily="18" charset="0"/>
+                        </a:rPr>
+                        <a:t>125.88</a:t>
+                      </a:r>
+                    </a:p>
+                  </a:txBody>
+                  <a:tcPr/>
+                </a:tc>
+                <a:extLst>
+                  <a:ext uri="{0D108BD9-81ED-4DB2-BD59-A6C34878D82A}">
+                    <a16:rowId xmlns:a16="http://schemas.microsoft.com/office/drawing/2014/main" val="10007"/>
+                  </a:ext>
+                </a:extLst>
               </a:tr>
               <a:tr h="370840">
                 <a:tc>
@@ -6426,890 +7209,28 @@
                     <a:lstStyle/>
                     <a:p>
                       <a:r>
-                        <a:rPr lang="en-US" dirty="0" err="1" smtClean="0">
-                          <a:latin typeface="Times New Roman" pitchFamily="18" charset="0"/>
-                          <a:cs typeface="Times New Roman" pitchFamily="18" charset="0"/>
-                        </a:rPr>
-                        <a:t>fixed.acidity</a:t>
-                      </a:r>
-                      <a:endParaRPr lang="en-US" dirty="0">
-                        <a:latin typeface="Times New Roman" pitchFamily="18" charset="0"/>
-                        <a:cs typeface="Times New Roman" pitchFamily="18" charset="0"/>
-                      </a:endParaRPr>
-                    </a:p>
-                  </a:txBody>
-                  <a:tcPr/>
-                </a:tc>
-                <a:tc>
-                  <a:txBody>
-                    <a:bodyPr/>
-                    <a:lstStyle/>
-                    <a:p>
-                      <a:r>
-                        <a:rPr lang="en-US" dirty="0" smtClean="0">
-                          <a:latin typeface="Times New Roman" pitchFamily="18" charset="0"/>
-                          <a:cs typeface="Times New Roman" pitchFamily="18" charset="0"/>
-                        </a:rPr>
-                        <a:t>7.18</a:t>
-                      </a:r>
-                      <a:endParaRPr lang="en-US" dirty="0">
-                        <a:latin typeface="Times New Roman" pitchFamily="18" charset="0"/>
-                        <a:cs typeface="Times New Roman" pitchFamily="18" charset="0"/>
-                      </a:endParaRPr>
-                    </a:p>
-                  </a:txBody>
-                  <a:tcPr/>
-                </a:tc>
-                <a:tc>
-                  <a:txBody>
-                    <a:bodyPr/>
-                    <a:lstStyle/>
-                    <a:p>
-                      <a:r>
-                        <a:rPr lang="en-US" dirty="0" smtClean="0">
-                          <a:latin typeface="Times New Roman" pitchFamily="18" charset="0"/>
-                          <a:cs typeface="Times New Roman" pitchFamily="18" charset="0"/>
-                        </a:rPr>
-                        <a:t>6.93</a:t>
-                      </a:r>
-                      <a:endParaRPr lang="en-US" dirty="0">
-                        <a:latin typeface="Times New Roman" pitchFamily="18" charset="0"/>
-                        <a:cs typeface="Times New Roman" pitchFamily="18" charset="0"/>
-                      </a:endParaRPr>
-                    </a:p>
-                  </a:txBody>
-                  <a:tcPr/>
-                </a:tc>
-                <a:tc>
-                  <a:txBody>
-                    <a:bodyPr/>
-                    <a:lstStyle/>
-                    <a:p>
-                      <a:r>
-                        <a:rPr lang="en-US" dirty="0" smtClean="0">
-                          <a:latin typeface="Times New Roman" pitchFamily="18" charset="0"/>
-                          <a:cs typeface="Times New Roman" pitchFamily="18" charset="0"/>
-                        </a:rPr>
-                        <a:t>6.83</a:t>
-                      </a:r>
-                      <a:endParaRPr lang="en-US" dirty="0">
-                        <a:latin typeface="Times New Roman" pitchFamily="18" charset="0"/>
-                        <a:cs typeface="Times New Roman" pitchFamily="18" charset="0"/>
-                      </a:endParaRPr>
-                    </a:p>
-                  </a:txBody>
-                  <a:tcPr/>
-                </a:tc>
-                <a:tc>
-                  <a:txBody>
-                    <a:bodyPr/>
-                    <a:lstStyle/>
-                    <a:p>
-                      <a:r>
-                        <a:rPr lang="en-US" dirty="0" smtClean="0">
-                          <a:latin typeface="Times New Roman" pitchFamily="18" charset="0"/>
-                          <a:cs typeface="Times New Roman" pitchFamily="18" charset="0"/>
-                        </a:rPr>
-                        <a:t>6.73</a:t>
-                      </a:r>
-                      <a:endParaRPr lang="en-US" dirty="0">
-                        <a:latin typeface="Times New Roman" pitchFamily="18" charset="0"/>
-                        <a:cs typeface="Times New Roman" pitchFamily="18" charset="0"/>
-                      </a:endParaRPr>
-                    </a:p>
-                  </a:txBody>
-                  <a:tcPr/>
-                </a:tc>
-                <a:tc>
-                  <a:txBody>
-                    <a:bodyPr/>
-                    <a:lstStyle/>
-                    <a:p>
-                      <a:r>
-                        <a:rPr lang="en-US" dirty="0" smtClean="0">
-                          <a:latin typeface="Times New Roman" pitchFamily="18" charset="0"/>
-                          <a:cs typeface="Times New Roman" pitchFamily="18" charset="0"/>
-                        </a:rPr>
-                        <a:t>6.67</a:t>
-                      </a:r>
-                      <a:endParaRPr lang="en-US" dirty="0">
-                        <a:latin typeface="Times New Roman" pitchFamily="18" charset="0"/>
-                        <a:cs typeface="Times New Roman" pitchFamily="18" charset="0"/>
-                      </a:endParaRPr>
-                    </a:p>
-                  </a:txBody>
-                  <a:tcPr/>
-                </a:tc>
-              </a:tr>
-              <a:tr h="370840">
-                <a:tc>
-                  <a:txBody>
-                    <a:bodyPr/>
-                    <a:lstStyle/>
-                    <a:p>
-                      <a:r>
-                        <a:rPr lang="en-US" dirty="0" err="1" smtClean="0">
-                          <a:latin typeface="Times New Roman" pitchFamily="18" charset="0"/>
-                          <a:cs typeface="Times New Roman" pitchFamily="18" charset="0"/>
-                        </a:rPr>
-                        <a:t>volatile.acidity</a:t>
-                      </a:r>
-                      <a:endParaRPr lang="en-US" dirty="0">
-                        <a:latin typeface="Times New Roman" pitchFamily="18" charset="0"/>
-                        <a:cs typeface="Times New Roman" pitchFamily="18" charset="0"/>
-                      </a:endParaRPr>
-                    </a:p>
-                  </a:txBody>
-                  <a:tcPr/>
-                </a:tc>
-                <a:tc>
-                  <a:txBody>
-                    <a:bodyPr/>
-                    <a:lstStyle/>
-                    <a:p>
-                      <a:r>
-                        <a:rPr lang="en-US" dirty="0" smtClean="0">
-                          <a:latin typeface="Times New Roman" pitchFamily="18" charset="0"/>
-                          <a:cs typeface="Times New Roman" pitchFamily="18" charset="0"/>
-                        </a:rPr>
-                        <a:t>0.37</a:t>
-                      </a:r>
-                      <a:endParaRPr lang="en-US" dirty="0">
-                        <a:latin typeface="Times New Roman" pitchFamily="18" charset="0"/>
-                        <a:cs typeface="Times New Roman" pitchFamily="18" charset="0"/>
-                      </a:endParaRPr>
-                    </a:p>
-                  </a:txBody>
-                  <a:tcPr/>
-                </a:tc>
-                <a:tc>
-                  <a:txBody>
-                    <a:bodyPr/>
-                    <a:lstStyle/>
-                    <a:p>
-                      <a:r>
-                        <a:rPr lang="en-US" dirty="0" smtClean="0">
-                          <a:latin typeface="Times New Roman" pitchFamily="18" charset="0"/>
-                          <a:cs typeface="Times New Roman" pitchFamily="18" charset="0"/>
-                        </a:rPr>
-                        <a:t>0.30</a:t>
-                      </a:r>
-                      <a:endParaRPr lang="en-US" dirty="0">
-                        <a:latin typeface="Times New Roman" pitchFamily="18" charset="0"/>
-                        <a:cs typeface="Times New Roman" pitchFamily="18" charset="0"/>
-                      </a:endParaRPr>
-                    </a:p>
-                  </a:txBody>
-                  <a:tcPr/>
-                </a:tc>
-                <a:tc>
-                  <a:txBody>
-                    <a:bodyPr/>
-                    <a:lstStyle/>
-                    <a:p>
-                      <a:r>
-                        <a:rPr lang="en-US" dirty="0" smtClean="0">
-                          <a:latin typeface="Times New Roman" pitchFamily="18" charset="0"/>
-                          <a:cs typeface="Times New Roman" pitchFamily="18" charset="0"/>
-                        </a:rPr>
-                        <a:t>0.26</a:t>
-                      </a:r>
-                      <a:endParaRPr lang="en-US" dirty="0">
-                        <a:latin typeface="Times New Roman" pitchFamily="18" charset="0"/>
-                        <a:cs typeface="Times New Roman" pitchFamily="18" charset="0"/>
-                      </a:endParaRPr>
-                    </a:p>
-                  </a:txBody>
-                  <a:tcPr/>
-                </a:tc>
-                <a:tc>
-                  <a:txBody>
-                    <a:bodyPr/>
-                    <a:lstStyle/>
-                    <a:p>
-                      <a:r>
-                        <a:rPr lang="en-US" dirty="0" smtClean="0">
-                          <a:latin typeface="Times New Roman" pitchFamily="18" charset="0"/>
-                          <a:cs typeface="Times New Roman" pitchFamily="18" charset="0"/>
-                        </a:rPr>
-                        <a:t>0.26</a:t>
-                      </a:r>
-                      <a:endParaRPr lang="en-US" dirty="0">
-                        <a:latin typeface="Times New Roman" pitchFamily="18" charset="0"/>
-                        <a:cs typeface="Times New Roman" pitchFamily="18" charset="0"/>
-                      </a:endParaRPr>
-                    </a:p>
-                  </a:txBody>
-                  <a:tcPr/>
-                </a:tc>
-                <a:tc>
-                  <a:txBody>
-                    <a:bodyPr/>
-                    <a:lstStyle/>
-                    <a:p>
-                      <a:r>
-                        <a:rPr lang="en-US" dirty="0" smtClean="0">
-                          <a:latin typeface="Times New Roman" pitchFamily="18" charset="0"/>
-                          <a:cs typeface="Times New Roman" pitchFamily="18" charset="0"/>
-                        </a:rPr>
-                        <a:t>0.27</a:t>
-                      </a:r>
-                      <a:endParaRPr lang="en-US" dirty="0">
-                        <a:latin typeface="Times New Roman" pitchFamily="18" charset="0"/>
-                        <a:cs typeface="Times New Roman" pitchFamily="18" charset="0"/>
-                      </a:endParaRPr>
-                    </a:p>
-                  </a:txBody>
-                  <a:tcPr/>
-                </a:tc>
-              </a:tr>
-              <a:tr h="370840">
-                <a:tc>
-                  <a:txBody>
-                    <a:bodyPr/>
-                    <a:lstStyle/>
-                    <a:p>
-                      <a:r>
-                        <a:rPr lang="en-US" dirty="0" err="1" smtClean="0">
-                          <a:latin typeface="Times New Roman" pitchFamily="18" charset="0"/>
-                          <a:cs typeface="Times New Roman" pitchFamily="18" charset="0"/>
-                        </a:rPr>
-                        <a:t>citric.acid</a:t>
-                      </a:r>
-                      <a:endParaRPr lang="en-US" dirty="0">
-                        <a:latin typeface="Times New Roman" pitchFamily="18" charset="0"/>
-                        <a:cs typeface="Times New Roman" pitchFamily="18" charset="0"/>
-                      </a:endParaRPr>
-                    </a:p>
-                  </a:txBody>
-                  <a:tcPr/>
-                </a:tc>
-                <a:tc>
-                  <a:txBody>
-                    <a:bodyPr/>
-                    <a:lstStyle/>
-                    <a:p>
-                      <a:r>
-                        <a:rPr lang="en-US" dirty="0" smtClean="0">
-                          <a:latin typeface="Times New Roman" pitchFamily="18" charset="0"/>
-                          <a:cs typeface="Times New Roman" pitchFamily="18" charset="0"/>
-                        </a:rPr>
-                        <a:t>0.30</a:t>
-                      </a:r>
-                      <a:endParaRPr lang="en-US" dirty="0">
-                        <a:latin typeface="Times New Roman" pitchFamily="18" charset="0"/>
-                        <a:cs typeface="Times New Roman" pitchFamily="18" charset="0"/>
-                      </a:endParaRPr>
-                    </a:p>
-                  </a:txBody>
-                  <a:tcPr/>
-                </a:tc>
-                <a:tc>
-                  <a:txBody>
-                    <a:bodyPr/>
-                    <a:lstStyle/>
-                    <a:p>
-                      <a:r>
-                        <a:rPr lang="en-US" dirty="0" smtClean="0">
-                          <a:latin typeface="Times New Roman" pitchFamily="18" charset="0"/>
-                          <a:cs typeface="Times New Roman" pitchFamily="18" charset="0"/>
-                        </a:rPr>
-                        <a:t>0.33</a:t>
-                      </a:r>
-                      <a:endParaRPr lang="en-US" dirty="0">
-                        <a:latin typeface="Times New Roman" pitchFamily="18" charset="0"/>
-                        <a:cs typeface="Times New Roman" pitchFamily="18" charset="0"/>
-                      </a:endParaRPr>
-                    </a:p>
-                  </a:txBody>
-                  <a:tcPr/>
-                </a:tc>
-                <a:tc>
-                  <a:txBody>
-                    <a:bodyPr/>
-                    <a:lstStyle/>
-                    <a:p>
-                      <a:r>
-                        <a:rPr lang="en-US" dirty="0" smtClean="0">
-                          <a:latin typeface="Times New Roman" pitchFamily="18" charset="0"/>
-                          <a:cs typeface="Times New Roman" pitchFamily="18" charset="0"/>
-                        </a:rPr>
-                        <a:t>0.33</a:t>
-                      </a:r>
-                      <a:endParaRPr lang="en-US" dirty="0">
-                        <a:latin typeface="Times New Roman" pitchFamily="18" charset="0"/>
-                        <a:cs typeface="Times New Roman" pitchFamily="18" charset="0"/>
-                      </a:endParaRPr>
-                    </a:p>
-                  </a:txBody>
-                  <a:tcPr/>
-                </a:tc>
-                <a:tc>
-                  <a:txBody>
-                    <a:bodyPr/>
-                    <a:lstStyle/>
-                    <a:p>
-                      <a:r>
-                        <a:rPr lang="en-US" dirty="0" smtClean="0">
-                          <a:latin typeface="Times New Roman" pitchFamily="18" charset="0"/>
-                          <a:cs typeface="Times New Roman" pitchFamily="18" charset="0"/>
-                        </a:rPr>
-                        <a:t>0.32</a:t>
-                      </a:r>
-                      <a:endParaRPr lang="en-US" dirty="0">
-                        <a:latin typeface="Times New Roman" pitchFamily="18" charset="0"/>
-                        <a:cs typeface="Times New Roman" pitchFamily="18" charset="0"/>
-                      </a:endParaRPr>
-                    </a:p>
-                  </a:txBody>
-                  <a:tcPr/>
-                </a:tc>
-                <a:tc>
-                  <a:txBody>
-                    <a:bodyPr/>
-                    <a:lstStyle/>
-                    <a:p>
-                      <a:r>
-                        <a:rPr lang="en-US" dirty="0" smtClean="0">
-                          <a:latin typeface="Times New Roman" pitchFamily="18" charset="0"/>
-                          <a:cs typeface="Times New Roman" pitchFamily="18" charset="0"/>
-                        </a:rPr>
-                        <a:t> 0.32</a:t>
-                      </a:r>
-                      <a:endParaRPr lang="en-US" dirty="0">
-                        <a:latin typeface="Times New Roman" pitchFamily="18" charset="0"/>
-                        <a:cs typeface="Times New Roman" pitchFamily="18" charset="0"/>
-                      </a:endParaRPr>
-                    </a:p>
-                  </a:txBody>
-                  <a:tcPr/>
-                </a:tc>
-              </a:tr>
-              <a:tr h="370840">
-                <a:tc>
-                  <a:txBody>
-                    <a:bodyPr/>
-                    <a:lstStyle/>
-                    <a:p>
-                      <a:r>
-                        <a:rPr lang="en-US" dirty="0" err="1" smtClean="0">
-                          <a:latin typeface="Times New Roman" pitchFamily="18" charset="0"/>
-                          <a:cs typeface="Times New Roman" pitchFamily="18" charset="0"/>
-                        </a:rPr>
-                        <a:t>residual.sugar</a:t>
-                      </a:r>
-                      <a:endParaRPr lang="en-US" dirty="0">
-                        <a:latin typeface="Times New Roman" pitchFamily="18" charset="0"/>
-                        <a:cs typeface="Times New Roman" pitchFamily="18" charset="0"/>
-                      </a:endParaRPr>
-                    </a:p>
-                  </a:txBody>
-                  <a:tcPr/>
-                </a:tc>
-                <a:tc>
-                  <a:txBody>
-                    <a:bodyPr/>
-                    <a:lstStyle/>
-                    <a:p>
-                      <a:r>
-                        <a:rPr lang="en-US" dirty="0" smtClean="0">
-                          <a:latin typeface="Times New Roman" pitchFamily="18" charset="0"/>
-                          <a:cs typeface="Times New Roman" pitchFamily="18" charset="0"/>
-                        </a:rPr>
-                        <a:t>4.82</a:t>
-                      </a:r>
-                      <a:endParaRPr lang="en-US" dirty="0">
-                        <a:latin typeface="Times New Roman" pitchFamily="18" charset="0"/>
-                        <a:cs typeface="Times New Roman" pitchFamily="18" charset="0"/>
-                      </a:endParaRPr>
-                    </a:p>
-                  </a:txBody>
-                  <a:tcPr/>
-                </a:tc>
-                <a:tc>
-                  <a:txBody>
-                    <a:bodyPr/>
-                    <a:lstStyle/>
-                    <a:p>
-                      <a:r>
-                        <a:rPr lang="en-US" dirty="0" smtClean="0">
-                          <a:latin typeface="Times New Roman" pitchFamily="18" charset="0"/>
-                          <a:cs typeface="Times New Roman" pitchFamily="18" charset="0"/>
-                        </a:rPr>
-                        <a:t>7.33</a:t>
-                      </a:r>
-                      <a:endParaRPr lang="en-US" dirty="0">
-                        <a:latin typeface="Times New Roman" pitchFamily="18" charset="0"/>
-                        <a:cs typeface="Times New Roman" pitchFamily="18" charset="0"/>
-                      </a:endParaRPr>
-                    </a:p>
-                  </a:txBody>
-                  <a:tcPr/>
-                </a:tc>
-                <a:tc>
-                  <a:txBody>
-                    <a:bodyPr/>
-                    <a:lstStyle/>
-                    <a:p>
-                      <a:r>
-                        <a:rPr lang="en-US" dirty="0" smtClean="0">
-                          <a:latin typeface="Times New Roman" pitchFamily="18" charset="0"/>
-                          <a:cs typeface="Times New Roman" pitchFamily="18" charset="0"/>
-                        </a:rPr>
-                        <a:t>6.44</a:t>
-                      </a:r>
-                      <a:endParaRPr lang="en-US" dirty="0">
-                        <a:latin typeface="Times New Roman" pitchFamily="18" charset="0"/>
-                        <a:cs typeface="Times New Roman" pitchFamily="18" charset="0"/>
-                      </a:endParaRPr>
-                    </a:p>
-                  </a:txBody>
-                  <a:tcPr/>
-                </a:tc>
-                <a:tc>
-                  <a:txBody>
-                    <a:bodyPr/>
-                    <a:lstStyle/>
-                    <a:p>
-                      <a:r>
-                        <a:rPr lang="en-US" dirty="0" smtClean="0">
-                          <a:latin typeface="Times New Roman" pitchFamily="18" charset="0"/>
-                          <a:cs typeface="Times New Roman" pitchFamily="18" charset="0"/>
-                        </a:rPr>
-                        <a:t>5.18</a:t>
-                      </a:r>
-                      <a:endParaRPr lang="en-US" dirty="0">
-                        <a:latin typeface="Times New Roman" pitchFamily="18" charset="0"/>
-                        <a:cs typeface="Times New Roman" pitchFamily="18" charset="0"/>
-                      </a:endParaRPr>
-                    </a:p>
-                  </a:txBody>
-                  <a:tcPr/>
-                </a:tc>
-                <a:tc>
-                  <a:txBody>
-                    <a:bodyPr/>
-                    <a:lstStyle/>
-                    <a:p>
-                      <a:r>
-                        <a:rPr lang="en-US" dirty="0" smtClean="0">
-                          <a:latin typeface="Times New Roman" pitchFamily="18" charset="0"/>
-                          <a:cs typeface="Times New Roman" pitchFamily="18" charset="0"/>
-                        </a:rPr>
-                        <a:t>5.62</a:t>
-                      </a:r>
-                      <a:endParaRPr lang="en-US" dirty="0">
-                        <a:latin typeface="Times New Roman" pitchFamily="18" charset="0"/>
-                        <a:cs typeface="Times New Roman" pitchFamily="18" charset="0"/>
-                      </a:endParaRPr>
-                    </a:p>
-                  </a:txBody>
-                  <a:tcPr/>
-                </a:tc>
-              </a:tr>
-              <a:tr h="370840">
-                <a:tc>
-                  <a:txBody>
-                    <a:bodyPr/>
-                    <a:lstStyle/>
-                    <a:p>
-                      <a:r>
-                        <a:rPr lang="en-US" dirty="0" smtClean="0">
-                          <a:latin typeface="Times New Roman" pitchFamily="18" charset="0"/>
-                          <a:cs typeface="Times New Roman" pitchFamily="18" charset="0"/>
-                        </a:rPr>
-                        <a:t>chlorides</a:t>
-                      </a:r>
-                      <a:endParaRPr lang="en-US" dirty="0">
-                        <a:latin typeface="Times New Roman" pitchFamily="18" charset="0"/>
-                        <a:cs typeface="Times New Roman" pitchFamily="18" charset="0"/>
-                      </a:endParaRPr>
-                    </a:p>
-                  </a:txBody>
-                  <a:tcPr/>
-                </a:tc>
-                <a:tc>
-                  <a:txBody>
-                    <a:bodyPr/>
-                    <a:lstStyle/>
-                    <a:p>
-                      <a:r>
-                        <a:rPr lang="en-US" dirty="0" smtClean="0">
-                          <a:latin typeface="Times New Roman" pitchFamily="18" charset="0"/>
-                          <a:cs typeface="Times New Roman" pitchFamily="18" charset="0"/>
-                        </a:rPr>
-                        <a:t>0.05</a:t>
-                      </a:r>
-                      <a:endParaRPr lang="en-US" dirty="0">
-                        <a:latin typeface="Times New Roman" pitchFamily="18" charset="0"/>
-                        <a:cs typeface="Times New Roman" pitchFamily="18" charset="0"/>
-                      </a:endParaRPr>
-                    </a:p>
-                  </a:txBody>
-                  <a:tcPr/>
-                </a:tc>
-                <a:tc>
-                  <a:txBody>
-                    <a:bodyPr/>
-                    <a:lstStyle/>
-                    <a:p>
-                      <a:r>
-                        <a:rPr lang="en-US" dirty="0" smtClean="0">
-                          <a:latin typeface="Times New Roman" pitchFamily="18" charset="0"/>
-                          <a:cs typeface="Times New Roman" pitchFamily="18" charset="0"/>
-                        </a:rPr>
-                        <a:t>0.05</a:t>
-                      </a:r>
-                      <a:endParaRPr lang="en-US" dirty="0">
-                        <a:latin typeface="Times New Roman" pitchFamily="18" charset="0"/>
-                        <a:cs typeface="Times New Roman" pitchFamily="18" charset="0"/>
-                      </a:endParaRPr>
-                    </a:p>
-                  </a:txBody>
-                  <a:tcPr/>
-                </a:tc>
-                <a:tc>
-                  <a:txBody>
-                    <a:bodyPr/>
-                    <a:lstStyle/>
-                    <a:p>
-                      <a:r>
-                        <a:rPr lang="en-US" dirty="0" smtClean="0">
-                          <a:latin typeface="Times New Roman" pitchFamily="18" charset="0"/>
-                          <a:cs typeface="Times New Roman" pitchFamily="18" charset="0"/>
-                        </a:rPr>
-                        <a:t>0.04</a:t>
-                      </a:r>
-                      <a:endParaRPr lang="en-US" dirty="0">
-                        <a:latin typeface="Times New Roman" pitchFamily="18" charset="0"/>
-                        <a:cs typeface="Times New Roman" pitchFamily="18" charset="0"/>
-                      </a:endParaRPr>
-                    </a:p>
-                  </a:txBody>
-                  <a:tcPr/>
-                </a:tc>
-                <a:tc>
-                  <a:txBody>
-                    <a:bodyPr/>
-                    <a:lstStyle/>
-                    <a:p>
-                      <a:r>
-                        <a:rPr lang="en-US" dirty="0" smtClean="0">
-                          <a:latin typeface="Times New Roman" pitchFamily="18" charset="0"/>
-                          <a:cs typeface="Times New Roman" pitchFamily="18" charset="0"/>
-                        </a:rPr>
-                        <a:t>0.03</a:t>
-                      </a:r>
-                      <a:endParaRPr lang="en-US" dirty="0">
-                        <a:latin typeface="Times New Roman" pitchFamily="18" charset="0"/>
-                        <a:cs typeface="Times New Roman" pitchFamily="18" charset="0"/>
-                      </a:endParaRPr>
-                    </a:p>
-                  </a:txBody>
-                  <a:tcPr/>
-                </a:tc>
-                <a:tc>
-                  <a:txBody>
-                    <a:bodyPr/>
-                    <a:lstStyle/>
-                    <a:p>
-                      <a:r>
-                        <a:rPr lang="en-US" dirty="0" smtClean="0">
-                          <a:latin typeface="Times New Roman" pitchFamily="18" charset="0"/>
-                          <a:cs typeface="Times New Roman" pitchFamily="18" charset="0"/>
-                        </a:rPr>
-                        <a:t>0.03</a:t>
-                      </a:r>
-                      <a:endParaRPr lang="en-US" dirty="0">
-                        <a:latin typeface="Times New Roman" pitchFamily="18" charset="0"/>
-                        <a:cs typeface="Times New Roman" pitchFamily="18" charset="0"/>
-                      </a:endParaRPr>
-                    </a:p>
-                  </a:txBody>
-                  <a:tcPr/>
-                </a:tc>
-              </a:tr>
-              <a:tr h="370840">
-                <a:tc>
-                  <a:txBody>
-                    <a:bodyPr/>
-                    <a:lstStyle/>
-                    <a:p>
-                      <a:r>
-                        <a:rPr lang="en-US" dirty="0" err="1" smtClean="0">
-                          <a:latin typeface="Times New Roman" pitchFamily="18" charset="0"/>
-                          <a:cs typeface="Times New Roman" pitchFamily="18" charset="0"/>
-                        </a:rPr>
-                        <a:t>free.sulfur.dioxide</a:t>
-                      </a:r>
-                      <a:endParaRPr lang="en-US" dirty="0">
-                        <a:latin typeface="Times New Roman" pitchFamily="18" charset="0"/>
-                        <a:cs typeface="Times New Roman" pitchFamily="18" charset="0"/>
-                      </a:endParaRPr>
-                    </a:p>
-                  </a:txBody>
-                  <a:tcPr/>
-                </a:tc>
-                <a:tc>
-                  <a:txBody>
-                    <a:bodyPr/>
-                    <a:lstStyle/>
-                    <a:p>
-                      <a:r>
-                        <a:rPr lang="en-US" dirty="0" smtClean="0">
-                          <a:latin typeface="Times New Roman" pitchFamily="18" charset="0"/>
-                          <a:cs typeface="Times New Roman" pitchFamily="18" charset="0"/>
-                        </a:rPr>
-                        <a:t>26.63</a:t>
-                      </a:r>
-                      <a:endParaRPr lang="en-US" dirty="0">
-                        <a:latin typeface="Times New Roman" pitchFamily="18" charset="0"/>
-                        <a:cs typeface="Times New Roman" pitchFamily="18" charset="0"/>
-                      </a:endParaRPr>
-                    </a:p>
-                  </a:txBody>
-                  <a:tcPr/>
-                </a:tc>
-                <a:tc>
-                  <a:txBody>
-                    <a:bodyPr/>
-                    <a:lstStyle/>
-                    <a:p>
-                      <a:r>
-                        <a:rPr lang="en-US" dirty="0" smtClean="0">
-                          <a:latin typeface="Times New Roman" pitchFamily="18" charset="0"/>
-                          <a:cs typeface="Times New Roman" pitchFamily="18" charset="0"/>
-                        </a:rPr>
-                        <a:t>36.43</a:t>
-                      </a:r>
-                      <a:endParaRPr lang="en-US" dirty="0">
-                        <a:latin typeface="Times New Roman" pitchFamily="18" charset="0"/>
-                        <a:cs typeface="Times New Roman" pitchFamily="18" charset="0"/>
-                      </a:endParaRPr>
-                    </a:p>
-                  </a:txBody>
-                  <a:tcPr/>
-                </a:tc>
-                <a:tc>
-                  <a:txBody>
-                    <a:bodyPr/>
-                    <a:lstStyle/>
-                    <a:p>
-                      <a:r>
-                        <a:rPr lang="en-US" dirty="0" smtClean="0">
-                          <a:latin typeface="Times New Roman" pitchFamily="18" charset="0"/>
-                          <a:cs typeface="Times New Roman" pitchFamily="18" charset="0"/>
-                        </a:rPr>
-                        <a:t>35.65</a:t>
-                      </a:r>
-                      <a:endParaRPr lang="en-US" dirty="0">
-                        <a:latin typeface="Times New Roman" pitchFamily="18" charset="0"/>
-                        <a:cs typeface="Times New Roman" pitchFamily="18" charset="0"/>
-                      </a:endParaRPr>
-                    </a:p>
-                  </a:txBody>
-                  <a:tcPr/>
-                </a:tc>
-                <a:tc>
-                  <a:txBody>
-                    <a:bodyPr/>
-                    <a:lstStyle/>
-                    <a:p>
-                      <a:r>
-                        <a:rPr lang="en-US" dirty="0" smtClean="0">
-                          <a:latin typeface="Times New Roman" pitchFamily="18" charset="0"/>
-                          <a:cs typeface="Times New Roman" pitchFamily="18" charset="0"/>
-                        </a:rPr>
-                        <a:t>34.12</a:t>
-                      </a:r>
-                      <a:endParaRPr lang="en-US" dirty="0">
-                        <a:latin typeface="Times New Roman" pitchFamily="18" charset="0"/>
-                        <a:cs typeface="Times New Roman" pitchFamily="18" charset="0"/>
-                      </a:endParaRPr>
-                    </a:p>
-                  </a:txBody>
-                  <a:tcPr/>
-                </a:tc>
-                <a:tc>
-                  <a:txBody>
-                    <a:bodyPr/>
-                    <a:lstStyle/>
-                    <a:p>
-                      <a:r>
-                        <a:rPr lang="en-US" dirty="0" smtClean="0">
-                          <a:latin typeface="Times New Roman" pitchFamily="18" charset="0"/>
-                          <a:cs typeface="Times New Roman" pitchFamily="18" charset="0"/>
-                        </a:rPr>
-                        <a:t>36.62</a:t>
-                      </a:r>
-                      <a:endParaRPr lang="en-US" dirty="0">
-                        <a:latin typeface="Times New Roman" pitchFamily="18" charset="0"/>
-                        <a:cs typeface="Times New Roman" pitchFamily="18" charset="0"/>
-                      </a:endParaRPr>
-                    </a:p>
-                  </a:txBody>
-                  <a:tcPr/>
-                </a:tc>
-              </a:tr>
-              <a:tr h="370840">
-                <a:tc>
-                  <a:txBody>
-                    <a:bodyPr/>
-                    <a:lstStyle/>
-                    <a:p>
-                      <a:r>
-                        <a:rPr lang="en-US" dirty="0" err="1" smtClean="0">
-                          <a:latin typeface="Times New Roman" pitchFamily="18" charset="0"/>
-                          <a:cs typeface="Times New Roman" pitchFamily="18" charset="0"/>
-                        </a:rPr>
-                        <a:t>total.sulfur.dioxide</a:t>
-                      </a:r>
-                      <a:endParaRPr lang="en-US" dirty="0">
-                        <a:latin typeface="Times New Roman" pitchFamily="18" charset="0"/>
-                        <a:cs typeface="Times New Roman" pitchFamily="18" charset="0"/>
-                      </a:endParaRPr>
-                    </a:p>
-                  </a:txBody>
-                  <a:tcPr/>
-                </a:tc>
-                <a:tc>
-                  <a:txBody>
-                    <a:bodyPr/>
-                    <a:lstStyle/>
-                    <a:p>
-                      <a:r>
-                        <a:rPr lang="en-US" dirty="0" smtClean="0">
-                          <a:latin typeface="Times New Roman" pitchFamily="18" charset="0"/>
-                          <a:cs typeface="Times New Roman" pitchFamily="18" charset="0"/>
-                        </a:rPr>
-                        <a:t>130.23</a:t>
-                      </a:r>
-                      <a:endParaRPr lang="en-US" dirty="0">
-                        <a:latin typeface="Times New Roman" pitchFamily="18" charset="0"/>
-                        <a:cs typeface="Times New Roman" pitchFamily="18" charset="0"/>
-                      </a:endParaRPr>
-                    </a:p>
-                  </a:txBody>
-                  <a:tcPr/>
-                </a:tc>
-                <a:tc>
-                  <a:txBody>
-                    <a:bodyPr/>
-                    <a:lstStyle/>
-                    <a:p>
-                      <a:r>
-                        <a:rPr lang="en-US" dirty="0" smtClean="0">
-                          <a:latin typeface="Times New Roman" pitchFamily="18" charset="0"/>
-                          <a:cs typeface="Times New Roman" pitchFamily="18" charset="0"/>
-                        </a:rPr>
-                        <a:t>150.90</a:t>
-                      </a:r>
-                      <a:endParaRPr lang="en-US" dirty="0">
-                        <a:latin typeface="Times New Roman" pitchFamily="18" charset="0"/>
-                        <a:cs typeface="Times New Roman" pitchFamily="18" charset="0"/>
-                      </a:endParaRPr>
-                    </a:p>
-                  </a:txBody>
-                  <a:tcPr/>
-                </a:tc>
-                <a:tc>
-                  <a:txBody>
-                    <a:bodyPr/>
-                    <a:lstStyle/>
-                    <a:p>
-                      <a:r>
-                        <a:rPr lang="en-US" dirty="0" smtClean="0">
-                          <a:latin typeface="Times New Roman" pitchFamily="18" charset="0"/>
-                          <a:cs typeface="Times New Roman" pitchFamily="18" charset="0"/>
-                        </a:rPr>
-                        <a:t>137.04</a:t>
-                      </a:r>
-                      <a:endParaRPr lang="en-US" dirty="0">
-                        <a:latin typeface="Times New Roman" pitchFamily="18" charset="0"/>
-                        <a:cs typeface="Times New Roman" pitchFamily="18" charset="0"/>
-                      </a:endParaRPr>
-                    </a:p>
-                  </a:txBody>
-                  <a:tcPr/>
-                </a:tc>
-                <a:tc>
-                  <a:txBody>
-                    <a:bodyPr/>
-                    <a:lstStyle/>
-                    <a:p>
-                      <a:r>
-                        <a:rPr lang="en-US" dirty="0" smtClean="0">
-                          <a:latin typeface="Times New Roman" pitchFamily="18" charset="0"/>
-                          <a:cs typeface="Times New Roman" pitchFamily="18" charset="0"/>
-                        </a:rPr>
-                        <a:t>125.1</a:t>
-                      </a:r>
-                      <a:endParaRPr lang="en-US" dirty="0">
-                        <a:latin typeface="Times New Roman" pitchFamily="18" charset="0"/>
-                        <a:cs typeface="Times New Roman" pitchFamily="18" charset="0"/>
-                      </a:endParaRPr>
-                    </a:p>
-                  </a:txBody>
-                  <a:tcPr/>
-                </a:tc>
-                <a:tc>
-                  <a:txBody>
-                    <a:bodyPr/>
-                    <a:lstStyle/>
-                    <a:p>
-                      <a:r>
-                        <a:rPr lang="en-US" dirty="0" smtClean="0">
-                          <a:latin typeface="Times New Roman" pitchFamily="18" charset="0"/>
-                          <a:cs typeface="Times New Roman" pitchFamily="18" charset="0"/>
-                        </a:rPr>
-                        <a:t>125.88</a:t>
-                      </a:r>
-                      <a:endParaRPr lang="en-US" dirty="0">
-                        <a:latin typeface="Times New Roman" pitchFamily="18" charset="0"/>
-                        <a:cs typeface="Times New Roman" pitchFamily="18" charset="0"/>
-                      </a:endParaRPr>
-                    </a:p>
-                  </a:txBody>
-                  <a:tcPr/>
-                </a:tc>
-              </a:tr>
-              <a:tr h="370840">
-                <a:tc>
-                  <a:txBody>
-                    <a:bodyPr/>
-                    <a:lstStyle/>
-                    <a:p>
-                      <a:r>
-                        <a:rPr lang="en-US" dirty="0" smtClean="0">
+                        <a:rPr lang="en-US" dirty="0">
                           <a:latin typeface="Times New Roman" pitchFamily="18" charset="0"/>
                           <a:cs typeface="Times New Roman" pitchFamily="18" charset="0"/>
                         </a:rPr>
                         <a:t>density</a:t>
                       </a:r>
-                      <a:endParaRPr lang="en-US" dirty="0">
-                        <a:latin typeface="Times New Roman" pitchFamily="18" charset="0"/>
-                        <a:cs typeface="Times New Roman" pitchFamily="18" charset="0"/>
-                      </a:endParaRPr>
-                    </a:p>
-                  </a:txBody>
-                  <a:tcPr/>
-                </a:tc>
-                <a:tc>
-                  <a:txBody>
-                    <a:bodyPr/>
-                    <a:lstStyle/>
-                    <a:p>
-                      <a:r>
-                        <a:rPr lang="en-US" dirty="0" smtClean="0">
+                    </a:p>
+                  </a:txBody>
+                  <a:tcPr/>
+                </a:tc>
+                <a:tc>
+                  <a:txBody>
+                    <a:bodyPr/>
+                    <a:lstStyle/>
+                    <a:p>
+                      <a:r>
+                        <a:rPr lang="en-US" dirty="0">
                           <a:latin typeface="Times New Roman" pitchFamily="18" charset="0"/>
                           <a:cs typeface="Times New Roman" pitchFamily="18" charset="0"/>
                         </a:rPr>
                         <a:t>0.99</a:t>
                       </a:r>
-                      <a:endParaRPr lang="en-US" dirty="0">
-                        <a:latin typeface="Times New Roman" pitchFamily="18" charset="0"/>
-                        <a:cs typeface="Times New Roman" pitchFamily="18" charset="0"/>
-                      </a:endParaRPr>
                     </a:p>
                   </a:txBody>
                   <a:tcPr/>
@@ -7337,16 +7258,12 @@
                         <a:defRPr/>
                       </a:pPr>
                       <a:r>
-                        <a:rPr lang="en-US" dirty="0" smtClean="0">
+                        <a:rPr lang="en-US" dirty="0">
                           <a:latin typeface="Times New Roman" pitchFamily="18" charset="0"/>
                           <a:cs typeface="Times New Roman" pitchFamily="18" charset="0"/>
                         </a:rPr>
                         <a:t>0.99</a:t>
                       </a:r>
-                      <a:endParaRPr lang="en-US" dirty="0">
-                        <a:latin typeface="Times New Roman" pitchFamily="18" charset="0"/>
-                        <a:cs typeface="Times New Roman" pitchFamily="18" charset="0"/>
-                      </a:endParaRPr>
                     </a:p>
                   </a:txBody>
                   <a:tcPr/>
@@ -7374,11 +7291,169 @@
                         <a:defRPr/>
                       </a:pPr>
                       <a:r>
-                        <a:rPr lang="en-US" dirty="0" smtClean="0">
+                        <a:rPr lang="en-US" dirty="0">
                           <a:latin typeface="Times New Roman" pitchFamily="18" charset="0"/>
                           <a:cs typeface="Times New Roman" pitchFamily="18" charset="0"/>
                         </a:rPr>
                         <a:t>0.99</a:t>
+                      </a:r>
+                    </a:p>
+                  </a:txBody>
+                  <a:tcPr/>
+                </a:tc>
+                <a:tc>
+                  <a:txBody>
+                    <a:bodyPr/>
+                    <a:lstStyle/>
+                    <a:p>
+                      <a:r>
+                        <a:rPr lang="en-US" dirty="0">
+                          <a:latin typeface="Times New Roman" pitchFamily="18" charset="0"/>
+                          <a:cs typeface="Times New Roman" pitchFamily="18" charset="0"/>
+                        </a:rPr>
+                        <a:t>0.99</a:t>
+                      </a:r>
+                    </a:p>
+                  </a:txBody>
+                  <a:tcPr/>
+                </a:tc>
+                <a:tc>
+                  <a:txBody>
+                    <a:bodyPr/>
+                    <a:lstStyle/>
+                    <a:p>
+                      <a:r>
+                        <a:rPr lang="en-US" dirty="0">
+                          <a:latin typeface="Times New Roman" pitchFamily="18" charset="0"/>
+                          <a:cs typeface="Times New Roman" pitchFamily="18" charset="0"/>
+                        </a:rPr>
+                        <a:t>0.99</a:t>
+                      </a:r>
+                    </a:p>
+                  </a:txBody>
+                  <a:tcPr/>
+                </a:tc>
+                <a:extLst>
+                  <a:ext uri="{0D108BD9-81ED-4DB2-BD59-A6C34878D82A}">
+                    <a16:rowId xmlns:a16="http://schemas.microsoft.com/office/drawing/2014/main" val="10008"/>
+                  </a:ext>
+                </a:extLst>
+              </a:tr>
+              <a:tr h="370840">
+                <a:tc>
+                  <a:txBody>
+                    <a:bodyPr/>
+                    <a:lstStyle/>
+                    <a:p>
+                      <a:r>
+                        <a:rPr lang="en-US" dirty="0">
+                          <a:latin typeface="Times New Roman" pitchFamily="18" charset="0"/>
+                          <a:cs typeface="Times New Roman" pitchFamily="18" charset="0"/>
+                        </a:rPr>
+                        <a:t>pH </a:t>
+                      </a:r>
+                    </a:p>
+                  </a:txBody>
+                  <a:tcPr/>
+                </a:tc>
+                <a:tc>
+                  <a:txBody>
+                    <a:bodyPr/>
+                    <a:lstStyle/>
+                    <a:p>
+                      <a:r>
+                        <a:rPr lang="en-US" dirty="0">
+                          <a:latin typeface="Times New Roman" pitchFamily="18" charset="0"/>
+                          <a:cs typeface="Times New Roman" pitchFamily="18" charset="0"/>
+                        </a:rPr>
+                        <a:t>3.18</a:t>
+                      </a:r>
+                    </a:p>
+                  </a:txBody>
+                  <a:tcPr/>
+                </a:tc>
+                <a:tc>
+                  <a:txBody>
+                    <a:bodyPr/>
+                    <a:lstStyle/>
+                    <a:p>
+                      <a:r>
+                        <a:rPr lang="en-US" dirty="0">
+                          <a:latin typeface="Times New Roman" pitchFamily="18" charset="0"/>
+                          <a:cs typeface="Times New Roman" pitchFamily="18" charset="0"/>
+                        </a:rPr>
+                        <a:t>3.16</a:t>
+                      </a:r>
+                    </a:p>
+                  </a:txBody>
+                  <a:tcPr/>
+                </a:tc>
+                <a:tc>
+                  <a:txBody>
+                    <a:bodyPr/>
+                    <a:lstStyle/>
+                    <a:p>
+                      <a:r>
+                        <a:rPr lang="en-US" dirty="0">
+                          <a:latin typeface="Times New Roman" pitchFamily="18" charset="0"/>
+                          <a:cs typeface="Times New Roman" pitchFamily="18" charset="0"/>
+                        </a:rPr>
+                        <a:t>3.18</a:t>
+                      </a:r>
+                    </a:p>
+                  </a:txBody>
+                  <a:tcPr/>
+                </a:tc>
+                <a:tc>
+                  <a:txBody>
+                    <a:bodyPr/>
+                    <a:lstStyle/>
+                    <a:p>
+                      <a:r>
+                        <a:rPr lang="en-US" dirty="0">
+                          <a:latin typeface="Times New Roman" pitchFamily="18" charset="0"/>
+                          <a:cs typeface="Times New Roman" pitchFamily="18" charset="0"/>
+                        </a:rPr>
+                        <a:t>3.21</a:t>
+                      </a:r>
+                    </a:p>
+                  </a:txBody>
+                  <a:tcPr/>
+                </a:tc>
+                <a:tc>
+                  <a:txBody>
+                    <a:bodyPr/>
+                    <a:lstStyle/>
+                    <a:p>
+                      <a:r>
+                        <a:rPr lang="en-US" dirty="0">
+                          <a:latin typeface="Times New Roman" pitchFamily="18" charset="0"/>
+                          <a:cs typeface="Times New Roman" pitchFamily="18" charset="0"/>
+                        </a:rPr>
+                        <a:t>3.21</a:t>
+                      </a:r>
+                    </a:p>
+                  </a:txBody>
+                  <a:tcPr/>
+                </a:tc>
+                <a:extLst>
+                  <a:ext uri="{0D108BD9-81ED-4DB2-BD59-A6C34878D82A}">
+                    <a16:rowId xmlns:a16="http://schemas.microsoft.com/office/drawing/2014/main" val="10009"/>
+                  </a:ext>
+                </a:extLst>
+              </a:tr>
+              <a:tr h="370840">
+                <a:tc>
+                  <a:txBody>
+                    <a:bodyPr/>
+                    <a:lstStyle/>
+                    <a:p>
+                      <a:r>
+                        <a:rPr lang="en-US" dirty="0" err="1">
+                          <a:latin typeface="Times New Roman" pitchFamily="18" charset="0"/>
+                          <a:cs typeface="Times New Roman" pitchFamily="18" charset="0"/>
+                        </a:rPr>
+                        <a:t>sulphates</a:t>
                       </a:r>
                       <a:endParaRPr lang="en-US" dirty="0">
                         <a:latin typeface="Times New Roman" pitchFamily="18" charset="0"/>
@@ -7394,40 +7469,85 @@
                     <a:lstStyle/>
                     <a:p>
                       <a:r>
-                        <a:rPr lang="en-US" dirty="0" smtClean="0">
-                          <a:latin typeface="Times New Roman" pitchFamily="18" charset="0"/>
-                          <a:cs typeface="Times New Roman" pitchFamily="18" charset="0"/>
-                        </a:rPr>
-                        <a:t>0.99</a:t>
-                      </a:r>
-                      <a:endParaRPr lang="en-US" dirty="0">
-                        <a:latin typeface="Times New Roman" pitchFamily="18" charset="0"/>
-                        <a:cs typeface="Times New Roman" pitchFamily="18" charset="0"/>
-                      </a:endParaRPr>
-                    </a:p>
-                  </a:txBody>
-                  <a:tcPr/>
-                </a:tc>
-                <a:tc>
-                  <a:txBody>
-                    <a:bodyPr/>
-                    <a:lstStyle/>
-                    <a:p>
-                      <a:r>
-                        <a:rPr lang="en-US" dirty="0" smtClean="0">
-                          <a:latin typeface="Times New Roman" pitchFamily="18" charset="0"/>
-                          <a:cs typeface="Times New Roman" pitchFamily="18" charset="0"/>
-                        </a:rPr>
-                        <a:t>0.99</a:t>
-                      </a:r>
-                      <a:endParaRPr lang="en-US" dirty="0">
-                        <a:latin typeface="Times New Roman" pitchFamily="18" charset="0"/>
-                        <a:cs typeface="Times New Roman" pitchFamily="18" charset="0"/>
-                      </a:endParaRPr>
-                    </a:p>
-                  </a:txBody>
-                  <a:tcPr/>
-                </a:tc>
+                        <a:rPr lang="en-US" dirty="0">
+                          <a:latin typeface="Times New Roman" pitchFamily="18" charset="0"/>
+                          <a:cs typeface="Times New Roman" pitchFamily="18" charset="0"/>
+                        </a:rPr>
+                        <a:t>0.47</a:t>
+                      </a:r>
+                    </a:p>
+                  </a:txBody>
+                  <a:tcPr/>
+                </a:tc>
+                <a:tc>
+                  <a:txBody>
+                    <a:bodyPr/>
+                    <a:lstStyle/>
+                    <a:p>
+                      <a:r>
+                        <a:rPr lang="en-US" dirty="0">
+                          <a:latin typeface="Times New Roman" pitchFamily="18" charset="0"/>
+                          <a:cs typeface="Times New Roman" pitchFamily="18" charset="0"/>
+                        </a:rPr>
+                        <a:t>0.48</a:t>
+                      </a:r>
+                    </a:p>
+                  </a:txBody>
+                  <a:tcPr/>
+                </a:tc>
+                <a:tc>
+                  <a:txBody>
+                    <a:bodyPr/>
+                    <a:lstStyle/>
+                    <a:p>
+                      <a:r>
+                        <a:rPr lang="en-US" dirty="0">
+                          <a:latin typeface="Times New Roman" pitchFamily="18" charset="0"/>
+                          <a:cs typeface="Times New Roman" pitchFamily="18" charset="0"/>
+                        </a:rPr>
+                        <a:t>0.49</a:t>
+                      </a:r>
+                    </a:p>
+                  </a:txBody>
+                  <a:tcPr/>
+                </a:tc>
+                <a:tc>
+                  <a:txBody>
+                    <a:bodyPr/>
+                    <a:lstStyle/>
+                    <a:p>
+                      <a:r>
+                        <a:rPr lang="en-US" dirty="0">
+                          <a:latin typeface="Times New Roman" pitchFamily="18" charset="0"/>
+                          <a:cs typeface="Times New Roman" pitchFamily="18" charset="0"/>
+                        </a:rPr>
+                        <a:t>0.50</a:t>
+                      </a:r>
+                    </a:p>
+                  </a:txBody>
+                  <a:tcPr/>
+                </a:tc>
+                <a:tc>
+                  <a:txBody>
+                    <a:bodyPr/>
+                    <a:lstStyle/>
+                    <a:p>
+                      <a:r>
+                        <a:rPr lang="en-US" dirty="0">
+                          <a:latin typeface="Times New Roman" pitchFamily="18" charset="0"/>
+                          <a:cs typeface="Times New Roman" pitchFamily="18" charset="0"/>
+                        </a:rPr>
+                        <a:t>0.48</a:t>
+                      </a:r>
+                    </a:p>
+                  </a:txBody>
+                  <a:tcPr/>
+                </a:tc>
+                <a:extLst>
+                  <a:ext uri="{0D108BD9-81ED-4DB2-BD59-A6C34878D82A}">
+                    <a16:rowId xmlns:a16="http://schemas.microsoft.com/office/drawing/2014/main" val="10010"/>
+                  </a:ext>
+                </a:extLst>
               </a:tr>
               <a:tr h="370840">
                 <a:tc>
@@ -7436,364 +7556,101 @@
                     <a:lstStyle/>
                     <a:p>
                       <a:r>
-                        <a:rPr lang="en-US" dirty="0" smtClean="0">
-                          <a:latin typeface="Times New Roman" pitchFamily="18" charset="0"/>
-                          <a:cs typeface="Times New Roman" pitchFamily="18" charset="0"/>
-                        </a:rPr>
-                        <a:t>pH </a:t>
-                      </a:r>
-                      <a:endParaRPr lang="en-US" dirty="0">
-                        <a:latin typeface="Times New Roman" pitchFamily="18" charset="0"/>
-                        <a:cs typeface="Times New Roman" pitchFamily="18" charset="0"/>
-                      </a:endParaRPr>
-                    </a:p>
-                  </a:txBody>
-                  <a:tcPr/>
-                </a:tc>
-                <a:tc>
-                  <a:txBody>
-                    <a:bodyPr/>
-                    <a:lstStyle/>
-                    <a:p>
-                      <a:r>
-                        <a:rPr lang="en-US" dirty="0" smtClean="0">
-                          <a:latin typeface="Times New Roman" pitchFamily="18" charset="0"/>
-                          <a:cs typeface="Times New Roman" pitchFamily="18" charset="0"/>
-                        </a:rPr>
-                        <a:t>3.18</a:t>
-                      </a:r>
-                      <a:endParaRPr lang="en-US" dirty="0">
-                        <a:latin typeface="Times New Roman" pitchFamily="18" charset="0"/>
-                        <a:cs typeface="Times New Roman" pitchFamily="18" charset="0"/>
-                      </a:endParaRPr>
-                    </a:p>
-                  </a:txBody>
-                  <a:tcPr/>
-                </a:tc>
-                <a:tc>
-                  <a:txBody>
-                    <a:bodyPr/>
-                    <a:lstStyle/>
-                    <a:p>
-                      <a:r>
-                        <a:rPr lang="en-US" dirty="0" smtClean="0">
-                          <a:latin typeface="Times New Roman" pitchFamily="18" charset="0"/>
-                          <a:cs typeface="Times New Roman" pitchFamily="18" charset="0"/>
-                        </a:rPr>
-                        <a:t>3.16</a:t>
-                      </a:r>
-                      <a:endParaRPr lang="en-US" dirty="0">
-                        <a:latin typeface="Times New Roman" pitchFamily="18" charset="0"/>
-                        <a:cs typeface="Times New Roman" pitchFamily="18" charset="0"/>
-                      </a:endParaRPr>
-                    </a:p>
-                  </a:txBody>
-                  <a:tcPr/>
-                </a:tc>
-                <a:tc>
-                  <a:txBody>
-                    <a:bodyPr/>
-                    <a:lstStyle/>
-                    <a:p>
-                      <a:r>
-                        <a:rPr lang="en-US" dirty="0" smtClean="0">
-                          <a:latin typeface="Times New Roman" pitchFamily="18" charset="0"/>
-                          <a:cs typeface="Times New Roman" pitchFamily="18" charset="0"/>
-                        </a:rPr>
-                        <a:t>3.18</a:t>
-                      </a:r>
-                      <a:endParaRPr lang="en-US" dirty="0">
-                        <a:latin typeface="Times New Roman" pitchFamily="18" charset="0"/>
-                        <a:cs typeface="Times New Roman" pitchFamily="18" charset="0"/>
-                      </a:endParaRPr>
-                    </a:p>
-                  </a:txBody>
-                  <a:tcPr/>
-                </a:tc>
-                <a:tc>
-                  <a:txBody>
-                    <a:bodyPr/>
-                    <a:lstStyle/>
-                    <a:p>
-                      <a:r>
-                        <a:rPr lang="en-US" dirty="0" smtClean="0">
-                          <a:latin typeface="Times New Roman" pitchFamily="18" charset="0"/>
-                          <a:cs typeface="Times New Roman" pitchFamily="18" charset="0"/>
-                        </a:rPr>
-                        <a:t>3.21</a:t>
-                      </a:r>
-                      <a:endParaRPr lang="en-US" dirty="0">
-                        <a:latin typeface="Times New Roman" pitchFamily="18" charset="0"/>
-                        <a:cs typeface="Times New Roman" pitchFamily="18" charset="0"/>
-                      </a:endParaRPr>
-                    </a:p>
-                  </a:txBody>
-                  <a:tcPr/>
-                </a:tc>
-                <a:tc>
-                  <a:txBody>
-                    <a:bodyPr/>
-                    <a:lstStyle/>
-                    <a:p>
-                      <a:r>
-                        <a:rPr lang="en-US" dirty="0" smtClean="0">
-                          <a:latin typeface="Times New Roman" pitchFamily="18" charset="0"/>
-                          <a:cs typeface="Times New Roman" pitchFamily="18" charset="0"/>
-                        </a:rPr>
-                        <a:t>3.21</a:t>
-                      </a:r>
-                      <a:endParaRPr lang="en-US" dirty="0">
-                        <a:latin typeface="Times New Roman" pitchFamily="18" charset="0"/>
-                        <a:cs typeface="Times New Roman" pitchFamily="18" charset="0"/>
-                      </a:endParaRPr>
-                    </a:p>
-                  </a:txBody>
-                  <a:tcPr/>
-                </a:tc>
-              </a:tr>
-              <a:tr h="370840">
-                <a:tc>
-                  <a:txBody>
-                    <a:bodyPr/>
-                    <a:lstStyle/>
-                    <a:p>
-                      <a:r>
-                        <a:rPr lang="en-US" dirty="0" err="1" smtClean="0">
-                          <a:latin typeface="Times New Roman" pitchFamily="18" charset="0"/>
-                          <a:cs typeface="Times New Roman" pitchFamily="18" charset="0"/>
-                        </a:rPr>
-                        <a:t>sulphates</a:t>
-                      </a:r>
-                      <a:endParaRPr lang="en-US" dirty="0">
-                        <a:latin typeface="Times New Roman" pitchFamily="18" charset="0"/>
-                        <a:cs typeface="Times New Roman" pitchFamily="18" charset="0"/>
-                      </a:endParaRPr>
-                    </a:p>
-                  </a:txBody>
-                  <a:tcPr/>
-                </a:tc>
-                <a:tc>
-                  <a:txBody>
-                    <a:bodyPr/>
-                    <a:lstStyle/>
-                    <a:p>
-                      <a:r>
-                        <a:rPr lang="en-US" dirty="0" smtClean="0">
-                          <a:latin typeface="Times New Roman" pitchFamily="18" charset="0"/>
-                          <a:cs typeface="Times New Roman" pitchFamily="18" charset="0"/>
-                        </a:rPr>
-                        <a:t>0.47</a:t>
-                      </a:r>
-                      <a:endParaRPr lang="en-US" dirty="0">
-                        <a:latin typeface="Times New Roman" pitchFamily="18" charset="0"/>
-                        <a:cs typeface="Times New Roman" pitchFamily="18" charset="0"/>
-                      </a:endParaRPr>
-                    </a:p>
-                  </a:txBody>
-                  <a:tcPr/>
-                </a:tc>
-                <a:tc>
-                  <a:txBody>
-                    <a:bodyPr/>
-                    <a:lstStyle/>
-                    <a:p>
-                      <a:r>
-                        <a:rPr lang="en-US" dirty="0" smtClean="0">
-                          <a:latin typeface="Times New Roman" pitchFamily="18" charset="0"/>
-                          <a:cs typeface="Times New Roman" pitchFamily="18" charset="0"/>
-                        </a:rPr>
-                        <a:t>0.48</a:t>
-                      </a:r>
-                      <a:endParaRPr lang="en-US" dirty="0">
-                        <a:latin typeface="Times New Roman" pitchFamily="18" charset="0"/>
-                        <a:cs typeface="Times New Roman" pitchFamily="18" charset="0"/>
-                      </a:endParaRPr>
-                    </a:p>
-                  </a:txBody>
-                  <a:tcPr/>
-                </a:tc>
-                <a:tc>
-                  <a:txBody>
-                    <a:bodyPr/>
-                    <a:lstStyle/>
-                    <a:p>
-                      <a:r>
-                        <a:rPr lang="en-US" dirty="0" smtClean="0">
-                          <a:latin typeface="Times New Roman" pitchFamily="18" charset="0"/>
-                          <a:cs typeface="Times New Roman" pitchFamily="18" charset="0"/>
-                        </a:rPr>
-                        <a:t>0.49</a:t>
-                      </a:r>
-                      <a:endParaRPr lang="en-US" dirty="0">
-                        <a:latin typeface="Times New Roman" pitchFamily="18" charset="0"/>
-                        <a:cs typeface="Times New Roman" pitchFamily="18" charset="0"/>
-                      </a:endParaRPr>
-                    </a:p>
-                  </a:txBody>
-                  <a:tcPr/>
-                </a:tc>
-                <a:tc>
-                  <a:txBody>
-                    <a:bodyPr/>
-                    <a:lstStyle/>
-                    <a:p>
-                      <a:r>
-                        <a:rPr lang="en-US" dirty="0" smtClean="0">
-                          <a:latin typeface="Times New Roman" pitchFamily="18" charset="0"/>
-                          <a:cs typeface="Times New Roman" pitchFamily="18" charset="0"/>
-                        </a:rPr>
-                        <a:t>0.50</a:t>
-                      </a:r>
-                      <a:endParaRPr lang="en-US" dirty="0">
-                        <a:latin typeface="Times New Roman" pitchFamily="18" charset="0"/>
-                        <a:cs typeface="Times New Roman" pitchFamily="18" charset="0"/>
-                      </a:endParaRPr>
-                    </a:p>
-                  </a:txBody>
-                  <a:tcPr/>
-                </a:tc>
-                <a:tc>
-                  <a:txBody>
-                    <a:bodyPr/>
-                    <a:lstStyle/>
-                    <a:p>
-                      <a:r>
-                        <a:rPr lang="en-US" dirty="0" smtClean="0">
-                          <a:latin typeface="Times New Roman" pitchFamily="18" charset="0"/>
-                          <a:cs typeface="Times New Roman" pitchFamily="18" charset="0"/>
-                        </a:rPr>
-                        <a:t>0.48</a:t>
-                      </a:r>
-                      <a:endParaRPr lang="en-US" dirty="0">
-                        <a:latin typeface="Times New Roman" pitchFamily="18" charset="0"/>
-                        <a:cs typeface="Times New Roman" pitchFamily="18" charset="0"/>
-                      </a:endParaRPr>
-                    </a:p>
-                  </a:txBody>
-                  <a:tcPr/>
-                </a:tc>
-              </a:tr>
-              <a:tr h="370840">
-                <a:tc>
-                  <a:txBody>
-                    <a:bodyPr/>
-                    <a:lstStyle/>
-                    <a:p>
-                      <a:r>
-                        <a:rPr lang="en-US" dirty="0" smtClean="0">
+                        <a:rPr lang="en-US" dirty="0">
                           <a:latin typeface="Times New Roman" pitchFamily="18" charset="0"/>
                           <a:cs typeface="Times New Roman" pitchFamily="18" charset="0"/>
                         </a:rPr>
                         <a:t>alcohol </a:t>
                       </a:r>
-                      <a:endParaRPr lang="en-US" dirty="0">
-                        <a:latin typeface="Times New Roman" pitchFamily="18" charset="0"/>
-                        <a:cs typeface="Times New Roman" pitchFamily="18" charset="0"/>
-                      </a:endParaRPr>
-                    </a:p>
-                  </a:txBody>
-                  <a:tcPr/>
-                </a:tc>
-                <a:tc>
-                  <a:txBody>
-                    <a:bodyPr/>
-                    <a:lstStyle/>
-                    <a:p>
-                      <a:r>
-                        <a:rPr lang="en-US" dirty="0" smtClean="0">
+                    </a:p>
+                  </a:txBody>
+                  <a:tcPr/>
+                </a:tc>
+                <a:tc>
+                  <a:txBody>
+                    <a:bodyPr/>
+                    <a:lstStyle/>
+                    <a:p>
+                      <a:r>
+                        <a:rPr lang="en-US" dirty="0">
                           <a:latin typeface="Times New Roman" pitchFamily="18" charset="0"/>
                           <a:cs typeface="Times New Roman" pitchFamily="18" charset="0"/>
                         </a:rPr>
                         <a:t>10.17</a:t>
                       </a:r>
-                      <a:endParaRPr lang="en-US" dirty="0">
-                        <a:latin typeface="Times New Roman" pitchFamily="18" charset="0"/>
-                        <a:cs typeface="Times New Roman" pitchFamily="18" charset="0"/>
-                      </a:endParaRPr>
-                    </a:p>
-                  </a:txBody>
-                  <a:tcPr/>
-                </a:tc>
-                <a:tc>
-                  <a:txBody>
-                    <a:bodyPr/>
-                    <a:lstStyle/>
-                    <a:p>
-                      <a:r>
-                        <a:rPr lang="en-US" dirty="0" smtClean="0">
+                    </a:p>
+                  </a:txBody>
+                  <a:tcPr/>
+                </a:tc>
+                <a:tc>
+                  <a:txBody>
+                    <a:bodyPr/>
+                    <a:lstStyle/>
+                    <a:p>
+                      <a:r>
+                        <a:rPr lang="en-US" dirty="0">
                           <a:latin typeface="Times New Roman" pitchFamily="18" charset="0"/>
                           <a:cs typeface="Times New Roman" pitchFamily="18" charset="0"/>
                         </a:rPr>
                         <a:t>9.80</a:t>
                       </a:r>
-                      <a:endParaRPr lang="en-US" dirty="0">
-                        <a:latin typeface="Times New Roman" pitchFamily="18" charset="0"/>
-                        <a:cs typeface="Times New Roman" pitchFamily="18" charset="0"/>
-                      </a:endParaRPr>
-                    </a:p>
-                  </a:txBody>
-                  <a:tcPr/>
-                </a:tc>
-                <a:tc>
-                  <a:txBody>
-                    <a:bodyPr/>
-                    <a:lstStyle/>
-                    <a:p>
-                      <a:r>
-                        <a:rPr lang="en-US" dirty="0" smtClean="0">
+                    </a:p>
+                  </a:txBody>
+                  <a:tcPr/>
+                </a:tc>
+                <a:tc>
+                  <a:txBody>
+                    <a:bodyPr/>
+                    <a:lstStyle/>
+                    <a:p>
+                      <a:r>
+                        <a:rPr lang="en-US" dirty="0">
                           <a:latin typeface="Times New Roman" pitchFamily="18" charset="0"/>
                           <a:cs typeface="Times New Roman" pitchFamily="18" charset="0"/>
                         </a:rPr>
                         <a:t>10.57</a:t>
                       </a:r>
-                      <a:endParaRPr lang="en-US" dirty="0">
-                        <a:latin typeface="Times New Roman" pitchFamily="18" charset="0"/>
-                        <a:cs typeface="Times New Roman" pitchFamily="18" charset="0"/>
-                      </a:endParaRPr>
-                    </a:p>
-                  </a:txBody>
-                  <a:tcPr/>
-                </a:tc>
-                <a:tc>
-                  <a:txBody>
-                    <a:bodyPr/>
-                    <a:lstStyle/>
-                    <a:p>
-                      <a:r>
-                        <a:rPr lang="en-US" dirty="0" smtClean="0">
+                    </a:p>
+                  </a:txBody>
+                  <a:tcPr/>
+                </a:tc>
+                <a:tc>
+                  <a:txBody>
+                    <a:bodyPr/>
+                    <a:lstStyle/>
+                    <a:p>
+                      <a:r>
+                        <a:rPr lang="en-US" dirty="0">
                           <a:latin typeface="Times New Roman" pitchFamily="18" charset="0"/>
                           <a:cs typeface="Times New Roman" pitchFamily="18" charset="0"/>
                         </a:rPr>
                         <a:t>11.36</a:t>
                       </a:r>
-                      <a:endParaRPr lang="en-US" dirty="0">
-                        <a:latin typeface="Times New Roman" pitchFamily="18" charset="0"/>
-                        <a:cs typeface="Times New Roman" pitchFamily="18" charset="0"/>
-                      </a:endParaRPr>
-                    </a:p>
-                  </a:txBody>
-                  <a:tcPr/>
-                </a:tc>
-                <a:tc>
-                  <a:txBody>
-                    <a:bodyPr/>
-                    <a:lstStyle/>
-                    <a:p>
-                      <a:r>
-                        <a:rPr lang="en-US" dirty="0" smtClean="0">
+                    </a:p>
+                  </a:txBody>
+                  <a:tcPr/>
+                </a:tc>
+                <a:tc>
+                  <a:txBody>
+                    <a:bodyPr/>
+                    <a:lstStyle/>
+                    <a:p>
+                      <a:r>
+                        <a:rPr lang="en-US" dirty="0">
                           <a:latin typeface="Times New Roman" pitchFamily="18" charset="0"/>
                           <a:cs typeface="Times New Roman" pitchFamily="18" charset="0"/>
                         </a:rPr>
                         <a:t>11.65</a:t>
                       </a:r>
-                      <a:endParaRPr lang="en-US" dirty="0">
-                        <a:latin typeface="Times New Roman" pitchFamily="18" charset="0"/>
-                        <a:cs typeface="Times New Roman" pitchFamily="18" charset="0"/>
-                      </a:endParaRPr>
-                    </a:p>
-                  </a:txBody>
-                  <a:tcPr/>
-                </a:tc>
+                    </a:p>
+                  </a:txBody>
+                  <a:tcPr/>
+                </a:tc>
+                <a:extLst>
+                  <a:ext uri="{0D108BD9-81ED-4DB2-BD59-A6C34878D82A}">
+                    <a16:rowId xmlns:a16="http://schemas.microsoft.com/office/drawing/2014/main" val="10011"/>
+                  </a:ext>
+                </a:extLst>
               </a:tr>
             </a:tbl>
           </a:graphicData>
@@ -7804,13 +7661,6 @@
   <p:clrMapOvr>
     <a:masterClrMapping/>
   </p:clrMapOvr>
-  <p:timing>
-    <p:tnLst>
-      <p:par>
-        <p:cTn id="1" dur="indefinite" restart="never" nodeType="tmRoot"/>
-      </p:par>
-    </p:tnLst>
-  </p:timing>
 </p:sld>
 </file>
 
@@ -7855,30 +7705,26 @@
           <a:p>
             <a:pPr algn="l"/>
             <a:r>
-              <a:rPr lang="en-US" sz="2000" dirty="0" smtClean="0">
+              <a:rPr lang="en-US" sz="2000" dirty="0">
                 <a:latin typeface="Times New Roman" pitchFamily="18" charset="0"/>
                 <a:cs typeface="Times New Roman" pitchFamily="18" charset="0"/>
               </a:rPr>
               <a:t>Figure 2. </a:t>
             </a:r>
             <a:r>
-              <a:rPr lang="en-US" sz="2000" dirty="0" err="1" smtClean="0">
+              <a:rPr lang="en-US" sz="2000" dirty="0" err="1">
                 <a:latin typeface="Times New Roman" pitchFamily="18" charset="0"/>
                 <a:cs typeface="Times New Roman" pitchFamily="18" charset="0"/>
               </a:rPr>
               <a:t>Boxplot</a:t>
             </a:r>
             <a:r>
-              <a:rPr lang="en-US" sz="2000" dirty="0" smtClean="0">
+              <a:rPr lang="en-US" sz="2000" dirty="0">
                 <a:latin typeface="Times New Roman" pitchFamily="18" charset="0"/>
                 <a:cs typeface="Times New Roman" pitchFamily="18" charset="0"/>
               </a:rPr>
               <a:t> of variables by score of quality </a:t>
             </a:r>
-            <a:endParaRPr lang="en-US" sz="2000" dirty="0">
-              <a:latin typeface="Times New Roman" pitchFamily="18" charset="0"/>
-              <a:cs typeface="Times New Roman" pitchFamily="18" charset="0"/>
-            </a:endParaRPr>
           </a:p>
         </p:txBody>
       </p:sp>
@@ -8269,13 +8115,6 @@
   <p:clrMapOvr>
     <a:masterClrMapping/>
   </p:clrMapOvr>
-  <p:timing>
-    <p:tnLst>
-      <p:par>
-        <p:cTn id="1" dur="indefinite" restart="never" nodeType="tmRoot"/>
-      </p:par>
-    </p:tnLst>
-  </p:timing>
 </p:sld>
 </file>
 
@@ -8319,16 +8158,12 @@
           <a:lstStyle/>
           <a:p>
             <a:r>
-              <a:rPr lang="en-US" sz="2000" dirty="0" smtClean="0">
+              <a:rPr lang="en-US" sz="2000" dirty="0">
                 <a:latin typeface="Times New Roman" pitchFamily="18" charset="0"/>
                 <a:cs typeface="Times New Roman" pitchFamily="18" charset="0"/>
               </a:rPr>
               <a:t>Figure 3. Correlations between variables</a:t>
             </a:r>
-            <a:endParaRPr lang="en-US" sz="2000" dirty="0">
-              <a:latin typeface="Times New Roman" pitchFamily="18" charset="0"/>
-              <a:cs typeface="Times New Roman" pitchFamily="18" charset="0"/>
-            </a:endParaRPr>
           </a:p>
         </p:txBody>
       </p:sp>
@@ -8432,13 +8267,6 @@
   <p:clrMapOvr>
     <a:masterClrMapping/>
   </p:clrMapOvr>
-  <p:timing>
-    <p:tnLst>
-      <p:par>
-        <p:cTn id="1" dur="indefinite" restart="never" nodeType="tmRoot"/>
-      </p:par>
-    </p:tnLst>
-  </p:timing>
 </p:sld>
 </file>
 
@@ -8483,30 +8311,26 @@
           <a:p>
             <a:pPr algn="l"/>
             <a:r>
-              <a:rPr lang="en-US" sz="2000" dirty="0" smtClean="0">
+              <a:rPr lang="en-US" sz="2000" dirty="0">
                 <a:latin typeface="Times New Roman" pitchFamily="18" charset="0"/>
                 <a:cs typeface="Times New Roman" pitchFamily="18" charset="0"/>
               </a:rPr>
               <a:t>Figure 4. </a:t>
             </a:r>
             <a:r>
-              <a:rPr lang="en-US" sz="2000" dirty="0" err="1" smtClean="0">
+              <a:rPr lang="en-US" sz="2000" dirty="0" err="1">
                 <a:latin typeface="Times New Roman" pitchFamily="18" charset="0"/>
                 <a:cs typeface="Times New Roman" pitchFamily="18" charset="0"/>
               </a:rPr>
               <a:t>knn</a:t>
             </a:r>
             <a:r>
-              <a:rPr lang="en-US" sz="2000" dirty="0" smtClean="0">
+              <a:rPr lang="en-US" sz="2000" dirty="0">
                 <a:latin typeface="Times New Roman" pitchFamily="18" charset="0"/>
                 <a:cs typeface="Times New Roman" pitchFamily="18" charset="0"/>
               </a:rPr>
               <a:t> full model</a:t>
             </a:r>
-            <a:endParaRPr lang="en-US" sz="2000" dirty="0">
-              <a:latin typeface="Times New Roman" pitchFamily="18" charset="0"/>
-              <a:cs typeface="Times New Roman" pitchFamily="18" charset="0"/>
-            </a:endParaRPr>
           </a:p>
         </p:txBody>
       </p:sp>
@@ -8543,13 +8367,6 @@
   <p:clrMapOvr>
     <a:masterClrMapping/>
   </p:clrMapOvr>
-  <p:timing>
-    <p:tnLst>
-      <p:par>
-        <p:cTn id="1" dur="indefinite" restart="never" nodeType="tmRoot"/>
-      </p:par>
-    </p:tnLst>
-  </p:timing>
 </p:sld>
 </file>
 
@@ -8593,16 +8410,12 @@
           <a:lstStyle/>
           <a:p>
             <a:r>
-              <a:rPr lang="en-US" sz="2000" dirty="0" smtClean="0">
+              <a:rPr lang="en-US" sz="2000" dirty="0">
                 <a:latin typeface="Times New Roman" pitchFamily="18" charset="0"/>
                 <a:cs typeface="Times New Roman" pitchFamily="18" charset="0"/>
               </a:rPr>
               <a:t>Figure 5. Confusion matrix and statistics of k-NN full model </a:t>
             </a:r>
-            <a:endParaRPr lang="en-US" sz="2000" dirty="0">
-              <a:latin typeface="Times New Roman" pitchFamily="18" charset="0"/>
-              <a:cs typeface="Times New Roman" pitchFamily="18" charset="0"/>
-            </a:endParaRPr>
           </a:p>
         </p:txBody>
       </p:sp>
@@ -8656,13 +8469,6 @@
   <p:clrMapOvr>
     <a:masterClrMapping/>
   </p:clrMapOvr>
-  <p:timing>
-    <p:tnLst>
-      <p:par>
-        <p:cTn id="1" dur="indefinite" restart="never" nodeType="tmRoot"/>
-      </p:par>
-    </p:tnLst>
-  </p:timing>
 </p:sld>
 </file>
 
@@ -8707,21 +8513,21 @@
           <a:p>
             <a:pPr algn="l"/>
             <a:r>
-              <a:rPr lang="en-US" sz="2000" dirty="0" smtClean="0">
+              <a:rPr lang="en-US" sz="2000" dirty="0">
                 <a:latin typeface="Times New Roman" pitchFamily="18" charset="0"/>
                 <a:cs typeface="Times New Roman" pitchFamily="18" charset="0"/>
               </a:rPr>
               <a:t>Figure 6. </a:t>
             </a:r>
             <a:r>
-              <a:rPr lang="en-US" sz="2000" dirty="0" err="1" smtClean="0">
+              <a:rPr lang="en-US" sz="2000" dirty="0" err="1">
                 <a:latin typeface="Times New Roman" pitchFamily="18" charset="0"/>
                 <a:cs typeface="Times New Roman" pitchFamily="18" charset="0"/>
               </a:rPr>
               <a:t>knn</a:t>
             </a:r>
             <a:r>
-              <a:rPr lang="en-US" sz="2000" dirty="0" smtClean="0">
+              <a:rPr lang="en-US" sz="2000" dirty="0">
                 <a:latin typeface="Times New Roman" pitchFamily="18" charset="0"/>
                 <a:cs typeface="Times New Roman" pitchFamily="18" charset="0"/>
               </a:rPr>
